--- a/Docu/TheTwelveFactorApp.pptx
+++ b/Docu/TheTwelveFactorApp.pptx
@@ -4,6 +4,9 @@
   <p:sldMasterIdLst>
     <p:sldMasterId id="2147483660" r:id="rId1"/>
   </p:sldMasterIdLst>
+  <p:notesMasterIdLst>
+    <p:notesMasterId r:id="rId17"/>
+  </p:notesMasterIdLst>
   <p:sldIdLst>
     <p:sldId id="257" r:id="rId2"/>
     <p:sldId id="259" r:id="rId3"/>
@@ -126,8 +129,2983 @@
 </p:presentation>
 </file>
 
-<file path=ppt/revisionInfo.xml><?xml version="1.0" encoding="utf-8"?>
-<p1510:revInfo xmlns:a="http://schemas.openxmlformats.org/drawingml/2006/main" xmlns:r="http://schemas.openxmlformats.org/officeDocument/2006/relationships" xmlns:p1510="http://schemas.microsoft.com/office/powerpoint/2015/10/main"/>
+<file path=ppt/diagrams/colors1.xml><?xml version="1.0" encoding="utf-8"?>
+<dgm:colorsDef xmlns:dgm="http://schemas.openxmlformats.org/drawingml/2006/diagram" xmlns:a="http://schemas.openxmlformats.org/drawingml/2006/main" uniqueId="urn:microsoft.com/office/officeart/2005/8/colors/accent1_2">
+  <dgm:title val=""/>
+  <dgm:desc val=""/>
+  <dgm:catLst>
+    <dgm:cat type="accent1" pri="11200"/>
+  </dgm:catLst>
+  <dgm:styleLbl name="node0">
+    <dgm:fillClrLst meth="repeat">
+      <a:schemeClr val="accent1"/>
+    </dgm:fillClrLst>
+    <dgm:linClrLst meth="repeat">
+      <a:schemeClr val="lt1"/>
+    </dgm:linClrLst>
+    <dgm:effectClrLst/>
+    <dgm:txLinClrLst/>
+    <dgm:txFillClrLst/>
+    <dgm:txEffectClrLst/>
+  </dgm:styleLbl>
+  <dgm:styleLbl name="alignNode1">
+    <dgm:fillClrLst meth="repeat">
+      <a:schemeClr val="accent1"/>
+    </dgm:fillClrLst>
+    <dgm:linClrLst meth="repeat">
+      <a:schemeClr val="accent1"/>
+    </dgm:linClrLst>
+    <dgm:effectClrLst/>
+    <dgm:txLinClrLst/>
+    <dgm:txFillClrLst/>
+    <dgm:txEffectClrLst/>
+  </dgm:styleLbl>
+  <dgm:styleLbl name="node1">
+    <dgm:fillClrLst meth="repeat">
+      <a:schemeClr val="accent1"/>
+    </dgm:fillClrLst>
+    <dgm:linClrLst meth="repeat">
+      <a:schemeClr val="lt1"/>
+    </dgm:linClrLst>
+    <dgm:effectClrLst/>
+    <dgm:txLinClrLst/>
+    <dgm:txFillClrLst/>
+    <dgm:txEffectClrLst/>
+  </dgm:styleLbl>
+  <dgm:styleLbl name="lnNode1">
+    <dgm:fillClrLst meth="repeat">
+      <a:schemeClr val="accent1"/>
+    </dgm:fillClrLst>
+    <dgm:linClrLst meth="repeat">
+      <a:schemeClr val="lt1"/>
+    </dgm:linClrLst>
+    <dgm:effectClrLst/>
+    <dgm:txLinClrLst/>
+    <dgm:txFillClrLst/>
+    <dgm:txEffectClrLst/>
+  </dgm:styleLbl>
+  <dgm:styleLbl name="vennNode1">
+    <dgm:fillClrLst meth="repeat">
+      <a:schemeClr val="accent1">
+        <a:alpha val="50000"/>
+      </a:schemeClr>
+    </dgm:fillClrLst>
+    <dgm:linClrLst meth="repeat">
+      <a:schemeClr val="lt1"/>
+    </dgm:linClrLst>
+    <dgm:effectClrLst/>
+    <dgm:txLinClrLst/>
+    <dgm:txFillClrLst/>
+    <dgm:txEffectClrLst/>
+  </dgm:styleLbl>
+  <dgm:styleLbl name="node2">
+    <dgm:fillClrLst meth="repeat">
+      <a:schemeClr val="accent1"/>
+    </dgm:fillClrLst>
+    <dgm:linClrLst meth="repeat">
+      <a:schemeClr val="lt1"/>
+    </dgm:linClrLst>
+    <dgm:effectClrLst/>
+    <dgm:txLinClrLst/>
+    <dgm:txFillClrLst/>
+    <dgm:txEffectClrLst/>
+  </dgm:styleLbl>
+  <dgm:styleLbl name="node3">
+    <dgm:fillClrLst meth="repeat">
+      <a:schemeClr val="accent1"/>
+    </dgm:fillClrLst>
+    <dgm:linClrLst meth="repeat">
+      <a:schemeClr val="lt1"/>
+    </dgm:linClrLst>
+    <dgm:effectClrLst/>
+    <dgm:txLinClrLst/>
+    <dgm:txFillClrLst/>
+    <dgm:txEffectClrLst/>
+  </dgm:styleLbl>
+  <dgm:styleLbl name="node4">
+    <dgm:fillClrLst meth="repeat">
+      <a:schemeClr val="accent1"/>
+    </dgm:fillClrLst>
+    <dgm:linClrLst meth="repeat">
+      <a:schemeClr val="lt1"/>
+    </dgm:linClrLst>
+    <dgm:effectClrLst/>
+    <dgm:txLinClrLst/>
+    <dgm:txFillClrLst/>
+    <dgm:txEffectClrLst/>
+  </dgm:styleLbl>
+  <dgm:styleLbl name="fgImgPlace1">
+    <dgm:fillClrLst meth="repeat">
+      <a:schemeClr val="accent1">
+        <a:tint val="50000"/>
+      </a:schemeClr>
+    </dgm:fillClrLst>
+    <dgm:linClrLst meth="repeat">
+      <a:schemeClr val="lt1"/>
+    </dgm:linClrLst>
+    <dgm:effectClrLst/>
+    <dgm:txLinClrLst/>
+    <dgm:txFillClrLst meth="repeat">
+      <a:schemeClr val="lt1"/>
+    </dgm:txFillClrLst>
+    <dgm:txEffectClrLst/>
+  </dgm:styleLbl>
+  <dgm:styleLbl name="alignImgPlace1">
+    <dgm:fillClrLst meth="repeat">
+      <a:schemeClr val="accent1">
+        <a:tint val="50000"/>
+      </a:schemeClr>
+    </dgm:fillClrLst>
+    <dgm:linClrLst meth="repeat">
+      <a:schemeClr val="lt1"/>
+    </dgm:linClrLst>
+    <dgm:effectClrLst/>
+    <dgm:txLinClrLst/>
+    <dgm:txFillClrLst meth="repeat">
+      <a:schemeClr val="lt1"/>
+    </dgm:txFillClrLst>
+    <dgm:txEffectClrLst/>
+  </dgm:styleLbl>
+  <dgm:styleLbl name="bgImgPlace1">
+    <dgm:fillClrLst meth="repeat">
+      <a:schemeClr val="accent1">
+        <a:tint val="50000"/>
+      </a:schemeClr>
+    </dgm:fillClrLst>
+    <dgm:linClrLst meth="repeat">
+      <a:schemeClr val="lt1"/>
+    </dgm:linClrLst>
+    <dgm:effectClrLst/>
+    <dgm:txLinClrLst/>
+    <dgm:txFillClrLst meth="repeat">
+      <a:schemeClr val="lt1"/>
+    </dgm:txFillClrLst>
+    <dgm:txEffectClrLst/>
+  </dgm:styleLbl>
+  <dgm:styleLbl name="sibTrans2D1">
+    <dgm:fillClrLst meth="repeat">
+      <a:schemeClr val="accent1">
+        <a:tint val="60000"/>
+      </a:schemeClr>
+    </dgm:fillClrLst>
+    <dgm:linClrLst meth="repeat">
+      <a:schemeClr val="accent1">
+        <a:tint val="60000"/>
+      </a:schemeClr>
+    </dgm:linClrLst>
+    <dgm:effectClrLst/>
+    <dgm:txLinClrLst/>
+    <dgm:txFillClrLst/>
+    <dgm:txEffectClrLst/>
+  </dgm:styleLbl>
+  <dgm:styleLbl name="fgSibTrans2D1">
+    <dgm:fillClrLst meth="repeat">
+      <a:schemeClr val="accent1">
+        <a:tint val="60000"/>
+      </a:schemeClr>
+    </dgm:fillClrLst>
+    <dgm:linClrLst meth="repeat">
+      <a:schemeClr val="accent1">
+        <a:tint val="60000"/>
+      </a:schemeClr>
+    </dgm:linClrLst>
+    <dgm:effectClrLst/>
+    <dgm:txLinClrLst/>
+    <dgm:txFillClrLst/>
+    <dgm:txEffectClrLst/>
+  </dgm:styleLbl>
+  <dgm:styleLbl name="bgSibTrans2D1">
+    <dgm:fillClrLst meth="repeat">
+      <a:schemeClr val="accent1">
+        <a:tint val="60000"/>
+      </a:schemeClr>
+    </dgm:fillClrLst>
+    <dgm:linClrLst meth="repeat">
+      <a:schemeClr val="accent1">
+        <a:tint val="60000"/>
+      </a:schemeClr>
+    </dgm:linClrLst>
+    <dgm:effectClrLst/>
+    <dgm:txLinClrLst/>
+    <dgm:txFillClrLst/>
+    <dgm:txEffectClrLst/>
+  </dgm:styleLbl>
+  <dgm:styleLbl name="sibTrans1D1">
+    <dgm:fillClrLst meth="repeat">
+      <a:schemeClr val="accent1"/>
+    </dgm:fillClrLst>
+    <dgm:linClrLst meth="repeat">
+      <a:schemeClr val="accent1"/>
+    </dgm:linClrLst>
+    <dgm:effectClrLst/>
+    <dgm:txLinClrLst/>
+    <dgm:txFillClrLst meth="repeat">
+      <a:schemeClr val="tx1"/>
+    </dgm:txFillClrLst>
+    <dgm:txEffectClrLst/>
+  </dgm:styleLbl>
+  <dgm:styleLbl name="callout">
+    <dgm:fillClrLst meth="repeat">
+      <a:schemeClr val="accent1"/>
+    </dgm:fillClrLst>
+    <dgm:linClrLst meth="repeat">
+      <a:schemeClr val="accent1">
+        <a:tint val="50000"/>
+      </a:schemeClr>
+    </dgm:linClrLst>
+    <dgm:effectClrLst/>
+    <dgm:txLinClrLst/>
+    <dgm:txFillClrLst meth="repeat">
+      <a:schemeClr val="tx1"/>
+    </dgm:txFillClrLst>
+    <dgm:txEffectClrLst/>
+  </dgm:styleLbl>
+  <dgm:styleLbl name="asst0">
+    <dgm:fillClrLst meth="repeat">
+      <a:schemeClr val="accent1"/>
+    </dgm:fillClrLst>
+    <dgm:linClrLst meth="repeat">
+      <a:schemeClr val="lt1"/>
+    </dgm:linClrLst>
+    <dgm:effectClrLst/>
+    <dgm:txLinClrLst/>
+    <dgm:txFillClrLst/>
+    <dgm:txEffectClrLst/>
+  </dgm:styleLbl>
+  <dgm:styleLbl name="asst1">
+    <dgm:fillClrLst meth="repeat">
+      <a:schemeClr val="accent1"/>
+    </dgm:fillClrLst>
+    <dgm:linClrLst meth="repeat">
+      <a:schemeClr val="lt1"/>
+    </dgm:linClrLst>
+    <dgm:effectClrLst/>
+    <dgm:txLinClrLst/>
+    <dgm:txFillClrLst/>
+    <dgm:txEffectClrLst/>
+  </dgm:styleLbl>
+  <dgm:styleLbl name="asst2">
+    <dgm:fillClrLst meth="repeat">
+      <a:schemeClr val="accent1"/>
+    </dgm:fillClrLst>
+    <dgm:linClrLst meth="repeat">
+      <a:schemeClr val="lt1"/>
+    </dgm:linClrLst>
+    <dgm:effectClrLst/>
+    <dgm:txLinClrLst/>
+    <dgm:txFillClrLst/>
+    <dgm:txEffectClrLst/>
+  </dgm:styleLbl>
+  <dgm:styleLbl name="asst3">
+    <dgm:fillClrLst meth="repeat">
+      <a:schemeClr val="accent1"/>
+    </dgm:fillClrLst>
+    <dgm:linClrLst meth="repeat">
+      <a:schemeClr val="lt1"/>
+    </dgm:linClrLst>
+    <dgm:effectClrLst/>
+    <dgm:txLinClrLst/>
+    <dgm:txFillClrLst/>
+    <dgm:txEffectClrLst/>
+  </dgm:styleLbl>
+  <dgm:styleLbl name="asst4">
+    <dgm:fillClrLst meth="repeat">
+      <a:schemeClr val="accent1"/>
+    </dgm:fillClrLst>
+    <dgm:linClrLst meth="repeat">
+      <a:schemeClr val="lt1"/>
+    </dgm:linClrLst>
+    <dgm:effectClrLst/>
+    <dgm:txLinClrLst/>
+    <dgm:txFillClrLst/>
+    <dgm:txEffectClrLst/>
+  </dgm:styleLbl>
+  <dgm:styleLbl name="parChTrans2D1">
+    <dgm:fillClrLst meth="repeat">
+      <a:schemeClr val="accent1">
+        <a:tint val="60000"/>
+      </a:schemeClr>
+    </dgm:fillClrLst>
+    <dgm:linClrLst meth="repeat">
+      <a:schemeClr val="accent1">
+        <a:tint val="60000"/>
+      </a:schemeClr>
+    </dgm:linClrLst>
+    <dgm:effectClrLst/>
+    <dgm:txLinClrLst/>
+    <dgm:txFillClrLst meth="repeat">
+      <a:schemeClr val="lt1"/>
+    </dgm:txFillClrLst>
+    <dgm:txEffectClrLst/>
+  </dgm:styleLbl>
+  <dgm:styleLbl name="parChTrans2D2">
+    <dgm:fillClrLst meth="repeat">
+      <a:schemeClr val="accent1"/>
+    </dgm:fillClrLst>
+    <dgm:linClrLst meth="repeat">
+      <a:schemeClr val="accent1"/>
+    </dgm:linClrLst>
+    <dgm:effectClrLst/>
+    <dgm:txLinClrLst/>
+    <dgm:txFillClrLst meth="repeat">
+      <a:schemeClr val="lt1"/>
+    </dgm:txFillClrLst>
+    <dgm:txEffectClrLst/>
+  </dgm:styleLbl>
+  <dgm:styleLbl name="parChTrans2D3">
+    <dgm:fillClrLst meth="repeat">
+      <a:schemeClr val="accent1"/>
+    </dgm:fillClrLst>
+    <dgm:linClrLst meth="repeat">
+      <a:schemeClr val="accent1"/>
+    </dgm:linClrLst>
+    <dgm:effectClrLst/>
+    <dgm:txLinClrLst/>
+    <dgm:txFillClrLst meth="repeat">
+      <a:schemeClr val="lt1"/>
+    </dgm:txFillClrLst>
+    <dgm:txEffectClrLst/>
+  </dgm:styleLbl>
+  <dgm:styleLbl name="parChTrans2D4">
+    <dgm:fillClrLst meth="repeat">
+      <a:schemeClr val="accent1"/>
+    </dgm:fillClrLst>
+    <dgm:linClrLst meth="repeat">
+      <a:schemeClr val="accent1"/>
+    </dgm:linClrLst>
+    <dgm:effectClrLst/>
+    <dgm:txLinClrLst/>
+    <dgm:txFillClrLst meth="repeat">
+      <a:schemeClr val="lt1"/>
+    </dgm:txFillClrLst>
+    <dgm:txEffectClrLst/>
+  </dgm:styleLbl>
+  <dgm:styleLbl name="parChTrans1D1">
+    <dgm:fillClrLst meth="repeat">
+      <a:schemeClr val="accent1"/>
+    </dgm:fillClrLst>
+    <dgm:linClrLst meth="repeat">
+      <a:schemeClr val="accent1">
+        <a:shade val="60000"/>
+      </a:schemeClr>
+    </dgm:linClrLst>
+    <dgm:effectClrLst/>
+    <dgm:txLinClrLst/>
+    <dgm:txFillClrLst meth="repeat">
+      <a:schemeClr val="tx1"/>
+    </dgm:txFillClrLst>
+    <dgm:txEffectClrLst/>
+  </dgm:styleLbl>
+  <dgm:styleLbl name="parChTrans1D2">
+    <dgm:fillClrLst meth="repeat">
+      <a:schemeClr val="accent1"/>
+    </dgm:fillClrLst>
+    <dgm:linClrLst meth="repeat">
+      <a:schemeClr val="accent1">
+        <a:shade val="60000"/>
+      </a:schemeClr>
+    </dgm:linClrLst>
+    <dgm:effectClrLst/>
+    <dgm:txLinClrLst/>
+    <dgm:txFillClrLst meth="repeat">
+      <a:schemeClr val="tx1"/>
+    </dgm:txFillClrLst>
+    <dgm:txEffectClrLst/>
+  </dgm:styleLbl>
+  <dgm:styleLbl name="parChTrans1D3">
+    <dgm:fillClrLst meth="repeat">
+      <a:schemeClr val="accent1"/>
+    </dgm:fillClrLst>
+    <dgm:linClrLst meth="repeat">
+      <a:schemeClr val="accent1">
+        <a:shade val="80000"/>
+      </a:schemeClr>
+    </dgm:linClrLst>
+    <dgm:effectClrLst/>
+    <dgm:txLinClrLst/>
+    <dgm:txFillClrLst meth="repeat">
+      <a:schemeClr val="tx1"/>
+    </dgm:txFillClrLst>
+    <dgm:txEffectClrLst/>
+  </dgm:styleLbl>
+  <dgm:styleLbl name="parChTrans1D4">
+    <dgm:fillClrLst meth="repeat">
+      <a:schemeClr val="accent1"/>
+    </dgm:fillClrLst>
+    <dgm:linClrLst meth="repeat">
+      <a:schemeClr val="accent1">
+        <a:shade val="80000"/>
+      </a:schemeClr>
+    </dgm:linClrLst>
+    <dgm:effectClrLst/>
+    <dgm:txLinClrLst/>
+    <dgm:txFillClrLst meth="repeat">
+      <a:schemeClr val="tx1"/>
+    </dgm:txFillClrLst>
+    <dgm:txEffectClrLst/>
+  </dgm:styleLbl>
+  <dgm:styleLbl name="fgAcc1">
+    <dgm:fillClrLst meth="repeat">
+      <a:schemeClr val="lt1">
+        <a:alpha val="90000"/>
+      </a:schemeClr>
+    </dgm:fillClrLst>
+    <dgm:linClrLst meth="repeat">
+      <a:schemeClr val="accent1"/>
+    </dgm:linClrLst>
+    <dgm:effectClrLst/>
+    <dgm:txLinClrLst/>
+    <dgm:txFillClrLst meth="repeat">
+      <a:schemeClr val="dk1"/>
+    </dgm:txFillClrLst>
+    <dgm:txEffectClrLst/>
+  </dgm:styleLbl>
+  <dgm:styleLbl name="conFgAcc1">
+    <dgm:fillClrLst meth="repeat">
+      <a:schemeClr val="lt1">
+        <a:alpha val="90000"/>
+      </a:schemeClr>
+    </dgm:fillClrLst>
+    <dgm:linClrLst meth="repeat">
+      <a:schemeClr val="accent1"/>
+    </dgm:linClrLst>
+    <dgm:effectClrLst/>
+    <dgm:txLinClrLst/>
+    <dgm:txFillClrLst meth="repeat">
+      <a:schemeClr val="dk1"/>
+    </dgm:txFillClrLst>
+    <dgm:txEffectClrLst/>
+  </dgm:styleLbl>
+  <dgm:styleLbl name="alignAcc1">
+    <dgm:fillClrLst meth="repeat">
+      <a:schemeClr val="lt1">
+        <a:alpha val="90000"/>
+      </a:schemeClr>
+    </dgm:fillClrLst>
+    <dgm:linClrLst meth="repeat">
+      <a:schemeClr val="accent1"/>
+    </dgm:linClrLst>
+    <dgm:effectClrLst/>
+    <dgm:txLinClrLst/>
+    <dgm:txFillClrLst meth="repeat">
+      <a:schemeClr val="dk1"/>
+    </dgm:txFillClrLst>
+    <dgm:txEffectClrLst/>
+  </dgm:styleLbl>
+  <dgm:styleLbl name="trAlignAcc1">
+    <dgm:fillClrLst meth="repeat">
+      <a:schemeClr val="lt1">
+        <a:alpha val="40000"/>
+      </a:schemeClr>
+    </dgm:fillClrLst>
+    <dgm:linClrLst meth="repeat">
+      <a:schemeClr val="accent1"/>
+    </dgm:linClrLst>
+    <dgm:effectClrLst/>
+    <dgm:txLinClrLst/>
+    <dgm:txFillClrLst meth="repeat">
+      <a:schemeClr val="dk1"/>
+    </dgm:txFillClrLst>
+    <dgm:txEffectClrLst/>
+  </dgm:styleLbl>
+  <dgm:styleLbl name="bgAcc1">
+    <dgm:fillClrLst meth="repeat">
+      <a:schemeClr val="lt1">
+        <a:alpha val="90000"/>
+      </a:schemeClr>
+    </dgm:fillClrLst>
+    <dgm:linClrLst meth="repeat">
+      <a:schemeClr val="accent1"/>
+    </dgm:linClrLst>
+    <dgm:effectClrLst/>
+    <dgm:txLinClrLst/>
+    <dgm:txFillClrLst meth="repeat">
+      <a:schemeClr val="dk1"/>
+    </dgm:txFillClrLst>
+    <dgm:txEffectClrLst/>
+  </dgm:styleLbl>
+  <dgm:styleLbl name="solidFgAcc1">
+    <dgm:fillClrLst meth="repeat">
+      <a:schemeClr val="lt1"/>
+    </dgm:fillClrLst>
+    <dgm:linClrLst meth="repeat">
+      <a:schemeClr val="accent1"/>
+    </dgm:linClrLst>
+    <dgm:effectClrLst/>
+    <dgm:txLinClrLst/>
+    <dgm:txFillClrLst meth="repeat">
+      <a:schemeClr val="dk1"/>
+    </dgm:txFillClrLst>
+    <dgm:txEffectClrLst/>
+  </dgm:styleLbl>
+  <dgm:styleLbl name="solidAlignAcc1">
+    <dgm:fillClrLst meth="repeat">
+      <a:schemeClr val="lt1"/>
+    </dgm:fillClrLst>
+    <dgm:linClrLst meth="repeat">
+      <a:schemeClr val="accent1"/>
+    </dgm:linClrLst>
+    <dgm:effectClrLst/>
+    <dgm:txLinClrLst/>
+    <dgm:txFillClrLst meth="repeat">
+      <a:schemeClr val="dk1"/>
+    </dgm:txFillClrLst>
+    <dgm:txEffectClrLst/>
+  </dgm:styleLbl>
+  <dgm:styleLbl name="solidBgAcc1">
+    <dgm:fillClrLst meth="repeat">
+      <a:schemeClr val="lt1"/>
+    </dgm:fillClrLst>
+    <dgm:linClrLst meth="repeat">
+      <a:schemeClr val="accent1"/>
+    </dgm:linClrLst>
+    <dgm:effectClrLst/>
+    <dgm:txLinClrLst/>
+    <dgm:txFillClrLst meth="repeat">
+      <a:schemeClr val="dk1"/>
+    </dgm:txFillClrLst>
+    <dgm:txEffectClrLst/>
+  </dgm:styleLbl>
+  <dgm:styleLbl name="fgAccFollowNode1">
+    <dgm:fillClrLst meth="repeat">
+      <a:schemeClr val="accent1">
+        <a:alpha val="90000"/>
+        <a:tint val="40000"/>
+      </a:schemeClr>
+    </dgm:fillClrLst>
+    <dgm:linClrLst meth="repeat">
+      <a:schemeClr val="accent1">
+        <a:alpha val="90000"/>
+        <a:tint val="40000"/>
+      </a:schemeClr>
+    </dgm:linClrLst>
+    <dgm:effectClrLst/>
+    <dgm:txLinClrLst/>
+    <dgm:txFillClrLst meth="repeat">
+      <a:schemeClr val="dk1"/>
+    </dgm:txFillClrLst>
+    <dgm:txEffectClrLst/>
+  </dgm:styleLbl>
+  <dgm:styleLbl name="alignAccFollowNode1">
+    <dgm:fillClrLst meth="repeat">
+      <a:schemeClr val="accent1">
+        <a:alpha val="90000"/>
+        <a:tint val="40000"/>
+      </a:schemeClr>
+    </dgm:fillClrLst>
+    <dgm:linClrLst meth="repeat">
+      <a:schemeClr val="accent1">
+        <a:alpha val="90000"/>
+        <a:tint val="40000"/>
+      </a:schemeClr>
+    </dgm:linClrLst>
+    <dgm:effectClrLst/>
+    <dgm:txLinClrLst/>
+    <dgm:txFillClrLst meth="repeat">
+      <a:schemeClr val="dk1"/>
+    </dgm:txFillClrLst>
+    <dgm:txEffectClrLst/>
+  </dgm:styleLbl>
+  <dgm:styleLbl name="bgAccFollowNode1">
+    <dgm:fillClrLst meth="repeat">
+      <a:schemeClr val="accent1">
+        <a:alpha val="90000"/>
+        <a:tint val="40000"/>
+      </a:schemeClr>
+    </dgm:fillClrLst>
+    <dgm:linClrLst meth="repeat">
+      <a:schemeClr val="accent1">
+        <a:alpha val="90000"/>
+        <a:tint val="40000"/>
+      </a:schemeClr>
+    </dgm:linClrLst>
+    <dgm:effectClrLst/>
+    <dgm:txLinClrLst/>
+    <dgm:txFillClrLst meth="repeat">
+      <a:schemeClr val="dk1"/>
+    </dgm:txFillClrLst>
+    <dgm:txEffectClrLst/>
+  </dgm:styleLbl>
+  <dgm:styleLbl name="fgAcc0">
+    <dgm:fillClrLst meth="repeat">
+      <a:schemeClr val="lt1">
+        <a:alpha val="90000"/>
+      </a:schemeClr>
+    </dgm:fillClrLst>
+    <dgm:linClrLst meth="repeat">
+      <a:schemeClr val="accent1"/>
+    </dgm:linClrLst>
+    <dgm:effectClrLst/>
+    <dgm:txLinClrLst/>
+    <dgm:txFillClrLst meth="repeat">
+      <a:schemeClr val="dk1"/>
+    </dgm:txFillClrLst>
+    <dgm:txEffectClrLst/>
+  </dgm:styleLbl>
+  <dgm:styleLbl name="fgAcc2">
+    <dgm:fillClrLst meth="repeat">
+      <a:schemeClr val="lt1">
+        <a:alpha val="90000"/>
+      </a:schemeClr>
+    </dgm:fillClrLst>
+    <dgm:linClrLst meth="repeat">
+      <a:schemeClr val="accent1"/>
+    </dgm:linClrLst>
+    <dgm:effectClrLst/>
+    <dgm:txLinClrLst/>
+    <dgm:txFillClrLst meth="repeat">
+      <a:schemeClr val="dk1"/>
+    </dgm:txFillClrLst>
+    <dgm:txEffectClrLst/>
+  </dgm:styleLbl>
+  <dgm:styleLbl name="fgAcc3">
+    <dgm:fillClrLst meth="repeat">
+      <a:schemeClr val="lt1">
+        <a:alpha val="90000"/>
+      </a:schemeClr>
+    </dgm:fillClrLst>
+    <dgm:linClrLst meth="repeat">
+      <a:schemeClr val="accent1"/>
+    </dgm:linClrLst>
+    <dgm:effectClrLst/>
+    <dgm:txLinClrLst/>
+    <dgm:txFillClrLst meth="repeat">
+      <a:schemeClr val="dk1"/>
+    </dgm:txFillClrLst>
+    <dgm:txEffectClrLst/>
+  </dgm:styleLbl>
+  <dgm:styleLbl name="fgAcc4">
+    <dgm:fillClrLst meth="repeat">
+      <a:schemeClr val="lt1">
+        <a:alpha val="90000"/>
+      </a:schemeClr>
+    </dgm:fillClrLst>
+    <dgm:linClrLst meth="repeat">
+      <a:schemeClr val="accent1"/>
+    </dgm:linClrLst>
+    <dgm:effectClrLst/>
+    <dgm:txLinClrLst/>
+    <dgm:txFillClrLst meth="repeat">
+      <a:schemeClr val="dk1"/>
+    </dgm:txFillClrLst>
+    <dgm:txEffectClrLst/>
+  </dgm:styleLbl>
+  <dgm:styleLbl name="bgShp">
+    <dgm:fillClrLst meth="repeat">
+      <a:schemeClr val="accent1">
+        <a:tint val="40000"/>
+      </a:schemeClr>
+    </dgm:fillClrLst>
+    <dgm:linClrLst meth="repeat">
+      <a:schemeClr val="accent1"/>
+    </dgm:linClrLst>
+    <dgm:effectClrLst/>
+    <dgm:txLinClrLst/>
+    <dgm:txFillClrLst meth="repeat">
+      <a:schemeClr val="dk1"/>
+    </dgm:txFillClrLst>
+    <dgm:txEffectClrLst/>
+  </dgm:styleLbl>
+  <dgm:styleLbl name="dkBgShp">
+    <dgm:fillClrLst meth="repeat">
+      <a:schemeClr val="accent1">
+        <a:shade val="80000"/>
+      </a:schemeClr>
+    </dgm:fillClrLst>
+    <dgm:linClrLst meth="repeat">
+      <a:schemeClr val="accent1"/>
+    </dgm:linClrLst>
+    <dgm:effectClrLst/>
+    <dgm:txLinClrLst/>
+    <dgm:txFillClrLst meth="repeat">
+      <a:schemeClr val="lt1"/>
+    </dgm:txFillClrLst>
+    <dgm:txEffectClrLst/>
+  </dgm:styleLbl>
+  <dgm:styleLbl name="trBgShp">
+    <dgm:fillClrLst meth="repeat">
+      <a:schemeClr val="accent1">
+        <a:tint val="50000"/>
+        <a:alpha val="40000"/>
+      </a:schemeClr>
+    </dgm:fillClrLst>
+    <dgm:linClrLst meth="repeat">
+      <a:schemeClr val="accent1"/>
+    </dgm:linClrLst>
+    <dgm:effectClrLst/>
+    <dgm:txLinClrLst/>
+    <dgm:txFillClrLst meth="repeat">
+      <a:schemeClr val="lt1"/>
+    </dgm:txFillClrLst>
+    <dgm:txEffectClrLst/>
+  </dgm:styleLbl>
+  <dgm:styleLbl name="fgShp">
+    <dgm:fillClrLst meth="repeat">
+      <a:schemeClr val="accent1">
+        <a:tint val="60000"/>
+      </a:schemeClr>
+    </dgm:fillClrLst>
+    <dgm:linClrLst meth="repeat">
+      <a:schemeClr val="lt1"/>
+    </dgm:linClrLst>
+    <dgm:effectClrLst/>
+    <dgm:txLinClrLst/>
+    <dgm:txFillClrLst meth="repeat">
+      <a:schemeClr val="dk1"/>
+    </dgm:txFillClrLst>
+    <dgm:txEffectClrLst/>
+  </dgm:styleLbl>
+  <dgm:styleLbl name="revTx">
+    <dgm:fillClrLst meth="repeat">
+      <a:schemeClr val="lt1">
+        <a:alpha val="0"/>
+      </a:schemeClr>
+    </dgm:fillClrLst>
+    <dgm:linClrLst meth="repeat">
+      <a:schemeClr val="dk1">
+        <a:alpha val="0"/>
+      </a:schemeClr>
+    </dgm:linClrLst>
+    <dgm:effectClrLst/>
+    <dgm:txLinClrLst/>
+    <dgm:txFillClrLst meth="repeat">
+      <a:schemeClr val="tx1"/>
+    </dgm:txFillClrLst>
+    <dgm:txEffectClrLst/>
+  </dgm:styleLbl>
+</dgm:colorsDef>
+</file>
+
+<file path=ppt/diagrams/data1.xml><?xml version="1.0" encoding="utf-8"?>
+<dgm:dataModel xmlns:dgm="http://schemas.openxmlformats.org/drawingml/2006/diagram" xmlns:a="http://schemas.openxmlformats.org/drawingml/2006/main">
+  <dgm:ptLst>
+    <dgm:pt modelId="{44D4DCB7-2F16-47BB-AA1B-56FBD48A8336}" type="doc">
+      <dgm:prSet loTypeId="urn:microsoft.com/office/officeart/2005/8/layout/process1" loCatId="process" qsTypeId="urn:microsoft.com/office/officeart/2005/8/quickstyle/simple1" qsCatId="simple" csTypeId="urn:microsoft.com/office/officeart/2005/8/colors/accent1_2" csCatId="accent1" phldr="1"/>
+      <dgm:spPr/>
+    </dgm:pt>
+    <dgm:pt modelId="{10E07185-4130-4178-9905-B65AFBC2E3A0}">
+      <dgm:prSet phldrT="[Texto]"/>
+      <dgm:spPr/>
+      <dgm:t>
+        <a:bodyPr/>
+        <a:lstStyle/>
+        <a:p>
+          <a:r>
+            <a:rPr lang="es-ES" dirty="0" err="1"/>
+            <a:t>Refuse</a:t>
+          </a:r>
+          <a:r>
+            <a:rPr lang="es-ES" dirty="0"/>
+            <a:t> </a:t>
+          </a:r>
+          <a:r>
+            <a:rPr lang="es-ES" dirty="0" err="1"/>
+            <a:t>requests</a:t>
+          </a:r>
+          <a:endParaRPr lang="en-US" dirty="0"/>
+        </a:p>
+      </dgm:t>
+    </dgm:pt>
+    <dgm:pt modelId="{70B3A0E3-023F-4F1D-B091-8F97CB57AEE9}" type="parTrans" cxnId="{CD135C74-E213-4584-9ED7-90F1BF3BA38D}">
+      <dgm:prSet/>
+      <dgm:spPr/>
+      <dgm:t>
+        <a:bodyPr/>
+        <a:lstStyle/>
+        <a:p>
+          <a:endParaRPr lang="en-US"/>
+        </a:p>
+      </dgm:t>
+    </dgm:pt>
+    <dgm:pt modelId="{48304C80-3835-4F80-A93B-B971B9D66745}" type="sibTrans" cxnId="{CD135C74-E213-4584-9ED7-90F1BF3BA38D}">
+      <dgm:prSet/>
+      <dgm:spPr/>
+      <dgm:t>
+        <a:bodyPr/>
+        <a:lstStyle/>
+        <a:p>
+          <a:endParaRPr lang="en-US"/>
+        </a:p>
+      </dgm:t>
+    </dgm:pt>
+    <dgm:pt modelId="{960240CD-5D1D-4C35-AE8B-629EEDE4AD85}">
+      <dgm:prSet phldrT="[Texto]"/>
+      <dgm:spPr/>
+      <dgm:t>
+        <a:bodyPr/>
+        <a:lstStyle/>
+        <a:p>
+          <a:r>
+            <a:rPr lang="es-ES" dirty="0" err="1"/>
+            <a:t>Finish</a:t>
+          </a:r>
+          <a:r>
+            <a:rPr lang="es-ES" dirty="0"/>
+            <a:t> short </a:t>
+          </a:r>
+          <a:r>
+            <a:rPr lang="es-ES" dirty="0" err="1"/>
+            <a:t>requests</a:t>
+          </a:r>
+          <a:endParaRPr lang="en-US" dirty="0"/>
+        </a:p>
+      </dgm:t>
+    </dgm:pt>
+    <dgm:pt modelId="{236DBFC9-B2CB-4A91-ADF5-3BA3DE058F31}" type="parTrans" cxnId="{69A2B88D-50F2-40E3-B8A6-2056A24B4671}">
+      <dgm:prSet/>
+      <dgm:spPr/>
+      <dgm:t>
+        <a:bodyPr/>
+        <a:lstStyle/>
+        <a:p>
+          <a:endParaRPr lang="en-US"/>
+        </a:p>
+      </dgm:t>
+    </dgm:pt>
+    <dgm:pt modelId="{5180BAB7-E179-45C4-9E78-C14830212AE0}" type="sibTrans" cxnId="{69A2B88D-50F2-40E3-B8A6-2056A24B4671}">
+      <dgm:prSet/>
+      <dgm:spPr/>
+      <dgm:t>
+        <a:bodyPr/>
+        <a:lstStyle/>
+        <a:p>
+          <a:endParaRPr lang="en-US"/>
+        </a:p>
+      </dgm:t>
+    </dgm:pt>
+    <dgm:pt modelId="{9205511B-2208-40F6-9586-B69132789A01}">
+      <dgm:prSet phldrT="[Texto]"/>
+      <dgm:spPr/>
+      <dgm:t>
+        <a:bodyPr/>
+        <a:lstStyle/>
+        <a:p>
+          <a:r>
+            <a:rPr lang="es-ES" dirty="0" err="1"/>
+            <a:t>Return</a:t>
+          </a:r>
+          <a:r>
+            <a:rPr lang="es-ES" dirty="0"/>
+            <a:t> </a:t>
+          </a:r>
+          <a:r>
+            <a:rPr lang="es-ES" dirty="0" err="1"/>
+            <a:t>long</a:t>
+          </a:r>
+          <a:r>
+            <a:rPr lang="es-ES" dirty="0"/>
+            <a:t> </a:t>
+          </a:r>
+          <a:r>
+            <a:rPr lang="es-ES" dirty="0" err="1"/>
+            <a:t>requests</a:t>
+          </a:r>
+          <a:r>
+            <a:rPr lang="es-ES" dirty="0"/>
+            <a:t> </a:t>
+          </a:r>
+          <a:r>
+            <a:rPr lang="es-ES" dirty="0" err="1"/>
+            <a:t>to</a:t>
+          </a:r>
+          <a:r>
+            <a:rPr lang="es-ES" dirty="0"/>
+            <a:t> </a:t>
+          </a:r>
+          <a:r>
+            <a:rPr lang="es-ES" dirty="0" err="1"/>
+            <a:t>the</a:t>
+          </a:r>
+          <a:r>
+            <a:rPr lang="es-ES" dirty="0"/>
+            <a:t> </a:t>
+          </a:r>
+          <a:r>
+            <a:rPr lang="es-ES" dirty="0" err="1"/>
+            <a:t>queue</a:t>
+          </a:r>
+          <a:endParaRPr lang="en-US" dirty="0"/>
+        </a:p>
+      </dgm:t>
+    </dgm:pt>
+    <dgm:pt modelId="{63E828A4-01FC-4B8E-A19E-06598EC121C7}" type="parTrans" cxnId="{3C7BAB52-506D-4C64-9A05-9F96504D9889}">
+      <dgm:prSet/>
+      <dgm:spPr/>
+      <dgm:t>
+        <a:bodyPr/>
+        <a:lstStyle/>
+        <a:p>
+          <a:endParaRPr lang="en-US"/>
+        </a:p>
+      </dgm:t>
+    </dgm:pt>
+    <dgm:pt modelId="{376FADE4-92BB-484A-BE48-D99FF9EFB39F}" type="sibTrans" cxnId="{3C7BAB52-506D-4C64-9A05-9F96504D9889}">
+      <dgm:prSet/>
+      <dgm:spPr/>
+      <dgm:t>
+        <a:bodyPr/>
+        <a:lstStyle/>
+        <a:p>
+          <a:endParaRPr lang="en-US"/>
+        </a:p>
+      </dgm:t>
+    </dgm:pt>
+    <dgm:pt modelId="{494317B5-4110-4E6C-BC7F-B26DC0E26EB6}" type="pres">
+      <dgm:prSet presAssocID="{44D4DCB7-2F16-47BB-AA1B-56FBD48A8336}" presName="Name0" presStyleCnt="0">
+        <dgm:presLayoutVars>
+          <dgm:dir/>
+          <dgm:resizeHandles val="exact"/>
+        </dgm:presLayoutVars>
+      </dgm:prSet>
+      <dgm:spPr/>
+    </dgm:pt>
+    <dgm:pt modelId="{317FB8E2-2B56-4AF1-BD09-D0895556B39E}" type="pres">
+      <dgm:prSet presAssocID="{10E07185-4130-4178-9905-B65AFBC2E3A0}" presName="node" presStyleLbl="node1" presStyleIdx="0" presStyleCnt="3" custScaleX="39091" custScaleY="30577">
+        <dgm:presLayoutVars>
+          <dgm:bulletEnabled val="1"/>
+        </dgm:presLayoutVars>
+      </dgm:prSet>
+      <dgm:spPr/>
+    </dgm:pt>
+    <dgm:pt modelId="{22DC76B3-C11B-476E-8FA9-CA34C158E84A}" type="pres">
+      <dgm:prSet presAssocID="{48304C80-3835-4F80-A93B-B971B9D66745}" presName="sibTrans" presStyleLbl="sibTrans2D1" presStyleIdx="0" presStyleCnt="2" custScaleX="75421" custScaleY="58994"/>
+      <dgm:spPr/>
+    </dgm:pt>
+    <dgm:pt modelId="{DB0B9FFC-2894-409B-8161-F6D9A5625F71}" type="pres">
+      <dgm:prSet presAssocID="{48304C80-3835-4F80-A93B-B971B9D66745}" presName="connectorText" presStyleLbl="sibTrans2D1" presStyleIdx="0" presStyleCnt="2"/>
+      <dgm:spPr/>
+    </dgm:pt>
+    <dgm:pt modelId="{2613BD23-76EE-444A-9D0D-A62ECE3F3C6E}" type="pres">
+      <dgm:prSet presAssocID="{960240CD-5D1D-4C35-AE8B-629EEDE4AD85}" presName="node" presStyleLbl="node1" presStyleIdx="1" presStyleCnt="3" custScaleX="39091" custScaleY="30577">
+        <dgm:presLayoutVars>
+          <dgm:bulletEnabled val="1"/>
+        </dgm:presLayoutVars>
+      </dgm:prSet>
+      <dgm:spPr/>
+    </dgm:pt>
+    <dgm:pt modelId="{C0F32FFE-6BBC-48DD-9E37-820420E27FEC}" type="pres">
+      <dgm:prSet presAssocID="{5180BAB7-E179-45C4-9E78-C14830212AE0}" presName="sibTrans" presStyleLbl="sibTrans2D1" presStyleIdx="1" presStyleCnt="2" custScaleX="75421" custScaleY="58994"/>
+      <dgm:spPr/>
+    </dgm:pt>
+    <dgm:pt modelId="{340A7AA8-1D88-4609-937B-9255BB822057}" type="pres">
+      <dgm:prSet presAssocID="{5180BAB7-E179-45C4-9E78-C14830212AE0}" presName="connectorText" presStyleLbl="sibTrans2D1" presStyleIdx="1" presStyleCnt="2"/>
+      <dgm:spPr/>
+    </dgm:pt>
+    <dgm:pt modelId="{D2BBA5ED-59A4-43CD-94F1-83AD28DCE4E2}" type="pres">
+      <dgm:prSet presAssocID="{9205511B-2208-40F6-9586-B69132789A01}" presName="node" presStyleLbl="node1" presStyleIdx="2" presStyleCnt="3" custScaleX="39091" custScaleY="30577">
+        <dgm:presLayoutVars>
+          <dgm:bulletEnabled val="1"/>
+        </dgm:presLayoutVars>
+      </dgm:prSet>
+      <dgm:spPr/>
+    </dgm:pt>
+  </dgm:ptLst>
+  <dgm:cxnLst>
+    <dgm:cxn modelId="{79D3F642-14C8-49B8-81B1-E20387B84CCB}" type="presOf" srcId="{48304C80-3835-4F80-A93B-B971B9D66745}" destId="{DB0B9FFC-2894-409B-8161-F6D9A5625F71}" srcOrd="1" destOrd="0" presId="urn:microsoft.com/office/officeart/2005/8/layout/process1"/>
+    <dgm:cxn modelId="{6EC0B565-44BE-4140-9C07-627107F129DA}" type="presOf" srcId="{48304C80-3835-4F80-A93B-B971B9D66745}" destId="{22DC76B3-C11B-476E-8FA9-CA34C158E84A}" srcOrd="0" destOrd="0" presId="urn:microsoft.com/office/officeart/2005/8/layout/process1"/>
+    <dgm:cxn modelId="{0CCB8168-1370-4248-85B5-5314AE118E00}" type="presOf" srcId="{5180BAB7-E179-45C4-9E78-C14830212AE0}" destId="{C0F32FFE-6BBC-48DD-9E37-820420E27FEC}" srcOrd="0" destOrd="0" presId="urn:microsoft.com/office/officeart/2005/8/layout/process1"/>
+    <dgm:cxn modelId="{3C7BAB52-506D-4C64-9A05-9F96504D9889}" srcId="{44D4DCB7-2F16-47BB-AA1B-56FBD48A8336}" destId="{9205511B-2208-40F6-9586-B69132789A01}" srcOrd="2" destOrd="0" parTransId="{63E828A4-01FC-4B8E-A19E-06598EC121C7}" sibTransId="{376FADE4-92BB-484A-BE48-D99FF9EFB39F}"/>
+    <dgm:cxn modelId="{B1404073-9DF9-4578-BF08-62B668512267}" type="presOf" srcId="{960240CD-5D1D-4C35-AE8B-629EEDE4AD85}" destId="{2613BD23-76EE-444A-9D0D-A62ECE3F3C6E}" srcOrd="0" destOrd="0" presId="urn:microsoft.com/office/officeart/2005/8/layout/process1"/>
+    <dgm:cxn modelId="{CD135C74-E213-4584-9ED7-90F1BF3BA38D}" srcId="{44D4DCB7-2F16-47BB-AA1B-56FBD48A8336}" destId="{10E07185-4130-4178-9905-B65AFBC2E3A0}" srcOrd="0" destOrd="0" parTransId="{70B3A0E3-023F-4F1D-B091-8F97CB57AEE9}" sibTransId="{48304C80-3835-4F80-A93B-B971B9D66745}"/>
+    <dgm:cxn modelId="{1ED1EB5A-3695-46BE-B964-AB8BEAB01E0E}" type="presOf" srcId="{9205511B-2208-40F6-9586-B69132789A01}" destId="{D2BBA5ED-59A4-43CD-94F1-83AD28DCE4E2}" srcOrd="0" destOrd="0" presId="urn:microsoft.com/office/officeart/2005/8/layout/process1"/>
+    <dgm:cxn modelId="{6664F47F-C458-4FA8-8E2E-506B497E5BF5}" type="presOf" srcId="{44D4DCB7-2F16-47BB-AA1B-56FBD48A8336}" destId="{494317B5-4110-4E6C-BC7F-B26DC0E26EB6}" srcOrd="0" destOrd="0" presId="urn:microsoft.com/office/officeart/2005/8/layout/process1"/>
+    <dgm:cxn modelId="{69A2B88D-50F2-40E3-B8A6-2056A24B4671}" srcId="{44D4DCB7-2F16-47BB-AA1B-56FBD48A8336}" destId="{960240CD-5D1D-4C35-AE8B-629EEDE4AD85}" srcOrd="1" destOrd="0" parTransId="{236DBFC9-B2CB-4A91-ADF5-3BA3DE058F31}" sibTransId="{5180BAB7-E179-45C4-9E78-C14830212AE0}"/>
+    <dgm:cxn modelId="{F7E5209C-3235-4574-AF0F-7C47970FABD9}" type="presOf" srcId="{10E07185-4130-4178-9905-B65AFBC2E3A0}" destId="{317FB8E2-2B56-4AF1-BD09-D0895556B39E}" srcOrd="0" destOrd="0" presId="urn:microsoft.com/office/officeart/2005/8/layout/process1"/>
+    <dgm:cxn modelId="{48C5C8FE-5E58-4EC0-B1C9-C37EC71E7FA2}" type="presOf" srcId="{5180BAB7-E179-45C4-9E78-C14830212AE0}" destId="{340A7AA8-1D88-4609-937B-9255BB822057}" srcOrd="1" destOrd="0" presId="urn:microsoft.com/office/officeart/2005/8/layout/process1"/>
+    <dgm:cxn modelId="{19C40242-A0D9-4909-96BD-02ACBC60D1BD}" type="presParOf" srcId="{494317B5-4110-4E6C-BC7F-B26DC0E26EB6}" destId="{317FB8E2-2B56-4AF1-BD09-D0895556B39E}" srcOrd="0" destOrd="0" presId="urn:microsoft.com/office/officeart/2005/8/layout/process1"/>
+    <dgm:cxn modelId="{6437E549-2643-44A0-8DC7-053745510F0E}" type="presParOf" srcId="{494317B5-4110-4E6C-BC7F-B26DC0E26EB6}" destId="{22DC76B3-C11B-476E-8FA9-CA34C158E84A}" srcOrd="1" destOrd="0" presId="urn:microsoft.com/office/officeart/2005/8/layout/process1"/>
+    <dgm:cxn modelId="{C1C50504-7940-4E8F-982F-4D3382108F37}" type="presParOf" srcId="{22DC76B3-C11B-476E-8FA9-CA34C158E84A}" destId="{DB0B9FFC-2894-409B-8161-F6D9A5625F71}" srcOrd="0" destOrd="0" presId="urn:microsoft.com/office/officeart/2005/8/layout/process1"/>
+    <dgm:cxn modelId="{776F48ED-DB0F-4D9E-A623-92ACDFCBB9C0}" type="presParOf" srcId="{494317B5-4110-4E6C-BC7F-B26DC0E26EB6}" destId="{2613BD23-76EE-444A-9D0D-A62ECE3F3C6E}" srcOrd="2" destOrd="0" presId="urn:microsoft.com/office/officeart/2005/8/layout/process1"/>
+    <dgm:cxn modelId="{529C3999-CE20-4210-B628-F9A7A1A23DF3}" type="presParOf" srcId="{494317B5-4110-4E6C-BC7F-B26DC0E26EB6}" destId="{C0F32FFE-6BBC-48DD-9E37-820420E27FEC}" srcOrd="3" destOrd="0" presId="urn:microsoft.com/office/officeart/2005/8/layout/process1"/>
+    <dgm:cxn modelId="{142A1BD9-F11E-4F0E-9B75-DADABF16A4EC}" type="presParOf" srcId="{C0F32FFE-6BBC-48DD-9E37-820420E27FEC}" destId="{340A7AA8-1D88-4609-937B-9255BB822057}" srcOrd="0" destOrd="0" presId="urn:microsoft.com/office/officeart/2005/8/layout/process1"/>
+    <dgm:cxn modelId="{50DE4BDF-E187-44E1-85CA-A44BD74A466F}" type="presParOf" srcId="{494317B5-4110-4E6C-BC7F-B26DC0E26EB6}" destId="{D2BBA5ED-59A4-43CD-94F1-83AD28DCE4E2}" srcOrd="4" destOrd="0" presId="urn:microsoft.com/office/officeart/2005/8/layout/process1"/>
+  </dgm:cxnLst>
+  <dgm:bg/>
+  <dgm:whole/>
+  <dgm:extLst>
+    <a:ext uri="http://schemas.microsoft.com/office/drawing/2008/diagram">
+      <dsp:dataModelExt xmlns:dsp="http://schemas.microsoft.com/office/drawing/2008/diagram" relId="rId6" minVer="http://schemas.openxmlformats.org/drawingml/2006/diagram"/>
+    </a:ext>
+  </dgm:extLst>
+</dgm:dataModel>
+</file>
+
+<file path=ppt/diagrams/drawing1.xml><?xml version="1.0" encoding="utf-8"?>
+<dsp:drawing xmlns:dgm="http://schemas.openxmlformats.org/drawingml/2006/diagram" xmlns:dsp="http://schemas.microsoft.com/office/drawing/2008/diagram" xmlns:a="http://schemas.openxmlformats.org/drawingml/2006/main">
+  <dsp:spTree>
+    <dsp:nvGrpSpPr>
+      <dsp:cNvPr id="0" name=""/>
+      <dsp:cNvGrpSpPr/>
+    </dsp:nvGrpSpPr>
+    <dsp:grpSpPr/>
+    <dsp:sp modelId="{317FB8E2-2B56-4AF1-BD09-D0895556B39E}">
+      <dsp:nvSpPr>
+        <dsp:cNvPr id="0" name=""/>
+        <dsp:cNvSpPr/>
+      </dsp:nvSpPr>
+      <dsp:spPr>
+        <a:xfrm>
+          <a:off x="558" y="1923929"/>
+          <a:ext cx="1479329" cy="726823"/>
+        </a:xfrm>
+        <a:prstGeom prst="roundRect">
+          <a:avLst>
+            <a:gd name="adj" fmla="val 10000"/>
+          </a:avLst>
+        </a:prstGeom>
+        <a:solidFill>
+          <a:schemeClr val="accent1">
+            <a:hueOff val="0"/>
+            <a:satOff val="0"/>
+            <a:lumOff val="0"/>
+            <a:alphaOff val="0"/>
+          </a:schemeClr>
+        </a:solidFill>
+        <a:ln w="10795" cap="flat" cmpd="sng" algn="ctr">
+          <a:solidFill>
+            <a:schemeClr val="lt1">
+              <a:hueOff val="0"/>
+              <a:satOff val="0"/>
+              <a:lumOff val="0"/>
+              <a:alphaOff val="0"/>
+            </a:schemeClr>
+          </a:solidFill>
+          <a:prstDash val="solid"/>
+        </a:ln>
+        <a:effectLst/>
+      </dsp:spPr>
+      <dsp:style>
+        <a:lnRef idx="2">
+          <a:scrgbClr r="0" g="0" b="0"/>
+        </a:lnRef>
+        <a:fillRef idx="1">
+          <a:scrgbClr r="0" g="0" b="0"/>
+        </a:fillRef>
+        <a:effectRef idx="0">
+          <a:scrgbClr r="0" g="0" b="0"/>
+        </a:effectRef>
+        <a:fontRef idx="minor">
+          <a:schemeClr val="lt1"/>
+        </a:fontRef>
+      </dsp:style>
+      <dsp:txBody>
+        <a:bodyPr spcFirstLastPara="0" vert="horz" wrap="square" lIns="57150" tIns="57150" rIns="57150" bIns="57150" numCol="1" spcCol="1270" anchor="ctr" anchorCtr="0">
+          <a:noAutofit/>
+        </a:bodyPr>
+        <a:lstStyle/>
+        <a:p>
+          <a:pPr marL="0" lvl="0" indent="0" algn="ctr" defTabSz="666750">
+            <a:lnSpc>
+              <a:spcPct val="90000"/>
+            </a:lnSpc>
+            <a:spcBef>
+              <a:spcPct val="0"/>
+            </a:spcBef>
+            <a:spcAft>
+              <a:spcPct val="35000"/>
+            </a:spcAft>
+            <a:buNone/>
+          </a:pPr>
+          <a:r>
+            <a:rPr lang="es-ES" sz="1500" kern="1200" dirty="0" err="1"/>
+            <a:t>Refuse</a:t>
+          </a:r>
+          <a:r>
+            <a:rPr lang="es-ES" sz="1500" kern="1200" dirty="0"/>
+            <a:t> </a:t>
+          </a:r>
+          <a:r>
+            <a:rPr lang="es-ES" sz="1500" kern="1200" dirty="0" err="1"/>
+            <a:t>requests</a:t>
+          </a:r>
+          <a:endParaRPr lang="en-US" sz="1500" kern="1200" dirty="0"/>
+        </a:p>
+      </dsp:txBody>
+      <dsp:txXfrm>
+        <a:off x="21846" y="1945217"/>
+        <a:ext cx="1436753" cy="684247"/>
+      </dsp:txXfrm>
+    </dsp:sp>
+    <dsp:sp modelId="{22DC76B3-C11B-476E-8FA9-CA34C158E84A}">
+      <dsp:nvSpPr>
+        <dsp:cNvPr id="0" name=""/>
+        <dsp:cNvSpPr/>
+      </dsp:nvSpPr>
+      <dsp:spPr>
+        <a:xfrm>
+          <a:off x="1956915" y="2010508"/>
+          <a:ext cx="605084" cy="553665"/>
+        </a:xfrm>
+        <a:prstGeom prst="rightArrow">
+          <a:avLst>
+            <a:gd name="adj1" fmla="val 60000"/>
+            <a:gd name="adj2" fmla="val 50000"/>
+          </a:avLst>
+        </a:prstGeom>
+        <a:solidFill>
+          <a:schemeClr val="accent1">
+            <a:tint val="60000"/>
+            <a:hueOff val="0"/>
+            <a:satOff val="0"/>
+            <a:lumOff val="0"/>
+            <a:alphaOff val="0"/>
+          </a:schemeClr>
+        </a:solidFill>
+        <a:ln>
+          <a:noFill/>
+        </a:ln>
+        <a:effectLst/>
+      </dsp:spPr>
+      <dsp:style>
+        <a:lnRef idx="0">
+          <a:scrgbClr r="0" g="0" b="0"/>
+        </a:lnRef>
+        <a:fillRef idx="1">
+          <a:scrgbClr r="0" g="0" b="0"/>
+        </a:fillRef>
+        <a:effectRef idx="0">
+          <a:scrgbClr r="0" g="0" b="0"/>
+        </a:effectRef>
+        <a:fontRef idx="minor">
+          <a:schemeClr val="lt1"/>
+        </a:fontRef>
+      </dsp:style>
+      <dsp:txBody>
+        <a:bodyPr spcFirstLastPara="0" vert="horz" wrap="square" lIns="0" tIns="0" rIns="0" bIns="0" numCol="1" spcCol="1270" anchor="ctr" anchorCtr="0">
+          <a:noAutofit/>
+        </a:bodyPr>
+        <a:lstStyle/>
+        <a:p>
+          <a:pPr marL="0" lvl="0" indent="0" algn="ctr" defTabSz="533400">
+            <a:lnSpc>
+              <a:spcPct val="90000"/>
+            </a:lnSpc>
+            <a:spcBef>
+              <a:spcPct val="0"/>
+            </a:spcBef>
+            <a:spcAft>
+              <a:spcPct val="35000"/>
+            </a:spcAft>
+            <a:buNone/>
+          </a:pPr>
+          <a:endParaRPr lang="en-US" sz="1200" kern="1200"/>
+        </a:p>
+      </dsp:txBody>
+      <dsp:txXfrm>
+        <a:off x="1956915" y="2121241"/>
+        <a:ext cx="438985" cy="332199"/>
+      </dsp:txXfrm>
+    </dsp:sp>
+    <dsp:sp modelId="{2613BD23-76EE-444A-9D0D-A62ECE3F3C6E}">
+      <dsp:nvSpPr>
+        <dsp:cNvPr id="0" name=""/>
+        <dsp:cNvSpPr/>
+      </dsp:nvSpPr>
+      <dsp:spPr>
+        <a:xfrm>
+          <a:off x="2993616" y="1923929"/>
+          <a:ext cx="1479329" cy="726823"/>
+        </a:xfrm>
+        <a:prstGeom prst="roundRect">
+          <a:avLst>
+            <a:gd name="adj" fmla="val 10000"/>
+          </a:avLst>
+        </a:prstGeom>
+        <a:solidFill>
+          <a:schemeClr val="accent1">
+            <a:hueOff val="0"/>
+            <a:satOff val="0"/>
+            <a:lumOff val="0"/>
+            <a:alphaOff val="0"/>
+          </a:schemeClr>
+        </a:solidFill>
+        <a:ln w="10795" cap="flat" cmpd="sng" algn="ctr">
+          <a:solidFill>
+            <a:schemeClr val="lt1">
+              <a:hueOff val="0"/>
+              <a:satOff val="0"/>
+              <a:lumOff val="0"/>
+              <a:alphaOff val="0"/>
+            </a:schemeClr>
+          </a:solidFill>
+          <a:prstDash val="solid"/>
+        </a:ln>
+        <a:effectLst/>
+      </dsp:spPr>
+      <dsp:style>
+        <a:lnRef idx="2">
+          <a:scrgbClr r="0" g="0" b="0"/>
+        </a:lnRef>
+        <a:fillRef idx="1">
+          <a:scrgbClr r="0" g="0" b="0"/>
+        </a:fillRef>
+        <a:effectRef idx="0">
+          <a:scrgbClr r="0" g="0" b="0"/>
+        </a:effectRef>
+        <a:fontRef idx="minor">
+          <a:schemeClr val="lt1"/>
+        </a:fontRef>
+      </dsp:style>
+      <dsp:txBody>
+        <a:bodyPr spcFirstLastPara="0" vert="horz" wrap="square" lIns="57150" tIns="57150" rIns="57150" bIns="57150" numCol="1" spcCol="1270" anchor="ctr" anchorCtr="0">
+          <a:noAutofit/>
+        </a:bodyPr>
+        <a:lstStyle/>
+        <a:p>
+          <a:pPr marL="0" lvl="0" indent="0" algn="ctr" defTabSz="666750">
+            <a:lnSpc>
+              <a:spcPct val="90000"/>
+            </a:lnSpc>
+            <a:spcBef>
+              <a:spcPct val="0"/>
+            </a:spcBef>
+            <a:spcAft>
+              <a:spcPct val="35000"/>
+            </a:spcAft>
+            <a:buNone/>
+          </a:pPr>
+          <a:r>
+            <a:rPr lang="es-ES" sz="1500" kern="1200" dirty="0" err="1"/>
+            <a:t>Finish</a:t>
+          </a:r>
+          <a:r>
+            <a:rPr lang="es-ES" sz="1500" kern="1200" dirty="0"/>
+            <a:t> short </a:t>
+          </a:r>
+          <a:r>
+            <a:rPr lang="es-ES" sz="1500" kern="1200" dirty="0" err="1"/>
+            <a:t>requests</a:t>
+          </a:r>
+          <a:endParaRPr lang="en-US" sz="1500" kern="1200" dirty="0"/>
+        </a:p>
+      </dsp:txBody>
+      <dsp:txXfrm>
+        <a:off x="3014904" y="1945217"/>
+        <a:ext cx="1436753" cy="684247"/>
+      </dsp:txXfrm>
+    </dsp:sp>
+    <dsp:sp modelId="{C0F32FFE-6BBC-48DD-9E37-820420E27FEC}">
+      <dsp:nvSpPr>
+        <dsp:cNvPr id="0" name=""/>
+        <dsp:cNvSpPr/>
+      </dsp:nvSpPr>
+      <dsp:spPr>
+        <a:xfrm>
+          <a:off x="4949974" y="2010508"/>
+          <a:ext cx="605084" cy="553665"/>
+        </a:xfrm>
+        <a:prstGeom prst="rightArrow">
+          <a:avLst>
+            <a:gd name="adj1" fmla="val 60000"/>
+            <a:gd name="adj2" fmla="val 50000"/>
+          </a:avLst>
+        </a:prstGeom>
+        <a:solidFill>
+          <a:schemeClr val="accent1">
+            <a:tint val="60000"/>
+            <a:hueOff val="0"/>
+            <a:satOff val="0"/>
+            <a:lumOff val="0"/>
+            <a:alphaOff val="0"/>
+          </a:schemeClr>
+        </a:solidFill>
+        <a:ln>
+          <a:noFill/>
+        </a:ln>
+        <a:effectLst/>
+      </dsp:spPr>
+      <dsp:style>
+        <a:lnRef idx="0">
+          <a:scrgbClr r="0" g="0" b="0"/>
+        </a:lnRef>
+        <a:fillRef idx="1">
+          <a:scrgbClr r="0" g="0" b="0"/>
+        </a:fillRef>
+        <a:effectRef idx="0">
+          <a:scrgbClr r="0" g="0" b="0"/>
+        </a:effectRef>
+        <a:fontRef idx="minor">
+          <a:schemeClr val="lt1"/>
+        </a:fontRef>
+      </dsp:style>
+      <dsp:txBody>
+        <a:bodyPr spcFirstLastPara="0" vert="horz" wrap="square" lIns="0" tIns="0" rIns="0" bIns="0" numCol="1" spcCol="1270" anchor="ctr" anchorCtr="0">
+          <a:noAutofit/>
+        </a:bodyPr>
+        <a:lstStyle/>
+        <a:p>
+          <a:pPr marL="0" lvl="0" indent="0" algn="ctr" defTabSz="533400">
+            <a:lnSpc>
+              <a:spcPct val="90000"/>
+            </a:lnSpc>
+            <a:spcBef>
+              <a:spcPct val="0"/>
+            </a:spcBef>
+            <a:spcAft>
+              <a:spcPct val="35000"/>
+            </a:spcAft>
+            <a:buNone/>
+          </a:pPr>
+          <a:endParaRPr lang="en-US" sz="1200" kern="1200"/>
+        </a:p>
+      </dsp:txBody>
+      <dsp:txXfrm>
+        <a:off x="4949974" y="2121241"/>
+        <a:ext cx="438985" cy="332199"/>
+      </dsp:txXfrm>
+    </dsp:sp>
+    <dsp:sp modelId="{D2BBA5ED-59A4-43CD-94F1-83AD28DCE4E2}">
+      <dsp:nvSpPr>
+        <dsp:cNvPr id="0" name=""/>
+        <dsp:cNvSpPr/>
+      </dsp:nvSpPr>
+      <dsp:spPr>
+        <a:xfrm>
+          <a:off x="5986675" y="1923929"/>
+          <a:ext cx="1479329" cy="726823"/>
+        </a:xfrm>
+        <a:prstGeom prst="roundRect">
+          <a:avLst>
+            <a:gd name="adj" fmla="val 10000"/>
+          </a:avLst>
+        </a:prstGeom>
+        <a:solidFill>
+          <a:schemeClr val="accent1">
+            <a:hueOff val="0"/>
+            <a:satOff val="0"/>
+            <a:lumOff val="0"/>
+            <a:alphaOff val="0"/>
+          </a:schemeClr>
+        </a:solidFill>
+        <a:ln w="10795" cap="flat" cmpd="sng" algn="ctr">
+          <a:solidFill>
+            <a:schemeClr val="lt1">
+              <a:hueOff val="0"/>
+              <a:satOff val="0"/>
+              <a:lumOff val="0"/>
+              <a:alphaOff val="0"/>
+            </a:schemeClr>
+          </a:solidFill>
+          <a:prstDash val="solid"/>
+        </a:ln>
+        <a:effectLst/>
+      </dsp:spPr>
+      <dsp:style>
+        <a:lnRef idx="2">
+          <a:scrgbClr r="0" g="0" b="0"/>
+        </a:lnRef>
+        <a:fillRef idx="1">
+          <a:scrgbClr r="0" g="0" b="0"/>
+        </a:fillRef>
+        <a:effectRef idx="0">
+          <a:scrgbClr r="0" g="0" b="0"/>
+        </a:effectRef>
+        <a:fontRef idx="minor">
+          <a:schemeClr val="lt1"/>
+        </a:fontRef>
+      </dsp:style>
+      <dsp:txBody>
+        <a:bodyPr spcFirstLastPara="0" vert="horz" wrap="square" lIns="57150" tIns="57150" rIns="57150" bIns="57150" numCol="1" spcCol="1270" anchor="ctr" anchorCtr="0">
+          <a:noAutofit/>
+        </a:bodyPr>
+        <a:lstStyle/>
+        <a:p>
+          <a:pPr marL="0" lvl="0" indent="0" algn="ctr" defTabSz="666750">
+            <a:lnSpc>
+              <a:spcPct val="90000"/>
+            </a:lnSpc>
+            <a:spcBef>
+              <a:spcPct val="0"/>
+            </a:spcBef>
+            <a:spcAft>
+              <a:spcPct val="35000"/>
+            </a:spcAft>
+            <a:buNone/>
+          </a:pPr>
+          <a:r>
+            <a:rPr lang="es-ES" sz="1500" kern="1200" dirty="0" err="1"/>
+            <a:t>Return</a:t>
+          </a:r>
+          <a:r>
+            <a:rPr lang="es-ES" sz="1500" kern="1200" dirty="0"/>
+            <a:t> </a:t>
+          </a:r>
+          <a:r>
+            <a:rPr lang="es-ES" sz="1500" kern="1200" dirty="0" err="1"/>
+            <a:t>long</a:t>
+          </a:r>
+          <a:r>
+            <a:rPr lang="es-ES" sz="1500" kern="1200" dirty="0"/>
+            <a:t> </a:t>
+          </a:r>
+          <a:r>
+            <a:rPr lang="es-ES" sz="1500" kern="1200" dirty="0" err="1"/>
+            <a:t>requests</a:t>
+          </a:r>
+          <a:r>
+            <a:rPr lang="es-ES" sz="1500" kern="1200" dirty="0"/>
+            <a:t> </a:t>
+          </a:r>
+          <a:r>
+            <a:rPr lang="es-ES" sz="1500" kern="1200" dirty="0" err="1"/>
+            <a:t>to</a:t>
+          </a:r>
+          <a:r>
+            <a:rPr lang="es-ES" sz="1500" kern="1200" dirty="0"/>
+            <a:t> </a:t>
+          </a:r>
+          <a:r>
+            <a:rPr lang="es-ES" sz="1500" kern="1200" dirty="0" err="1"/>
+            <a:t>the</a:t>
+          </a:r>
+          <a:r>
+            <a:rPr lang="es-ES" sz="1500" kern="1200" dirty="0"/>
+            <a:t> </a:t>
+          </a:r>
+          <a:r>
+            <a:rPr lang="es-ES" sz="1500" kern="1200" dirty="0" err="1"/>
+            <a:t>queue</a:t>
+          </a:r>
+          <a:endParaRPr lang="en-US" sz="1500" kern="1200" dirty="0"/>
+        </a:p>
+      </dsp:txBody>
+      <dsp:txXfrm>
+        <a:off x="6007963" y="1945217"/>
+        <a:ext cx="1436753" cy="684247"/>
+      </dsp:txXfrm>
+    </dsp:sp>
+  </dsp:spTree>
+</dsp:drawing>
+</file>
+
+<file path=ppt/diagrams/layout1.xml><?xml version="1.0" encoding="utf-8"?>
+<dgm:layoutDef xmlns:dgm="http://schemas.openxmlformats.org/drawingml/2006/diagram" xmlns:a="http://schemas.openxmlformats.org/drawingml/2006/main" uniqueId="urn:microsoft.com/office/officeart/2005/8/layout/process1">
+  <dgm:title val=""/>
+  <dgm:desc val=""/>
+  <dgm:catLst>
+    <dgm:cat type="process" pri="1000"/>
+    <dgm:cat type="convert" pri="15000"/>
+  </dgm:catLst>
+  <dgm:sampData useDef="1">
+    <dgm:dataModel>
+      <dgm:ptLst/>
+      <dgm:bg/>
+      <dgm:whole/>
+    </dgm:dataModel>
+  </dgm:sampData>
+  <dgm:styleData>
+    <dgm:dataModel>
+      <dgm:ptLst>
+        <dgm:pt modelId="0" type="doc"/>
+        <dgm:pt modelId="1"/>
+        <dgm:pt modelId="2"/>
+      </dgm:ptLst>
+      <dgm:cxnLst>
+        <dgm:cxn modelId="3" srcId="0" destId="1" srcOrd="0" destOrd="0"/>
+        <dgm:cxn modelId="4" srcId="0" destId="2" srcOrd="1" destOrd="0"/>
+      </dgm:cxnLst>
+      <dgm:bg/>
+      <dgm:whole/>
+    </dgm:dataModel>
+  </dgm:styleData>
+  <dgm:clrData>
+    <dgm:dataModel>
+      <dgm:ptLst>
+        <dgm:pt modelId="0" type="doc"/>
+        <dgm:pt modelId="1"/>
+        <dgm:pt modelId="2"/>
+        <dgm:pt modelId="3"/>
+        <dgm:pt modelId="4"/>
+      </dgm:ptLst>
+      <dgm:cxnLst>
+        <dgm:cxn modelId="5" srcId="0" destId="1" srcOrd="0" destOrd="0"/>
+        <dgm:cxn modelId="6" srcId="0" destId="2" srcOrd="1" destOrd="0"/>
+        <dgm:cxn modelId="7" srcId="0" destId="3" srcOrd="2" destOrd="0"/>
+        <dgm:cxn modelId="8" srcId="0" destId="4" srcOrd="3" destOrd="0"/>
+      </dgm:cxnLst>
+      <dgm:bg/>
+      <dgm:whole/>
+    </dgm:dataModel>
+  </dgm:clrData>
+  <dgm:layoutNode name="Name0">
+    <dgm:varLst>
+      <dgm:dir/>
+      <dgm:resizeHandles val="exact"/>
+    </dgm:varLst>
+    <dgm:choose name="Name1">
+      <dgm:if name="Name2" func="var" arg="dir" op="equ" val="norm">
+        <dgm:alg type="lin"/>
+      </dgm:if>
+      <dgm:else name="Name3">
+        <dgm:alg type="lin">
+          <dgm:param type="linDir" val="fromR"/>
+        </dgm:alg>
+      </dgm:else>
+    </dgm:choose>
+    <dgm:shape xmlns:r="http://schemas.openxmlformats.org/officeDocument/2006/relationships" r:blip="">
+      <dgm:adjLst/>
+    </dgm:shape>
+    <dgm:presOf/>
+    <dgm:constrLst>
+      <dgm:constr type="w" for="ch" ptType="node" refType="w"/>
+      <dgm:constr type="h" for="ch" ptType="node" op="equ"/>
+      <dgm:constr type="primFontSz" for="ch" ptType="node" op="equ" val="65"/>
+      <dgm:constr type="w" for="ch" ptType="sibTrans" refType="w" refFor="ch" refPtType="node" op="equ" fact="0.4"/>
+      <dgm:constr type="h" for="ch" ptType="sibTrans" op="equ"/>
+      <dgm:constr type="primFontSz" for="des" forName="connectorText" op="equ" val="55"/>
+      <dgm:constr type="primFontSz" for="des" forName="connectorText" refType="primFontSz" refFor="ch" refPtType="node" op="lte" fact="0.8"/>
+    </dgm:constrLst>
+    <dgm:ruleLst/>
+    <dgm:forEach name="nodesForEach" axis="ch" ptType="node">
+      <dgm:layoutNode name="node">
+        <dgm:varLst>
+          <dgm:bulletEnabled val="1"/>
+        </dgm:varLst>
+        <dgm:alg type="tx"/>
+        <dgm:shape xmlns:r="http://schemas.openxmlformats.org/officeDocument/2006/relationships" type="roundRect" r:blip="">
+          <dgm:adjLst>
+            <dgm:adj idx="1" val="0.1"/>
+          </dgm:adjLst>
+        </dgm:shape>
+        <dgm:presOf axis="desOrSelf" ptType="node"/>
+        <dgm:constrLst>
+          <dgm:constr type="h" refType="w" fact="0.6"/>
+          <dgm:constr type="tMarg" refType="primFontSz" fact="0.3"/>
+          <dgm:constr type="bMarg" refType="primFontSz" fact="0.3"/>
+          <dgm:constr type="lMarg" refType="primFontSz" fact="0.3"/>
+          <dgm:constr type="rMarg" refType="primFontSz" fact="0.3"/>
+        </dgm:constrLst>
+        <dgm:ruleLst>
+          <dgm:rule type="primFontSz" val="18" fact="NaN" max="NaN"/>
+          <dgm:rule type="h" val="NaN" fact="1.5" max="NaN"/>
+          <dgm:rule type="primFontSz" val="5" fact="NaN" max="NaN"/>
+          <dgm:rule type="h" val="INF" fact="NaN" max="NaN"/>
+        </dgm:ruleLst>
+      </dgm:layoutNode>
+      <dgm:forEach name="sibTransForEach" axis="followSib" ptType="sibTrans" cnt="1">
+        <dgm:layoutNode name="sibTrans">
+          <dgm:alg type="conn">
+            <dgm:param type="begPts" val="auto"/>
+            <dgm:param type="endPts" val="auto"/>
+          </dgm:alg>
+          <dgm:shape xmlns:r="http://schemas.openxmlformats.org/officeDocument/2006/relationships" type="conn" r:blip="">
+            <dgm:adjLst/>
+          </dgm:shape>
+          <dgm:presOf axis="self"/>
+          <dgm:constrLst>
+            <dgm:constr type="h" refType="w" fact="0.62"/>
+            <dgm:constr type="connDist"/>
+            <dgm:constr type="begPad" refType="connDist" fact="0.25"/>
+            <dgm:constr type="endPad" refType="connDist" fact="0.22"/>
+          </dgm:constrLst>
+          <dgm:ruleLst/>
+          <dgm:layoutNode name="connectorText">
+            <dgm:alg type="tx">
+              <dgm:param type="autoTxRot" val="grav"/>
+            </dgm:alg>
+            <dgm:shape xmlns:r="http://schemas.openxmlformats.org/officeDocument/2006/relationships" type="conn" r:blip="" hideGeom="1">
+              <dgm:adjLst/>
+            </dgm:shape>
+            <dgm:presOf axis="self"/>
+            <dgm:constrLst>
+              <dgm:constr type="lMarg"/>
+              <dgm:constr type="rMarg"/>
+              <dgm:constr type="tMarg"/>
+              <dgm:constr type="bMarg"/>
+            </dgm:constrLst>
+            <dgm:ruleLst>
+              <dgm:rule type="primFontSz" val="5" fact="NaN" max="NaN"/>
+            </dgm:ruleLst>
+          </dgm:layoutNode>
+        </dgm:layoutNode>
+      </dgm:forEach>
+    </dgm:forEach>
+  </dgm:layoutNode>
+</dgm:layoutDef>
+</file>
+
+<file path=ppt/diagrams/quickStyle1.xml><?xml version="1.0" encoding="utf-8"?>
+<dgm:styleDef xmlns:dgm="http://schemas.openxmlformats.org/drawingml/2006/diagram" xmlns:a="http://schemas.openxmlformats.org/drawingml/2006/main" uniqueId="urn:microsoft.com/office/officeart/2005/8/quickstyle/simple1">
+  <dgm:title val=""/>
+  <dgm:desc val=""/>
+  <dgm:catLst>
+    <dgm:cat type="simple" pri="10100"/>
+  </dgm:catLst>
+  <dgm:scene3d>
+    <a:camera prst="orthographicFront"/>
+    <a:lightRig rig="threePt" dir="t"/>
+  </dgm:scene3d>
+  <dgm:styleLbl name="node0">
+    <dgm:scene3d>
+      <a:camera prst="orthographicFront"/>
+      <a:lightRig rig="threePt" dir="t"/>
+    </dgm:scene3d>
+    <dgm:sp3d/>
+    <dgm:txPr/>
+    <dgm:style>
+      <a:lnRef idx="2">
+        <a:scrgbClr r="0" g="0" b="0"/>
+      </a:lnRef>
+      <a:fillRef idx="1">
+        <a:scrgbClr r="0" g="0" b="0"/>
+      </a:fillRef>
+      <a:effectRef idx="0">
+        <a:scrgbClr r="0" g="0" b="0"/>
+      </a:effectRef>
+      <a:fontRef idx="minor">
+        <a:schemeClr val="lt1"/>
+      </a:fontRef>
+    </dgm:style>
+  </dgm:styleLbl>
+  <dgm:styleLbl name="lnNode1">
+    <dgm:scene3d>
+      <a:camera prst="orthographicFront"/>
+      <a:lightRig rig="threePt" dir="t"/>
+    </dgm:scene3d>
+    <dgm:sp3d/>
+    <dgm:txPr/>
+    <dgm:style>
+      <a:lnRef idx="2">
+        <a:scrgbClr r="0" g="0" b="0"/>
+      </a:lnRef>
+      <a:fillRef idx="1">
+        <a:scrgbClr r="0" g="0" b="0"/>
+      </a:fillRef>
+      <a:effectRef idx="0">
+        <a:scrgbClr r="0" g="0" b="0"/>
+      </a:effectRef>
+      <a:fontRef idx="minor">
+        <a:schemeClr val="lt1"/>
+      </a:fontRef>
+    </dgm:style>
+  </dgm:styleLbl>
+  <dgm:styleLbl name="vennNode1">
+    <dgm:scene3d>
+      <a:camera prst="orthographicFront"/>
+      <a:lightRig rig="threePt" dir="t"/>
+    </dgm:scene3d>
+    <dgm:sp3d/>
+    <dgm:txPr/>
+    <dgm:style>
+      <a:lnRef idx="2">
+        <a:scrgbClr r="0" g="0" b="0"/>
+      </a:lnRef>
+      <a:fillRef idx="1">
+        <a:scrgbClr r="0" g="0" b="0"/>
+      </a:fillRef>
+      <a:effectRef idx="0">
+        <a:scrgbClr r="0" g="0" b="0"/>
+      </a:effectRef>
+      <a:fontRef idx="minor">
+        <a:schemeClr val="tx1"/>
+      </a:fontRef>
+    </dgm:style>
+  </dgm:styleLbl>
+  <dgm:styleLbl name="alignNode1">
+    <dgm:scene3d>
+      <a:camera prst="orthographicFront"/>
+      <a:lightRig rig="threePt" dir="t"/>
+    </dgm:scene3d>
+    <dgm:sp3d/>
+    <dgm:txPr/>
+    <dgm:style>
+      <a:lnRef idx="2">
+        <a:scrgbClr r="0" g="0" b="0"/>
+      </a:lnRef>
+      <a:fillRef idx="1">
+        <a:scrgbClr r="0" g="0" b="0"/>
+      </a:fillRef>
+      <a:effectRef idx="0">
+        <a:scrgbClr r="0" g="0" b="0"/>
+      </a:effectRef>
+      <a:fontRef idx="minor">
+        <a:schemeClr val="lt1"/>
+      </a:fontRef>
+    </dgm:style>
+  </dgm:styleLbl>
+  <dgm:styleLbl name="node1">
+    <dgm:scene3d>
+      <a:camera prst="orthographicFront"/>
+      <a:lightRig rig="threePt" dir="t"/>
+    </dgm:scene3d>
+    <dgm:sp3d/>
+    <dgm:txPr/>
+    <dgm:style>
+      <a:lnRef idx="2">
+        <a:scrgbClr r="0" g="0" b="0"/>
+      </a:lnRef>
+      <a:fillRef idx="1">
+        <a:scrgbClr r="0" g="0" b="0"/>
+      </a:fillRef>
+      <a:effectRef idx="0">
+        <a:scrgbClr r="0" g="0" b="0"/>
+      </a:effectRef>
+      <a:fontRef idx="minor">
+        <a:schemeClr val="lt1"/>
+      </a:fontRef>
+    </dgm:style>
+  </dgm:styleLbl>
+  <dgm:styleLbl name="node2">
+    <dgm:scene3d>
+      <a:camera prst="orthographicFront"/>
+      <a:lightRig rig="threePt" dir="t"/>
+    </dgm:scene3d>
+    <dgm:sp3d/>
+    <dgm:txPr/>
+    <dgm:style>
+      <a:lnRef idx="2">
+        <a:scrgbClr r="0" g="0" b="0"/>
+      </a:lnRef>
+      <a:fillRef idx="1">
+        <a:scrgbClr r="0" g="0" b="0"/>
+      </a:fillRef>
+      <a:effectRef idx="0">
+        <a:scrgbClr r="0" g="0" b="0"/>
+      </a:effectRef>
+      <a:fontRef idx="minor">
+        <a:schemeClr val="lt1"/>
+      </a:fontRef>
+    </dgm:style>
+  </dgm:styleLbl>
+  <dgm:styleLbl name="node3">
+    <dgm:scene3d>
+      <a:camera prst="orthographicFront"/>
+      <a:lightRig rig="threePt" dir="t"/>
+    </dgm:scene3d>
+    <dgm:sp3d/>
+    <dgm:txPr/>
+    <dgm:style>
+      <a:lnRef idx="2">
+        <a:scrgbClr r="0" g="0" b="0"/>
+      </a:lnRef>
+      <a:fillRef idx="1">
+        <a:scrgbClr r="0" g="0" b="0"/>
+      </a:fillRef>
+      <a:effectRef idx="0">
+        <a:scrgbClr r="0" g="0" b="0"/>
+      </a:effectRef>
+      <a:fontRef idx="minor">
+        <a:schemeClr val="lt1"/>
+      </a:fontRef>
+    </dgm:style>
+  </dgm:styleLbl>
+  <dgm:styleLbl name="node4">
+    <dgm:scene3d>
+      <a:camera prst="orthographicFront"/>
+      <a:lightRig rig="threePt" dir="t"/>
+    </dgm:scene3d>
+    <dgm:sp3d/>
+    <dgm:txPr/>
+    <dgm:style>
+      <a:lnRef idx="2">
+        <a:scrgbClr r="0" g="0" b="0"/>
+      </a:lnRef>
+      <a:fillRef idx="1">
+        <a:scrgbClr r="0" g="0" b="0"/>
+      </a:fillRef>
+      <a:effectRef idx="0">
+        <a:scrgbClr r="0" g="0" b="0"/>
+      </a:effectRef>
+      <a:fontRef idx="minor">
+        <a:schemeClr val="lt1"/>
+      </a:fontRef>
+    </dgm:style>
+  </dgm:styleLbl>
+  <dgm:styleLbl name="fgImgPlace1">
+    <dgm:scene3d>
+      <a:camera prst="orthographicFront"/>
+      <a:lightRig rig="threePt" dir="t"/>
+    </dgm:scene3d>
+    <dgm:sp3d/>
+    <dgm:txPr/>
+    <dgm:style>
+      <a:lnRef idx="2">
+        <a:scrgbClr r="0" g="0" b="0"/>
+      </a:lnRef>
+      <a:fillRef idx="1">
+        <a:scrgbClr r="0" g="0" b="0"/>
+      </a:fillRef>
+      <a:effectRef idx="0">
+        <a:scrgbClr r="0" g="0" b="0"/>
+      </a:effectRef>
+      <a:fontRef idx="minor"/>
+    </dgm:style>
+  </dgm:styleLbl>
+  <dgm:styleLbl name="alignImgPlace1">
+    <dgm:scene3d>
+      <a:camera prst="orthographicFront"/>
+      <a:lightRig rig="threePt" dir="t"/>
+    </dgm:scene3d>
+    <dgm:sp3d/>
+    <dgm:txPr/>
+    <dgm:style>
+      <a:lnRef idx="2">
+        <a:scrgbClr r="0" g="0" b="0"/>
+      </a:lnRef>
+      <a:fillRef idx="1">
+        <a:scrgbClr r="0" g="0" b="0"/>
+      </a:fillRef>
+      <a:effectRef idx="0">
+        <a:scrgbClr r="0" g="0" b="0"/>
+      </a:effectRef>
+      <a:fontRef idx="minor"/>
+    </dgm:style>
+  </dgm:styleLbl>
+  <dgm:styleLbl name="bgImgPlace1">
+    <dgm:scene3d>
+      <a:camera prst="orthographicFront"/>
+      <a:lightRig rig="threePt" dir="t"/>
+    </dgm:scene3d>
+    <dgm:sp3d/>
+    <dgm:txPr/>
+    <dgm:style>
+      <a:lnRef idx="2">
+        <a:scrgbClr r="0" g="0" b="0"/>
+      </a:lnRef>
+      <a:fillRef idx="1">
+        <a:scrgbClr r="0" g="0" b="0"/>
+      </a:fillRef>
+      <a:effectRef idx="0">
+        <a:scrgbClr r="0" g="0" b="0"/>
+      </a:effectRef>
+      <a:fontRef idx="minor"/>
+    </dgm:style>
+  </dgm:styleLbl>
+  <dgm:styleLbl name="sibTrans2D1">
+    <dgm:scene3d>
+      <a:camera prst="orthographicFront"/>
+      <a:lightRig rig="threePt" dir="t"/>
+    </dgm:scene3d>
+    <dgm:sp3d/>
+    <dgm:txPr/>
+    <dgm:style>
+      <a:lnRef idx="0">
+        <a:scrgbClr r="0" g="0" b="0"/>
+      </a:lnRef>
+      <a:fillRef idx="1">
+        <a:scrgbClr r="0" g="0" b="0"/>
+      </a:fillRef>
+      <a:effectRef idx="0">
+        <a:scrgbClr r="0" g="0" b="0"/>
+      </a:effectRef>
+      <a:fontRef idx="minor">
+        <a:schemeClr val="lt1"/>
+      </a:fontRef>
+    </dgm:style>
+  </dgm:styleLbl>
+  <dgm:styleLbl name="fgSibTrans2D1">
+    <dgm:scene3d>
+      <a:camera prst="orthographicFront"/>
+      <a:lightRig rig="threePt" dir="t"/>
+    </dgm:scene3d>
+    <dgm:sp3d/>
+    <dgm:txPr/>
+    <dgm:style>
+      <a:lnRef idx="0">
+        <a:scrgbClr r="0" g="0" b="0"/>
+      </a:lnRef>
+      <a:fillRef idx="1">
+        <a:scrgbClr r="0" g="0" b="0"/>
+      </a:fillRef>
+      <a:effectRef idx="0">
+        <a:scrgbClr r="0" g="0" b="0"/>
+      </a:effectRef>
+      <a:fontRef idx="minor">
+        <a:schemeClr val="lt1"/>
+      </a:fontRef>
+    </dgm:style>
+  </dgm:styleLbl>
+  <dgm:styleLbl name="bgSibTrans2D1">
+    <dgm:scene3d>
+      <a:camera prst="orthographicFront"/>
+      <a:lightRig rig="threePt" dir="t"/>
+    </dgm:scene3d>
+    <dgm:sp3d/>
+    <dgm:txPr/>
+    <dgm:style>
+      <a:lnRef idx="0">
+        <a:scrgbClr r="0" g="0" b="0"/>
+      </a:lnRef>
+      <a:fillRef idx="1">
+        <a:scrgbClr r="0" g="0" b="0"/>
+      </a:fillRef>
+      <a:effectRef idx="0">
+        <a:scrgbClr r="0" g="0" b="0"/>
+      </a:effectRef>
+      <a:fontRef idx="minor">
+        <a:schemeClr val="lt1"/>
+      </a:fontRef>
+    </dgm:style>
+  </dgm:styleLbl>
+  <dgm:styleLbl name="sibTrans1D1">
+    <dgm:scene3d>
+      <a:camera prst="orthographicFront"/>
+      <a:lightRig rig="threePt" dir="t"/>
+    </dgm:scene3d>
+    <dgm:sp3d/>
+    <dgm:txPr/>
+    <dgm:style>
+      <a:lnRef idx="1">
+        <a:scrgbClr r="0" g="0" b="0"/>
+      </a:lnRef>
+      <a:fillRef idx="0">
+        <a:scrgbClr r="0" g="0" b="0"/>
+      </a:fillRef>
+      <a:effectRef idx="0">
+        <a:scrgbClr r="0" g="0" b="0"/>
+      </a:effectRef>
+      <a:fontRef idx="minor"/>
+    </dgm:style>
+  </dgm:styleLbl>
+  <dgm:styleLbl name="callout">
+    <dgm:scene3d>
+      <a:camera prst="orthographicFront"/>
+      <a:lightRig rig="threePt" dir="t"/>
+    </dgm:scene3d>
+    <dgm:sp3d/>
+    <dgm:txPr/>
+    <dgm:style>
+      <a:lnRef idx="2">
+        <a:scrgbClr r="0" g="0" b="0"/>
+      </a:lnRef>
+      <a:fillRef idx="1">
+        <a:scrgbClr r="0" g="0" b="0"/>
+      </a:fillRef>
+      <a:effectRef idx="0">
+        <a:scrgbClr r="0" g="0" b="0"/>
+      </a:effectRef>
+      <a:fontRef idx="minor"/>
+    </dgm:style>
+  </dgm:styleLbl>
+  <dgm:styleLbl name="asst0">
+    <dgm:scene3d>
+      <a:camera prst="orthographicFront"/>
+      <a:lightRig rig="threePt" dir="t"/>
+    </dgm:scene3d>
+    <dgm:sp3d/>
+    <dgm:txPr/>
+    <dgm:style>
+      <a:lnRef idx="2">
+        <a:scrgbClr r="0" g="0" b="0"/>
+      </a:lnRef>
+      <a:fillRef idx="1">
+        <a:scrgbClr r="0" g="0" b="0"/>
+      </a:fillRef>
+      <a:effectRef idx="0">
+        <a:scrgbClr r="0" g="0" b="0"/>
+      </a:effectRef>
+      <a:fontRef idx="minor">
+        <a:schemeClr val="lt1"/>
+      </a:fontRef>
+    </dgm:style>
+  </dgm:styleLbl>
+  <dgm:styleLbl name="asst1">
+    <dgm:scene3d>
+      <a:camera prst="orthographicFront"/>
+      <a:lightRig rig="threePt" dir="t"/>
+    </dgm:scene3d>
+    <dgm:sp3d/>
+    <dgm:txPr/>
+    <dgm:style>
+      <a:lnRef idx="2">
+        <a:scrgbClr r="0" g="0" b="0"/>
+      </a:lnRef>
+      <a:fillRef idx="1">
+        <a:scrgbClr r="0" g="0" b="0"/>
+      </a:fillRef>
+      <a:effectRef idx="0">
+        <a:scrgbClr r="0" g="0" b="0"/>
+      </a:effectRef>
+      <a:fontRef idx="minor">
+        <a:schemeClr val="lt1"/>
+      </a:fontRef>
+    </dgm:style>
+  </dgm:styleLbl>
+  <dgm:styleLbl name="asst2">
+    <dgm:scene3d>
+      <a:camera prst="orthographicFront"/>
+      <a:lightRig rig="threePt" dir="t"/>
+    </dgm:scene3d>
+    <dgm:sp3d/>
+    <dgm:txPr/>
+    <dgm:style>
+      <a:lnRef idx="2">
+        <a:scrgbClr r="0" g="0" b="0"/>
+      </a:lnRef>
+      <a:fillRef idx="1">
+        <a:scrgbClr r="0" g="0" b="0"/>
+      </a:fillRef>
+      <a:effectRef idx="0">
+        <a:scrgbClr r="0" g="0" b="0"/>
+      </a:effectRef>
+      <a:fontRef idx="minor">
+        <a:schemeClr val="lt1"/>
+      </a:fontRef>
+    </dgm:style>
+  </dgm:styleLbl>
+  <dgm:styleLbl name="asst3">
+    <dgm:scene3d>
+      <a:camera prst="orthographicFront"/>
+      <a:lightRig rig="threePt" dir="t"/>
+    </dgm:scene3d>
+    <dgm:sp3d/>
+    <dgm:txPr/>
+    <dgm:style>
+      <a:lnRef idx="2">
+        <a:scrgbClr r="0" g="0" b="0"/>
+      </a:lnRef>
+      <a:fillRef idx="1">
+        <a:scrgbClr r="0" g="0" b="0"/>
+      </a:fillRef>
+      <a:effectRef idx="0">
+        <a:scrgbClr r="0" g="0" b="0"/>
+      </a:effectRef>
+      <a:fontRef idx="minor">
+        <a:schemeClr val="lt1"/>
+      </a:fontRef>
+    </dgm:style>
+  </dgm:styleLbl>
+  <dgm:styleLbl name="asst4">
+    <dgm:scene3d>
+      <a:camera prst="orthographicFront"/>
+      <a:lightRig rig="threePt" dir="t"/>
+    </dgm:scene3d>
+    <dgm:sp3d/>
+    <dgm:txPr/>
+    <dgm:style>
+      <a:lnRef idx="2">
+        <a:scrgbClr r="0" g="0" b="0"/>
+      </a:lnRef>
+      <a:fillRef idx="1">
+        <a:scrgbClr r="0" g="0" b="0"/>
+      </a:fillRef>
+      <a:effectRef idx="0">
+        <a:scrgbClr r="0" g="0" b="0"/>
+      </a:effectRef>
+      <a:fontRef idx="minor">
+        <a:schemeClr val="lt1"/>
+      </a:fontRef>
+    </dgm:style>
+  </dgm:styleLbl>
+  <dgm:styleLbl name="parChTrans2D1">
+    <dgm:scene3d>
+      <a:camera prst="orthographicFront"/>
+      <a:lightRig rig="threePt" dir="t"/>
+    </dgm:scene3d>
+    <dgm:sp3d/>
+    <dgm:txPr/>
+    <dgm:style>
+      <a:lnRef idx="2">
+        <a:scrgbClr r="0" g="0" b="0"/>
+      </a:lnRef>
+      <a:fillRef idx="1">
+        <a:scrgbClr r="0" g="0" b="0"/>
+      </a:fillRef>
+      <a:effectRef idx="0">
+        <a:scrgbClr r="0" g="0" b="0"/>
+      </a:effectRef>
+      <a:fontRef idx="minor">
+        <a:schemeClr val="lt1"/>
+      </a:fontRef>
+    </dgm:style>
+  </dgm:styleLbl>
+  <dgm:styleLbl name="parChTrans2D2">
+    <dgm:scene3d>
+      <a:camera prst="orthographicFront"/>
+      <a:lightRig rig="threePt" dir="t"/>
+    </dgm:scene3d>
+    <dgm:sp3d/>
+    <dgm:txPr/>
+    <dgm:style>
+      <a:lnRef idx="2">
+        <a:scrgbClr r="0" g="0" b="0"/>
+      </a:lnRef>
+      <a:fillRef idx="1">
+        <a:scrgbClr r="0" g="0" b="0"/>
+      </a:fillRef>
+      <a:effectRef idx="0">
+        <a:scrgbClr r="0" g="0" b="0"/>
+      </a:effectRef>
+      <a:fontRef idx="minor">
+        <a:schemeClr val="lt1"/>
+      </a:fontRef>
+    </dgm:style>
+  </dgm:styleLbl>
+  <dgm:styleLbl name="parChTrans2D3">
+    <dgm:scene3d>
+      <a:camera prst="orthographicFront"/>
+      <a:lightRig rig="threePt" dir="t"/>
+    </dgm:scene3d>
+    <dgm:sp3d/>
+    <dgm:txPr/>
+    <dgm:style>
+      <a:lnRef idx="2">
+        <a:scrgbClr r="0" g="0" b="0"/>
+      </a:lnRef>
+      <a:fillRef idx="1">
+        <a:scrgbClr r="0" g="0" b="0"/>
+      </a:fillRef>
+      <a:effectRef idx="0">
+        <a:scrgbClr r="0" g="0" b="0"/>
+      </a:effectRef>
+      <a:fontRef idx="minor">
+        <a:schemeClr val="lt1"/>
+      </a:fontRef>
+    </dgm:style>
+  </dgm:styleLbl>
+  <dgm:styleLbl name="parChTrans2D4">
+    <dgm:scene3d>
+      <a:camera prst="orthographicFront"/>
+      <a:lightRig rig="threePt" dir="t"/>
+    </dgm:scene3d>
+    <dgm:sp3d/>
+    <dgm:txPr/>
+    <dgm:style>
+      <a:lnRef idx="2">
+        <a:scrgbClr r="0" g="0" b="0"/>
+      </a:lnRef>
+      <a:fillRef idx="1">
+        <a:scrgbClr r="0" g="0" b="0"/>
+      </a:fillRef>
+      <a:effectRef idx="0">
+        <a:scrgbClr r="0" g="0" b="0"/>
+      </a:effectRef>
+      <a:fontRef idx="minor">
+        <a:schemeClr val="lt1"/>
+      </a:fontRef>
+    </dgm:style>
+  </dgm:styleLbl>
+  <dgm:styleLbl name="parChTrans1D1">
+    <dgm:scene3d>
+      <a:camera prst="orthographicFront"/>
+      <a:lightRig rig="threePt" dir="t"/>
+    </dgm:scene3d>
+    <dgm:sp3d/>
+    <dgm:txPr/>
+    <dgm:style>
+      <a:lnRef idx="2">
+        <a:scrgbClr r="0" g="0" b="0"/>
+      </a:lnRef>
+      <a:fillRef idx="0">
+        <a:scrgbClr r="0" g="0" b="0"/>
+      </a:fillRef>
+      <a:effectRef idx="0">
+        <a:scrgbClr r="0" g="0" b="0"/>
+      </a:effectRef>
+      <a:fontRef idx="minor"/>
+    </dgm:style>
+  </dgm:styleLbl>
+  <dgm:styleLbl name="parChTrans1D2">
+    <dgm:scene3d>
+      <a:camera prst="orthographicFront"/>
+      <a:lightRig rig="threePt" dir="t"/>
+    </dgm:scene3d>
+    <dgm:sp3d/>
+    <dgm:txPr/>
+    <dgm:style>
+      <a:lnRef idx="2">
+        <a:scrgbClr r="0" g="0" b="0"/>
+      </a:lnRef>
+      <a:fillRef idx="0">
+        <a:scrgbClr r="0" g="0" b="0"/>
+      </a:fillRef>
+      <a:effectRef idx="0">
+        <a:scrgbClr r="0" g="0" b="0"/>
+      </a:effectRef>
+      <a:fontRef idx="minor"/>
+    </dgm:style>
+  </dgm:styleLbl>
+  <dgm:styleLbl name="parChTrans1D3">
+    <dgm:scene3d>
+      <a:camera prst="orthographicFront"/>
+      <a:lightRig rig="threePt" dir="t"/>
+    </dgm:scene3d>
+    <dgm:sp3d/>
+    <dgm:txPr/>
+    <dgm:style>
+      <a:lnRef idx="2">
+        <a:scrgbClr r="0" g="0" b="0"/>
+      </a:lnRef>
+      <a:fillRef idx="0">
+        <a:scrgbClr r="0" g="0" b="0"/>
+      </a:fillRef>
+      <a:effectRef idx="0">
+        <a:scrgbClr r="0" g="0" b="0"/>
+      </a:effectRef>
+      <a:fontRef idx="minor"/>
+    </dgm:style>
+  </dgm:styleLbl>
+  <dgm:styleLbl name="parChTrans1D4">
+    <dgm:scene3d>
+      <a:camera prst="orthographicFront"/>
+      <a:lightRig rig="threePt" dir="t"/>
+    </dgm:scene3d>
+    <dgm:sp3d/>
+    <dgm:txPr/>
+    <dgm:style>
+      <a:lnRef idx="2">
+        <a:scrgbClr r="0" g="0" b="0"/>
+      </a:lnRef>
+      <a:fillRef idx="0">
+        <a:scrgbClr r="0" g="0" b="0"/>
+      </a:fillRef>
+      <a:effectRef idx="0">
+        <a:scrgbClr r="0" g="0" b="0"/>
+      </a:effectRef>
+      <a:fontRef idx="minor"/>
+    </dgm:style>
+  </dgm:styleLbl>
+  <dgm:styleLbl name="fgAcc1">
+    <dgm:scene3d>
+      <a:camera prst="orthographicFront"/>
+      <a:lightRig rig="threePt" dir="t"/>
+    </dgm:scene3d>
+    <dgm:sp3d/>
+    <dgm:txPr/>
+    <dgm:style>
+      <a:lnRef idx="2">
+        <a:scrgbClr r="0" g="0" b="0"/>
+      </a:lnRef>
+      <a:fillRef idx="1">
+        <a:scrgbClr r="0" g="0" b="0"/>
+      </a:fillRef>
+      <a:effectRef idx="0">
+        <a:scrgbClr r="0" g="0" b="0"/>
+      </a:effectRef>
+      <a:fontRef idx="minor"/>
+    </dgm:style>
+  </dgm:styleLbl>
+  <dgm:styleLbl name="conFgAcc1">
+    <dgm:scene3d>
+      <a:camera prst="orthographicFront"/>
+      <a:lightRig rig="threePt" dir="t"/>
+    </dgm:scene3d>
+    <dgm:sp3d/>
+    <dgm:txPr/>
+    <dgm:style>
+      <a:lnRef idx="2">
+        <a:scrgbClr r="0" g="0" b="0"/>
+      </a:lnRef>
+      <a:fillRef idx="1">
+        <a:scrgbClr r="0" g="0" b="0"/>
+      </a:fillRef>
+      <a:effectRef idx="0">
+        <a:scrgbClr r="0" g="0" b="0"/>
+      </a:effectRef>
+      <a:fontRef idx="minor"/>
+    </dgm:style>
+  </dgm:styleLbl>
+  <dgm:styleLbl name="alignAcc1">
+    <dgm:scene3d>
+      <a:camera prst="orthographicFront"/>
+      <a:lightRig rig="threePt" dir="t"/>
+    </dgm:scene3d>
+    <dgm:sp3d/>
+    <dgm:txPr/>
+    <dgm:style>
+      <a:lnRef idx="2">
+        <a:scrgbClr r="0" g="0" b="0"/>
+      </a:lnRef>
+      <a:fillRef idx="1">
+        <a:scrgbClr r="0" g="0" b="0"/>
+      </a:fillRef>
+      <a:effectRef idx="0">
+        <a:scrgbClr r="0" g="0" b="0"/>
+      </a:effectRef>
+      <a:fontRef idx="minor"/>
+    </dgm:style>
+  </dgm:styleLbl>
+  <dgm:styleLbl name="trAlignAcc1">
+    <dgm:scene3d>
+      <a:camera prst="orthographicFront"/>
+      <a:lightRig rig="threePt" dir="t"/>
+    </dgm:scene3d>
+    <dgm:sp3d/>
+    <dgm:txPr/>
+    <dgm:style>
+      <a:lnRef idx="1">
+        <a:scrgbClr r="0" g="0" b="0"/>
+      </a:lnRef>
+      <a:fillRef idx="1">
+        <a:scrgbClr r="0" g="0" b="0"/>
+      </a:fillRef>
+      <a:effectRef idx="0">
+        <a:scrgbClr r="0" g="0" b="0"/>
+      </a:effectRef>
+      <a:fontRef idx="minor"/>
+    </dgm:style>
+  </dgm:styleLbl>
+  <dgm:styleLbl name="bgAcc1">
+    <dgm:scene3d>
+      <a:camera prst="orthographicFront"/>
+      <a:lightRig rig="threePt" dir="t"/>
+    </dgm:scene3d>
+    <dgm:sp3d/>
+    <dgm:txPr/>
+    <dgm:style>
+      <a:lnRef idx="2">
+        <a:scrgbClr r="0" g="0" b="0"/>
+      </a:lnRef>
+      <a:fillRef idx="1">
+        <a:scrgbClr r="0" g="0" b="0"/>
+      </a:fillRef>
+      <a:effectRef idx="0">
+        <a:scrgbClr r="0" g="0" b="0"/>
+      </a:effectRef>
+      <a:fontRef idx="minor"/>
+    </dgm:style>
+  </dgm:styleLbl>
+  <dgm:styleLbl name="solidFgAcc1">
+    <dgm:scene3d>
+      <a:camera prst="orthographicFront"/>
+      <a:lightRig rig="threePt" dir="t"/>
+    </dgm:scene3d>
+    <dgm:sp3d/>
+    <dgm:txPr/>
+    <dgm:style>
+      <a:lnRef idx="2">
+        <a:scrgbClr r="0" g="0" b="0"/>
+      </a:lnRef>
+      <a:fillRef idx="1">
+        <a:scrgbClr r="0" g="0" b="0"/>
+      </a:fillRef>
+      <a:effectRef idx="0">
+        <a:scrgbClr r="0" g="0" b="0"/>
+      </a:effectRef>
+      <a:fontRef idx="minor"/>
+    </dgm:style>
+  </dgm:styleLbl>
+  <dgm:styleLbl name="solidAlignAcc1">
+    <dgm:scene3d>
+      <a:camera prst="orthographicFront"/>
+      <a:lightRig rig="threePt" dir="t"/>
+    </dgm:scene3d>
+    <dgm:sp3d/>
+    <dgm:txPr/>
+    <dgm:style>
+      <a:lnRef idx="2">
+        <a:scrgbClr r="0" g="0" b="0"/>
+      </a:lnRef>
+      <a:fillRef idx="1">
+        <a:scrgbClr r="0" g="0" b="0"/>
+      </a:fillRef>
+      <a:effectRef idx="0">
+        <a:scrgbClr r="0" g="0" b="0"/>
+      </a:effectRef>
+      <a:fontRef idx="minor"/>
+    </dgm:style>
+  </dgm:styleLbl>
+  <dgm:styleLbl name="solidBgAcc1">
+    <dgm:scene3d>
+      <a:camera prst="orthographicFront"/>
+      <a:lightRig rig="threePt" dir="t"/>
+    </dgm:scene3d>
+    <dgm:sp3d/>
+    <dgm:txPr/>
+    <dgm:style>
+      <a:lnRef idx="2">
+        <a:scrgbClr r="0" g="0" b="0"/>
+      </a:lnRef>
+      <a:fillRef idx="1">
+        <a:scrgbClr r="0" g="0" b="0"/>
+      </a:fillRef>
+      <a:effectRef idx="0">
+        <a:scrgbClr r="0" g="0" b="0"/>
+      </a:effectRef>
+      <a:fontRef idx="minor"/>
+    </dgm:style>
+  </dgm:styleLbl>
+  <dgm:styleLbl name="fgAccFollowNode1">
+    <dgm:scene3d>
+      <a:camera prst="orthographicFront"/>
+      <a:lightRig rig="threePt" dir="t"/>
+    </dgm:scene3d>
+    <dgm:sp3d/>
+    <dgm:txPr/>
+    <dgm:style>
+      <a:lnRef idx="2">
+        <a:scrgbClr r="0" g="0" b="0"/>
+      </a:lnRef>
+      <a:fillRef idx="1">
+        <a:scrgbClr r="0" g="0" b="0"/>
+      </a:fillRef>
+      <a:effectRef idx="0">
+        <a:scrgbClr r="0" g="0" b="0"/>
+      </a:effectRef>
+      <a:fontRef idx="minor"/>
+    </dgm:style>
+  </dgm:styleLbl>
+  <dgm:styleLbl name="alignAccFollowNode1">
+    <dgm:scene3d>
+      <a:camera prst="orthographicFront"/>
+      <a:lightRig rig="threePt" dir="t"/>
+    </dgm:scene3d>
+    <dgm:sp3d/>
+    <dgm:txPr/>
+    <dgm:style>
+      <a:lnRef idx="2">
+        <a:scrgbClr r="0" g="0" b="0"/>
+      </a:lnRef>
+      <a:fillRef idx="1">
+        <a:scrgbClr r="0" g="0" b="0"/>
+      </a:fillRef>
+      <a:effectRef idx="0">
+        <a:scrgbClr r="0" g="0" b="0"/>
+      </a:effectRef>
+      <a:fontRef idx="minor"/>
+    </dgm:style>
+  </dgm:styleLbl>
+  <dgm:styleLbl name="bgAccFollowNode1">
+    <dgm:scene3d>
+      <a:camera prst="orthographicFront"/>
+      <a:lightRig rig="threePt" dir="t"/>
+    </dgm:scene3d>
+    <dgm:sp3d/>
+    <dgm:txPr/>
+    <dgm:style>
+      <a:lnRef idx="2">
+        <a:scrgbClr r="0" g="0" b="0"/>
+      </a:lnRef>
+      <a:fillRef idx="1">
+        <a:scrgbClr r="0" g="0" b="0"/>
+      </a:fillRef>
+      <a:effectRef idx="0">
+        <a:scrgbClr r="0" g="0" b="0"/>
+      </a:effectRef>
+      <a:fontRef idx="minor"/>
+    </dgm:style>
+  </dgm:styleLbl>
+  <dgm:styleLbl name="fgAcc0">
+    <dgm:scene3d>
+      <a:camera prst="orthographicFront"/>
+      <a:lightRig rig="threePt" dir="t"/>
+    </dgm:scene3d>
+    <dgm:sp3d/>
+    <dgm:txPr/>
+    <dgm:style>
+      <a:lnRef idx="2">
+        <a:scrgbClr r="0" g="0" b="0"/>
+      </a:lnRef>
+      <a:fillRef idx="1">
+        <a:scrgbClr r="0" g="0" b="0"/>
+      </a:fillRef>
+      <a:effectRef idx="0">
+        <a:scrgbClr r="0" g="0" b="0"/>
+      </a:effectRef>
+      <a:fontRef idx="minor"/>
+    </dgm:style>
+  </dgm:styleLbl>
+  <dgm:styleLbl name="fgAcc2">
+    <dgm:scene3d>
+      <a:camera prst="orthographicFront"/>
+      <a:lightRig rig="threePt" dir="t"/>
+    </dgm:scene3d>
+    <dgm:sp3d/>
+    <dgm:txPr/>
+    <dgm:style>
+      <a:lnRef idx="2">
+        <a:scrgbClr r="0" g="0" b="0"/>
+      </a:lnRef>
+      <a:fillRef idx="1">
+        <a:scrgbClr r="0" g="0" b="0"/>
+      </a:fillRef>
+      <a:effectRef idx="0">
+        <a:scrgbClr r="0" g="0" b="0"/>
+      </a:effectRef>
+      <a:fontRef idx="minor"/>
+    </dgm:style>
+  </dgm:styleLbl>
+  <dgm:styleLbl name="fgAcc3">
+    <dgm:scene3d>
+      <a:camera prst="orthographicFront"/>
+      <a:lightRig rig="threePt" dir="t"/>
+    </dgm:scene3d>
+    <dgm:sp3d/>
+    <dgm:txPr/>
+    <dgm:style>
+      <a:lnRef idx="2">
+        <a:scrgbClr r="0" g="0" b="0"/>
+      </a:lnRef>
+      <a:fillRef idx="1">
+        <a:scrgbClr r="0" g="0" b="0"/>
+      </a:fillRef>
+      <a:effectRef idx="0">
+        <a:scrgbClr r="0" g="0" b="0"/>
+      </a:effectRef>
+      <a:fontRef idx="minor"/>
+    </dgm:style>
+  </dgm:styleLbl>
+  <dgm:styleLbl name="fgAcc4">
+    <dgm:scene3d>
+      <a:camera prst="orthographicFront"/>
+      <a:lightRig rig="threePt" dir="t"/>
+    </dgm:scene3d>
+    <dgm:sp3d/>
+    <dgm:txPr/>
+    <dgm:style>
+      <a:lnRef idx="2">
+        <a:scrgbClr r="0" g="0" b="0"/>
+      </a:lnRef>
+      <a:fillRef idx="1">
+        <a:scrgbClr r="0" g="0" b="0"/>
+      </a:fillRef>
+      <a:effectRef idx="0">
+        <a:scrgbClr r="0" g="0" b="0"/>
+      </a:effectRef>
+      <a:fontRef idx="minor"/>
+    </dgm:style>
+  </dgm:styleLbl>
+  <dgm:styleLbl name="bgShp">
+    <dgm:scene3d>
+      <a:camera prst="orthographicFront"/>
+      <a:lightRig rig="threePt" dir="t"/>
+    </dgm:scene3d>
+    <dgm:sp3d/>
+    <dgm:txPr/>
+    <dgm:style>
+      <a:lnRef idx="0">
+        <a:scrgbClr r="0" g="0" b="0"/>
+      </a:lnRef>
+      <a:fillRef idx="1">
+        <a:scrgbClr r="0" g="0" b="0"/>
+      </a:fillRef>
+      <a:effectRef idx="0">
+        <a:scrgbClr r="0" g="0" b="0"/>
+      </a:effectRef>
+      <a:fontRef idx="minor"/>
+    </dgm:style>
+  </dgm:styleLbl>
+  <dgm:styleLbl name="dkBgShp">
+    <dgm:scene3d>
+      <a:camera prst="orthographicFront"/>
+      <a:lightRig rig="threePt" dir="t"/>
+    </dgm:scene3d>
+    <dgm:sp3d/>
+    <dgm:txPr/>
+    <dgm:style>
+      <a:lnRef idx="0">
+        <a:scrgbClr r="0" g="0" b="0"/>
+      </a:lnRef>
+      <a:fillRef idx="1">
+        <a:scrgbClr r="0" g="0" b="0"/>
+      </a:fillRef>
+      <a:effectRef idx="0">
+        <a:scrgbClr r="0" g="0" b="0"/>
+      </a:effectRef>
+      <a:fontRef idx="minor"/>
+    </dgm:style>
+  </dgm:styleLbl>
+  <dgm:styleLbl name="trBgShp">
+    <dgm:scene3d>
+      <a:camera prst="orthographicFront"/>
+      <a:lightRig rig="threePt" dir="t"/>
+    </dgm:scene3d>
+    <dgm:sp3d/>
+    <dgm:txPr/>
+    <dgm:style>
+      <a:lnRef idx="0">
+        <a:scrgbClr r="0" g="0" b="0"/>
+      </a:lnRef>
+      <a:fillRef idx="1">
+        <a:scrgbClr r="0" g="0" b="0"/>
+      </a:fillRef>
+      <a:effectRef idx="0">
+        <a:scrgbClr r="0" g="0" b="0"/>
+      </a:effectRef>
+      <a:fontRef idx="minor"/>
+    </dgm:style>
+  </dgm:styleLbl>
+  <dgm:styleLbl name="fgShp">
+    <dgm:scene3d>
+      <a:camera prst="orthographicFront"/>
+      <a:lightRig rig="threePt" dir="t"/>
+    </dgm:scene3d>
+    <dgm:sp3d/>
+    <dgm:txPr/>
+    <dgm:style>
+      <a:lnRef idx="2">
+        <a:scrgbClr r="0" g="0" b="0"/>
+      </a:lnRef>
+      <a:fillRef idx="1">
+        <a:scrgbClr r="0" g="0" b="0"/>
+      </a:fillRef>
+      <a:effectRef idx="0">
+        <a:scrgbClr r="0" g="0" b="0"/>
+      </a:effectRef>
+      <a:fontRef idx="minor"/>
+    </dgm:style>
+  </dgm:styleLbl>
+  <dgm:styleLbl name="revTx">
+    <dgm:scene3d>
+      <a:camera prst="orthographicFront"/>
+      <a:lightRig rig="threePt" dir="t"/>
+    </dgm:scene3d>
+    <dgm:sp3d/>
+    <dgm:txPr/>
+    <dgm:style>
+      <a:lnRef idx="0">
+        <a:scrgbClr r="0" g="0" b="0"/>
+      </a:lnRef>
+      <a:fillRef idx="0">
+        <a:scrgbClr r="0" g="0" b="0"/>
+      </a:fillRef>
+      <a:effectRef idx="0">
+        <a:scrgbClr r="0" g="0" b="0"/>
+      </a:effectRef>
+      <a:fontRef idx="minor"/>
+    </dgm:style>
+  </dgm:styleLbl>
+</dgm:styleDef>
+</file>
+
+<file path=ppt/notesMasters/notesMaster1.xml><?xml version="1.0" encoding="utf-8"?>
+<p:notesMaster xmlns:a="http://schemas.openxmlformats.org/drawingml/2006/main" xmlns:r="http://schemas.openxmlformats.org/officeDocument/2006/relationships" xmlns:p="http://schemas.openxmlformats.org/presentationml/2006/main">
+  <p:cSld>
+    <p:bg>
+      <p:bgRef idx="1001">
+        <a:schemeClr val="bg1"/>
+      </p:bgRef>
+    </p:bg>
+    <p:spTree>
+      <p:nvGrpSpPr>
+        <p:cNvPr id="1" name=""/>
+        <p:cNvGrpSpPr/>
+        <p:nvPr/>
+      </p:nvGrpSpPr>
+      <p:grpSpPr>
+        <a:xfrm>
+          <a:off x="0" y="0"/>
+          <a:ext cx="0" cy="0"/>
+          <a:chOff x="0" y="0"/>
+          <a:chExt cx="0" cy="0"/>
+        </a:xfrm>
+      </p:grpSpPr>
+      <p:sp>
+        <p:nvSpPr>
+          <p:cNvPr id="2" name="Marcador de encabezado 1"/>
+          <p:cNvSpPr>
+            <a:spLocks noGrp="1"/>
+          </p:cNvSpPr>
+          <p:nvPr>
+            <p:ph type="hdr" sz="quarter"/>
+          </p:nvPr>
+        </p:nvSpPr>
+        <p:spPr>
+          <a:xfrm>
+            <a:off x="0" y="0"/>
+            <a:ext cx="2971800" cy="458788"/>
+          </a:xfrm>
+          <a:prstGeom prst="rect">
+            <a:avLst/>
+          </a:prstGeom>
+        </p:spPr>
+        <p:txBody>
+          <a:bodyPr vert="horz" lIns="91440" tIns="45720" rIns="91440" bIns="45720" rtlCol="0"/>
+          <a:lstStyle>
+            <a:lvl1pPr algn="l">
+              <a:defRPr sz="1200"/>
+            </a:lvl1pPr>
+          </a:lstStyle>
+          <a:p>
+            <a:endParaRPr lang="en-US"/>
+          </a:p>
+        </p:txBody>
+      </p:sp>
+      <p:sp>
+        <p:nvSpPr>
+          <p:cNvPr id="3" name="Marcador de fecha 2"/>
+          <p:cNvSpPr>
+            <a:spLocks noGrp="1"/>
+          </p:cNvSpPr>
+          <p:nvPr>
+            <p:ph type="dt" idx="1"/>
+          </p:nvPr>
+        </p:nvSpPr>
+        <p:spPr>
+          <a:xfrm>
+            <a:off x="3884613" y="0"/>
+            <a:ext cx="2971800" cy="458788"/>
+          </a:xfrm>
+          <a:prstGeom prst="rect">
+            <a:avLst/>
+          </a:prstGeom>
+        </p:spPr>
+        <p:txBody>
+          <a:bodyPr vert="horz" lIns="91440" tIns="45720" rIns="91440" bIns="45720" rtlCol="0"/>
+          <a:lstStyle>
+            <a:lvl1pPr algn="r">
+              <a:defRPr sz="1200"/>
+            </a:lvl1pPr>
+          </a:lstStyle>
+          <a:p>
+            <a:fld id="{F7023524-13FE-45D2-9FE6-791626FAF4A4}" type="datetimeFigureOut">
+              <a:rPr lang="en-US" smtClean="0"/>
+              <a:t>3/8/2018</a:t>
+            </a:fld>
+            <a:endParaRPr lang="en-US"/>
+          </a:p>
+        </p:txBody>
+      </p:sp>
+      <p:sp>
+        <p:nvSpPr>
+          <p:cNvPr id="4" name="Marcador de imagen de diapositiva 3"/>
+          <p:cNvSpPr>
+            <a:spLocks noGrp="1" noRot="1" noChangeAspect="1"/>
+          </p:cNvSpPr>
+          <p:nvPr>
+            <p:ph type="sldImg" idx="2"/>
+          </p:nvPr>
+        </p:nvSpPr>
+        <p:spPr>
+          <a:xfrm>
+            <a:off x="685800" y="1143000"/>
+            <a:ext cx="5486400" cy="3086100"/>
+          </a:xfrm>
+          <a:prstGeom prst="rect">
+            <a:avLst/>
+          </a:prstGeom>
+          <a:noFill/>
+          <a:ln w="12700">
+            <a:solidFill>
+              <a:prstClr val="black"/>
+            </a:solidFill>
+          </a:ln>
+        </p:spPr>
+        <p:txBody>
+          <a:bodyPr vert="horz" lIns="91440" tIns="45720" rIns="91440" bIns="45720" rtlCol="0" anchor="ctr"/>
+          <a:lstStyle/>
+          <a:p>
+            <a:endParaRPr lang="en-US"/>
+          </a:p>
+        </p:txBody>
+      </p:sp>
+      <p:sp>
+        <p:nvSpPr>
+          <p:cNvPr id="5" name="Marcador de notas 4"/>
+          <p:cNvSpPr>
+            <a:spLocks noGrp="1"/>
+          </p:cNvSpPr>
+          <p:nvPr>
+            <p:ph type="body" sz="quarter" idx="3"/>
+          </p:nvPr>
+        </p:nvSpPr>
+        <p:spPr>
+          <a:xfrm>
+            <a:off x="685800" y="4400550"/>
+            <a:ext cx="5486400" cy="3600450"/>
+          </a:xfrm>
+          <a:prstGeom prst="rect">
+            <a:avLst/>
+          </a:prstGeom>
+        </p:spPr>
+        <p:txBody>
+          <a:bodyPr vert="horz" lIns="91440" tIns="45720" rIns="91440" bIns="45720" rtlCol="0"/>
+          <a:lstStyle/>
+          <a:p>
+            <a:pPr lvl="0"/>
+            <a:r>
+              <a:rPr lang="es-ES"/>
+              <a:t>Editar los estilos de texto del patrón</a:t>
+            </a:r>
+          </a:p>
+          <a:p>
+            <a:pPr lvl="1"/>
+            <a:r>
+              <a:rPr lang="es-ES"/>
+              <a:t>Segundo nivel</a:t>
+            </a:r>
+          </a:p>
+          <a:p>
+            <a:pPr lvl="2"/>
+            <a:r>
+              <a:rPr lang="es-ES"/>
+              <a:t>Tercer nivel</a:t>
+            </a:r>
+          </a:p>
+          <a:p>
+            <a:pPr lvl="3"/>
+            <a:r>
+              <a:rPr lang="es-ES"/>
+              <a:t>Cuarto nivel</a:t>
+            </a:r>
+          </a:p>
+          <a:p>
+            <a:pPr lvl="4"/>
+            <a:r>
+              <a:rPr lang="es-ES"/>
+              <a:t>Quinto nivel</a:t>
+            </a:r>
+            <a:endParaRPr lang="en-US"/>
+          </a:p>
+        </p:txBody>
+      </p:sp>
+      <p:sp>
+        <p:nvSpPr>
+          <p:cNvPr id="6" name="Marcador de pie de página 5"/>
+          <p:cNvSpPr>
+            <a:spLocks noGrp="1"/>
+          </p:cNvSpPr>
+          <p:nvPr>
+            <p:ph type="ftr" sz="quarter" idx="4"/>
+          </p:nvPr>
+        </p:nvSpPr>
+        <p:spPr>
+          <a:xfrm>
+            <a:off x="0" y="8685213"/>
+            <a:ext cx="2971800" cy="458787"/>
+          </a:xfrm>
+          <a:prstGeom prst="rect">
+            <a:avLst/>
+          </a:prstGeom>
+        </p:spPr>
+        <p:txBody>
+          <a:bodyPr vert="horz" lIns="91440" tIns="45720" rIns="91440" bIns="45720" rtlCol="0" anchor="b"/>
+          <a:lstStyle>
+            <a:lvl1pPr algn="l">
+              <a:defRPr sz="1200"/>
+            </a:lvl1pPr>
+          </a:lstStyle>
+          <a:p>
+            <a:endParaRPr lang="en-US"/>
+          </a:p>
+        </p:txBody>
+      </p:sp>
+      <p:sp>
+        <p:nvSpPr>
+          <p:cNvPr id="7" name="Marcador de número de diapositiva 6"/>
+          <p:cNvSpPr>
+            <a:spLocks noGrp="1"/>
+          </p:cNvSpPr>
+          <p:nvPr>
+            <p:ph type="sldNum" sz="quarter" idx="5"/>
+          </p:nvPr>
+        </p:nvSpPr>
+        <p:spPr>
+          <a:xfrm>
+            <a:off x="3884613" y="8685213"/>
+            <a:ext cx="2971800" cy="458787"/>
+          </a:xfrm>
+          <a:prstGeom prst="rect">
+            <a:avLst/>
+          </a:prstGeom>
+        </p:spPr>
+        <p:txBody>
+          <a:bodyPr vert="horz" lIns="91440" tIns="45720" rIns="91440" bIns="45720" rtlCol="0" anchor="b"/>
+          <a:lstStyle>
+            <a:lvl1pPr algn="r">
+              <a:defRPr sz="1200"/>
+            </a:lvl1pPr>
+          </a:lstStyle>
+          <a:p>
+            <a:fld id="{44186181-1300-46BA-A0F7-EB494739A73C}" type="slidenum">
+              <a:rPr lang="en-US" smtClean="0"/>
+              <a:t>‹Nº›</a:t>
+            </a:fld>
+            <a:endParaRPr lang="en-US"/>
+          </a:p>
+        </p:txBody>
+      </p:sp>
+    </p:spTree>
+    <p:extLst>
+      <p:ext uri="{BB962C8B-B14F-4D97-AF65-F5344CB8AC3E}">
+        <p14:creationId xmlns:p14="http://schemas.microsoft.com/office/powerpoint/2010/main" val="3130559123"/>
+      </p:ext>
+    </p:extLst>
+  </p:cSld>
+  <p:clrMap bg1="lt1" tx1="dk1" bg2="lt2" tx2="dk2" accent1="accent1" accent2="accent2" accent3="accent3" accent4="accent4" accent5="accent5" accent6="accent6" hlink="hlink" folHlink="folHlink"/>
+  <p:notesStyle>
+    <a:lvl1pPr marL="0" algn="l" defTabSz="914400" rtl="0" eaLnBrk="1" latinLnBrk="0" hangingPunct="1">
+      <a:defRPr sz="1200" kern="1200">
+        <a:solidFill>
+          <a:schemeClr val="tx1"/>
+        </a:solidFill>
+        <a:latin typeface="+mn-lt"/>
+        <a:ea typeface="+mn-ea"/>
+        <a:cs typeface="+mn-cs"/>
+      </a:defRPr>
+    </a:lvl1pPr>
+    <a:lvl2pPr marL="457200" algn="l" defTabSz="914400" rtl="0" eaLnBrk="1" latinLnBrk="0" hangingPunct="1">
+      <a:defRPr sz="1200" kern="1200">
+        <a:solidFill>
+          <a:schemeClr val="tx1"/>
+        </a:solidFill>
+        <a:latin typeface="+mn-lt"/>
+        <a:ea typeface="+mn-ea"/>
+        <a:cs typeface="+mn-cs"/>
+      </a:defRPr>
+    </a:lvl2pPr>
+    <a:lvl3pPr marL="914400" algn="l" defTabSz="914400" rtl="0" eaLnBrk="1" latinLnBrk="0" hangingPunct="1">
+      <a:defRPr sz="1200" kern="1200">
+        <a:solidFill>
+          <a:schemeClr val="tx1"/>
+        </a:solidFill>
+        <a:latin typeface="+mn-lt"/>
+        <a:ea typeface="+mn-ea"/>
+        <a:cs typeface="+mn-cs"/>
+      </a:defRPr>
+    </a:lvl3pPr>
+    <a:lvl4pPr marL="1371600" algn="l" defTabSz="914400" rtl="0" eaLnBrk="1" latinLnBrk="0" hangingPunct="1">
+      <a:defRPr sz="1200" kern="1200">
+        <a:solidFill>
+          <a:schemeClr val="tx1"/>
+        </a:solidFill>
+        <a:latin typeface="+mn-lt"/>
+        <a:ea typeface="+mn-ea"/>
+        <a:cs typeface="+mn-cs"/>
+      </a:defRPr>
+    </a:lvl4pPr>
+    <a:lvl5pPr marL="1828800" algn="l" defTabSz="914400" rtl="0" eaLnBrk="1" latinLnBrk="0" hangingPunct="1">
+      <a:defRPr sz="1200" kern="1200">
+        <a:solidFill>
+          <a:schemeClr val="tx1"/>
+        </a:solidFill>
+        <a:latin typeface="+mn-lt"/>
+        <a:ea typeface="+mn-ea"/>
+        <a:cs typeface="+mn-cs"/>
+      </a:defRPr>
+    </a:lvl5pPr>
+    <a:lvl6pPr marL="2286000" algn="l" defTabSz="914400" rtl="0" eaLnBrk="1" latinLnBrk="0" hangingPunct="1">
+      <a:defRPr sz="1200" kern="1200">
+        <a:solidFill>
+          <a:schemeClr val="tx1"/>
+        </a:solidFill>
+        <a:latin typeface="+mn-lt"/>
+        <a:ea typeface="+mn-ea"/>
+        <a:cs typeface="+mn-cs"/>
+      </a:defRPr>
+    </a:lvl6pPr>
+    <a:lvl7pPr marL="2743200" algn="l" defTabSz="914400" rtl="0" eaLnBrk="1" latinLnBrk="0" hangingPunct="1">
+      <a:defRPr sz="1200" kern="1200">
+        <a:solidFill>
+          <a:schemeClr val="tx1"/>
+        </a:solidFill>
+        <a:latin typeface="+mn-lt"/>
+        <a:ea typeface="+mn-ea"/>
+        <a:cs typeface="+mn-cs"/>
+      </a:defRPr>
+    </a:lvl7pPr>
+    <a:lvl8pPr marL="3200400" algn="l" defTabSz="914400" rtl="0" eaLnBrk="1" latinLnBrk="0" hangingPunct="1">
+      <a:defRPr sz="1200" kern="1200">
+        <a:solidFill>
+          <a:schemeClr val="tx1"/>
+        </a:solidFill>
+        <a:latin typeface="+mn-lt"/>
+        <a:ea typeface="+mn-ea"/>
+        <a:cs typeface="+mn-cs"/>
+      </a:defRPr>
+    </a:lvl8pPr>
+    <a:lvl9pPr marL="3657600" algn="l" defTabSz="914400" rtl="0" eaLnBrk="1" latinLnBrk="0" hangingPunct="1">
+      <a:defRPr sz="1200" kern="1200">
+        <a:solidFill>
+          <a:schemeClr val="tx1"/>
+        </a:solidFill>
+        <a:latin typeface="+mn-lt"/>
+        <a:ea typeface="+mn-ea"/>
+        <a:cs typeface="+mn-cs"/>
+      </a:defRPr>
+    </a:lvl9pPr>
+  </p:notesStyle>
+</p:notesMaster>
 </file>
 
 <file path=ppt/slideLayouts/slideLayout1.xml><?xml version="1.0" encoding="utf-8"?>
@@ -459,7 +3437,7 @@
                 <a:tabLst/>
                 <a:defRPr/>
               </a:pPr>
-              <a:t>‹#›</a:t>
+              <a:t>‹Nº›</a:t>
             </a:fld>
             <a:endParaRPr kumimoji="0" lang="es-ES" sz="1200" b="0" i="0" u="none" strike="noStrike" kern="1200" cap="none" spc="0" normalizeH="0" baseline="0" noProof="0" dirty="0">
               <a:ln>
@@ -1209,7 +4187,7 @@
                 <a:tabLst/>
                 <a:defRPr/>
               </a:pPr>
-              <a:t>‹#›</a:t>
+              <a:t>‹Nº›</a:t>
             </a:fld>
             <a:endParaRPr kumimoji="0" lang="es-ES" sz="1200" b="0" i="0" u="none" strike="noStrike" kern="1200" cap="none" spc="0" normalizeH="0" baseline="0" noProof="0" dirty="0">
               <a:ln>
@@ -1732,7 +4710,7 @@
                 <a:tabLst/>
                 <a:defRPr/>
               </a:pPr>
-              <a:t>‹#›</a:t>
+              <a:t>‹Nº›</a:t>
             </a:fld>
             <a:endParaRPr kumimoji="0" lang="es-ES" sz="1200" b="0" i="0" u="none" strike="noStrike" kern="1200" cap="none" spc="0" normalizeH="0" baseline="0" noProof="0" dirty="0">
               <a:ln>
@@ -2189,7 +5167,7 @@
                 <a:tabLst/>
                 <a:defRPr/>
               </a:pPr>
-              <a:t>‹#›</a:t>
+              <a:t>‹Nº›</a:t>
             </a:fld>
             <a:endParaRPr kumimoji="0" lang="es-ES" sz="1200" b="0" i="0" u="none" strike="noStrike" kern="1200" cap="none" spc="0" normalizeH="0" baseline="0" noProof="0" dirty="0">
               <a:ln>
@@ -2706,7 +5684,7 @@
                 <a:tabLst/>
                 <a:defRPr/>
               </a:pPr>
-              <a:t>‹#›</a:t>
+              <a:t>‹Nº›</a:t>
             </a:fld>
             <a:endParaRPr kumimoji="0" lang="es-ES" sz="1200" b="0" i="0" u="none" strike="noStrike" kern="1200" cap="none" spc="0" normalizeH="0" baseline="0" noProof="0" dirty="0">
               <a:ln>
@@ -3159,7 +6137,7 @@
                 <a:tabLst/>
                 <a:defRPr/>
               </a:pPr>
-              <a:t>‹#›</a:t>
+              <a:t>‹Nº›</a:t>
             </a:fld>
             <a:endParaRPr kumimoji="0" lang="es-ES" sz="1200" b="0" i="0" u="none" strike="noStrike" kern="1200" cap="none" spc="0" normalizeH="0" baseline="0" noProof="0" dirty="0">
               <a:ln>
@@ -3753,7 +6731,7 @@
                 <a:tabLst/>
                 <a:defRPr/>
               </a:pPr>
-              <a:t>‹#›</a:t>
+              <a:t>‹Nº›</a:t>
             </a:fld>
             <a:endParaRPr kumimoji="0" lang="es-ES" sz="1200" b="0" i="0" u="none" strike="noStrike" kern="1200" cap="none" spc="0" normalizeH="0" baseline="0" noProof="0" dirty="0">
               <a:ln>
@@ -4291,7 +7269,7 @@
                 <a:tabLst/>
                 <a:defRPr/>
               </a:pPr>
-              <a:t>‹#›</a:t>
+              <a:t>‹Nº›</a:t>
             </a:fld>
             <a:endParaRPr kumimoji="0" lang="es-ES" sz="1200" b="0" i="0" u="none" strike="noStrike" kern="1200" cap="none" spc="0" normalizeH="0" baseline="0" noProof="0">
               <a:ln>
@@ -6796,7 +9774,7 @@
                 <a:tabLst/>
                 <a:defRPr/>
               </a:pPr>
-              <a:t>‹#›</a:t>
+              <a:t>‹Nº›</a:t>
             </a:fld>
             <a:endParaRPr kumimoji="0" lang="es-ES" sz="1200" b="0" i="0" u="none" strike="noStrike" kern="1200" cap="none" spc="0" normalizeH="0" baseline="0" noProof="0" dirty="0">
               <a:ln>
@@ -7097,7 +10075,7 @@
                 <a:tabLst/>
                 <a:defRPr/>
               </a:pPr>
-              <a:t>‹#›</a:t>
+              <a:t>‹Nº›</a:t>
             </a:fld>
             <a:endParaRPr kumimoji="0" lang="es-ES" sz="1200" b="0" i="0" u="none" strike="noStrike" kern="1200" cap="none" spc="0" normalizeH="0" baseline="0" noProof="0" dirty="0">
               <a:ln>
@@ -7486,7 +10464,7 @@
                 <a:tabLst/>
                 <a:defRPr/>
               </a:pPr>
-              <a:t>‹#›</a:t>
+              <a:t>‹Nº›</a:t>
             </a:fld>
             <a:endParaRPr kumimoji="0" lang="es-ES" sz="1200" b="0" i="0" u="none" strike="noStrike" kern="1200" cap="none" spc="0" normalizeH="0" baseline="0" noProof="0" dirty="0">
               <a:ln>
@@ -7970,7 +10948,7 @@
                 <a:tabLst/>
                 <a:defRPr/>
               </a:pPr>
-              <a:t>‹#›</a:t>
+              <a:t>‹Nº›</a:t>
             </a:fld>
             <a:endParaRPr kumimoji="0" lang="es-ES" sz="1200" b="0" i="0" u="none" strike="noStrike" kern="1200" cap="none" spc="0" normalizeH="0" baseline="0" noProof="0" dirty="0">
               <a:ln>
@@ -8411,7 +11389,7 @@
                 <a:tabLst/>
                 <a:defRPr/>
               </a:pPr>
-              <a:t>‹#›</a:t>
+              <a:t>‹Nº›</a:t>
             </a:fld>
             <a:endParaRPr kumimoji="0" lang="es-ES" sz="1200" b="0" i="0" u="none" strike="noStrike" kern="1200" cap="none" spc="0" normalizeH="0" baseline="0" noProof="0" dirty="0">
               <a:ln>
@@ -9410,7 +12388,7 @@
                 <a:tabLst/>
                 <a:defRPr/>
               </a:pPr>
-              <a:t>‹#›</a:t>
+              <a:t>‹Nº›</a:t>
             </a:fld>
             <a:endParaRPr kumimoji="0" lang="es-ES" sz="1200" b="0" i="0" u="none" strike="noStrike" kern="1200" cap="none" spc="0" normalizeH="0" baseline="0" noProof="0" dirty="0">
               <a:ln>
@@ -9903,7 +12881,7 @@
                 <a:tabLst/>
                 <a:defRPr/>
               </a:pPr>
-              <a:t>‹#›</a:t>
+              <a:t>‹Nº›</a:t>
             </a:fld>
             <a:endParaRPr kumimoji="0" lang="es-ES" sz="1200" b="0" i="0" u="none" strike="noStrike" kern="1200" cap="none" spc="0" normalizeH="0" baseline="0" noProof="0" dirty="0">
               <a:ln>
@@ -10374,7 +13352,7 @@
                 <a:tabLst/>
                 <a:defRPr/>
               </a:pPr>
-              <a:t>‹#›</a:t>
+              <a:t>‹Nº›</a:t>
             </a:fld>
             <a:endParaRPr kumimoji="0" lang="es-ES" sz="1200" b="0" i="0" u="none" strike="noStrike" kern="1200" cap="none" spc="0" normalizeH="0" baseline="0" noProof="0" dirty="0">
               <a:ln>
@@ -10729,7 +13707,7 @@
                 <a:tabLst/>
                 <a:defRPr/>
               </a:pPr>
-              <a:t>‹#›</a:t>
+              <a:t>‹Nº›</a:t>
             </a:fld>
             <a:endParaRPr kumimoji="0" lang="es-ES" sz="1200" b="0" i="0" u="none" strike="noStrike" kern="1200" cap="none" spc="0" normalizeH="0" baseline="0" noProof="0" dirty="0">
               <a:ln>
@@ -11332,7 +14310,7 @@
               <a:buSzPct val="110000"/>
             </a:pPr>
             <a:r>
-              <a:rPr lang="fr-FR" sz="2000" b="1" dirty="0"/>
+              <a:rPr lang="fr-FR" sz="3200" b="1" dirty="0"/>
               <a:t>Export services via port binding</a:t>
             </a:r>
           </a:p>
@@ -11379,48 +14357,6 @@
             <a:r>
               <a:rPr lang="en-US" dirty="0"/>
               <a:t> Core apps)</a:t>
-            </a:r>
-          </a:p>
-          <a:p>
-            <a:pPr marL="285750" indent="-285750">
-              <a:buClr>
-                <a:srgbClr val="00D0FF"/>
-              </a:buClr>
-              <a:buSzPct val="110000"/>
-              <a:buFont typeface="Arial" panose="020B0604020202020204" pitchFamily="34" charset="0"/>
-              <a:buChar char="•"/>
-            </a:pPr>
-            <a:r>
-              <a:rPr lang="en-US" dirty="0"/>
-              <a:t>Local development environment, the developer visits a service URL like http://localhost:5000/ </a:t>
-            </a:r>
-          </a:p>
-          <a:p>
-            <a:pPr marL="285750" indent="-285750">
-              <a:buClr>
-                <a:srgbClr val="00D0FF"/>
-              </a:buClr>
-              <a:buSzPct val="110000"/>
-              <a:buFont typeface="Arial" panose="020B0604020202020204" pitchFamily="34" charset="0"/>
-              <a:buChar char="•"/>
-            </a:pPr>
-            <a:r>
-              <a:rPr lang="en-US" dirty="0"/>
-              <a:t>In deployment, a routing layer handles routing requests from a public-facing hostname to the port-bound web processes.</a:t>
-            </a:r>
-          </a:p>
-          <a:p>
-            <a:pPr marL="285750" indent="-285750">
-              <a:buClr>
-                <a:srgbClr val="00D0FF"/>
-              </a:buClr>
-              <a:buSzPct val="110000"/>
-              <a:buFont typeface="Arial" panose="020B0604020202020204" pitchFamily="34" charset="0"/>
-              <a:buChar char="•"/>
-            </a:pPr>
-            <a:r>
-              <a:rPr lang="en-US" dirty="0"/>
-              <a:t>One app can become the backing service for another app, by providing the URL as a resource handle in the config for the consuming app.</a:t>
             </a:r>
           </a:p>
         </p:txBody>
@@ -11686,7 +14622,7 @@
               <a:buSzPct val="110000"/>
             </a:pPr>
             <a:r>
-              <a:rPr lang="en-US" sz="2000" b="1" dirty="0"/>
+              <a:rPr lang="en-US" sz="3200" b="1" dirty="0"/>
               <a:t>Scale out via the process model</a:t>
             </a:r>
           </a:p>
@@ -11710,7 +14646,7 @@
             </a:pPr>
             <a:r>
               <a:rPr lang="en-US" dirty="0"/>
-              <a:t>Do not scale vertically, but horizontally. More instances instead of more CPU or memory. </a:t>
+              <a:t>Do not scale vertically, but horizontally. </a:t>
             </a:r>
           </a:p>
           <a:p>
@@ -11724,7 +14660,7 @@
             </a:pPr>
             <a:r>
               <a:rPr lang="en-US" dirty="0"/>
-              <a:t>Each workload assigned to the correct type process: </a:t>
+              <a:t>Classify processes: </a:t>
             </a:r>
           </a:p>
           <a:p>
@@ -12129,6 +15065,34 @@
           <a:chExt cx="0" cy="0"/>
         </a:xfrm>
       </p:grpSpPr>
+      <p:graphicFrame>
+        <p:nvGraphicFramePr>
+          <p:cNvPr id="6" name="Diagrama 5">
+            <a:extLst>
+              <a:ext uri="{FF2B5EF4-FFF2-40B4-BE49-F238E27FC236}">
+                <a16:creationId xmlns:a16="http://schemas.microsoft.com/office/drawing/2014/main" id="{7208AE56-87B4-4F48-8A0E-D42F60DEEB5A}"/>
+              </a:ext>
+            </a:extLst>
+          </p:cNvPr>
+          <p:cNvGraphicFramePr/>
+          <p:nvPr>
+            <p:extLst>
+              <p:ext uri="{D42A27DB-BD31-4B8C-83A1-F6EECF244321}">
+                <p14:modId xmlns:p14="http://schemas.microsoft.com/office/powerpoint/2010/main" val="1138777632"/>
+              </p:ext>
+            </p:extLst>
+          </p:nvPr>
+        </p:nvGraphicFramePr>
+        <p:xfrm>
+          <a:off x="2013338" y="3019226"/>
+          <a:ext cx="7466563" cy="4574683"/>
+        </p:xfrm>
+        <a:graphic>
+          <a:graphicData uri="http://schemas.openxmlformats.org/drawingml/2006/diagram">
+            <dgm:relIds xmlns:dgm="http://schemas.openxmlformats.org/drawingml/2006/diagram" xmlns:r="http://schemas.openxmlformats.org/officeDocument/2006/relationships" r:dm="rId2" r:lo="rId3" r:qs="rId4" r:cs="rId5"/>
+          </a:graphicData>
+        </a:graphic>
+      </p:graphicFrame>
       <p:sp>
         <p:nvSpPr>
           <p:cNvPr id="2" name="Marcador de contenido 1">
@@ -12159,7 +15123,7 @@
               <a:buSzPct val="110000"/>
             </a:pPr>
             <a:r>
-              <a:rPr lang="en-US" sz="2000" b="1" dirty="0"/>
+              <a:rPr lang="en-US" sz="3200" b="1" dirty="0"/>
               <a:t>Maximize robustness with fast startup and graceful shutdown</a:t>
             </a:r>
           </a:p>
@@ -12185,7 +15149,7 @@
             </a:pPr>
             <a:r>
               <a:rPr lang="en-US" dirty="0"/>
-              <a:t>Processes should facilitate fast scaling, rapid deployment and robustness. </a:t>
+              <a:t>Facilitate fast scaling, rapid deployment and robustness. </a:t>
             </a:r>
           </a:p>
           <a:p>
@@ -12199,7 +15163,58 @@
             </a:pPr>
             <a:r>
               <a:rPr lang="en-US" dirty="0"/>
-              <a:t>Can be started and stopped at a moment’s notice.</a:t>
+              <a:t>Minimize startup time (few seconds). </a:t>
+            </a:r>
+          </a:p>
+          <a:p>
+            <a:pPr marL="1276325" lvl="1" indent="-285750">
+              <a:buClr>
+                <a:srgbClr val="00D0FF"/>
+              </a:buClr>
+              <a:buSzPct val="110000"/>
+              <a:buFont typeface="Arial" panose="020B0604020202020204" pitchFamily="34" charset="0"/>
+              <a:buChar char="•"/>
+            </a:pPr>
+            <a:r>
+              <a:rPr lang="en-US" sz="1600" dirty="0">
+                <a:solidFill>
+                  <a:schemeClr val="tx1"/>
+                </a:solidFill>
+                <a:latin typeface="+mj-lt"/>
+              </a:rPr>
+              <a:t>Agility</a:t>
+            </a:r>
+            <a:r>
+              <a:rPr lang="en-US" dirty="0"/>
+              <a:t> </a:t>
+            </a:r>
+            <a:r>
+              <a:rPr lang="en-US" sz="1600" dirty="0">
+                <a:solidFill>
+                  <a:schemeClr val="tx1"/>
+                </a:solidFill>
+                <a:latin typeface="+mj-lt"/>
+              </a:rPr>
+              <a:t>for the release process and scaling up </a:t>
+            </a:r>
+          </a:p>
+          <a:p>
+            <a:pPr marL="1276325" lvl="1" indent="-285750">
+              <a:buClr>
+                <a:srgbClr val="00D0FF"/>
+              </a:buClr>
+              <a:buSzPct val="110000"/>
+              <a:buFont typeface="Arial" panose="020B0604020202020204" pitchFamily="34" charset="0"/>
+              <a:buChar char="•"/>
+            </a:pPr>
+            <a:r>
+              <a:rPr lang="en-US" sz="1600" dirty="0">
+                <a:solidFill>
+                  <a:schemeClr val="tx1"/>
+                </a:solidFill>
+                <a:latin typeface="+mj-lt"/>
+              </a:rPr>
+              <a:t>Robustness, process manager can more easily move processes to new physical machines.</a:t>
             </a:r>
           </a:p>
           <a:p>
@@ -12212,216 +15227,73 @@
               <a:buChar char="•"/>
             </a:pPr>
             <a:r>
-              <a:rPr lang="en-US" dirty="0"/>
-              <a:t>Processes should strive to minimize startup time (few seconds). </a:t>
-            </a:r>
-          </a:p>
-          <a:p>
-            <a:pPr marL="1276325" lvl="1" indent="-285750">
-              <a:buClr>
-                <a:srgbClr val="00D0FF"/>
-              </a:buClr>
-              <a:buSzPct val="110000"/>
-              <a:buFont typeface="Arial" panose="020B0604020202020204" pitchFamily="34" charset="0"/>
-              <a:buChar char="•"/>
-            </a:pPr>
-            <a:r>
-              <a:rPr lang="en-US" sz="1600" dirty="0">
-                <a:solidFill>
-                  <a:schemeClr val="tx1"/>
-                </a:solidFill>
-                <a:latin typeface="+mj-lt"/>
-              </a:rPr>
-              <a:t>Agility</a:t>
+              <a:rPr lang="es-ES" dirty="0" err="1"/>
+              <a:t>Processes</a:t>
+            </a:r>
+            <a:r>
+              <a:rPr lang="es-ES" dirty="0"/>
+              <a:t> </a:t>
+            </a:r>
+            <a:r>
+              <a:rPr lang="es-ES" dirty="0" err="1"/>
+              <a:t>shut</a:t>
+            </a:r>
+            <a:r>
+              <a:rPr lang="es-ES" dirty="0"/>
+              <a:t> </a:t>
+            </a:r>
+            <a:r>
+              <a:rPr lang="es-ES" dirty="0" err="1"/>
+              <a:t>down</a:t>
+            </a:r>
+            <a:r>
+              <a:rPr lang="es-ES" dirty="0"/>
+              <a:t> </a:t>
+            </a:r>
+            <a:r>
+              <a:rPr lang="es-ES" dirty="0" err="1"/>
+              <a:t>gracefully</a:t>
+            </a:r>
+            <a:r>
+              <a:rPr lang="es-ES" dirty="0"/>
+              <a:t>, BUT </a:t>
+            </a:r>
+            <a:r>
+              <a:rPr lang="es-ES" dirty="0" err="1"/>
+              <a:t>desing</a:t>
+            </a:r>
+            <a:r>
+              <a:rPr lang="es-ES" dirty="0"/>
+              <a:t> </a:t>
+            </a:r>
+            <a:r>
+              <a:rPr lang="es-ES" dirty="0" err="1"/>
+              <a:t>for</a:t>
+            </a:r>
+            <a:r>
+              <a:rPr lang="es-ES" dirty="0"/>
+              <a:t> non-</a:t>
+            </a:r>
+            <a:r>
+              <a:rPr lang="es-ES" dirty="0" err="1"/>
+              <a:t>graceful</a:t>
+            </a:r>
+            <a:r>
+              <a:rPr lang="es-ES" dirty="0"/>
+              <a:t> </a:t>
+            </a:r>
+            <a:r>
+              <a:rPr lang="es-ES" dirty="0" err="1"/>
+              <a:t>terminations</a:t>
+            </a:r>
+            <a:r>
+              <a:rPr lang="es-ES" dirty="0"/>
+              <a:t>:</a:t>
             </a:r>
             <a:r>
               <a:rPr lang="en-US" dirty="0"/>
               <a:t> </a:t>
             </a:r>
-            <a:r>
-              <a:rPr lang="en-US" sz="1600" dirty="0">
-                <a:solidFill>
-                  <a:schemeClr val="tx1"/>
-                </a:solidFill>
-                <a:latin typeface="+mj-lt"/>
-              </a:rPr>
-              <a:t>for the release process and scaling up </a:t>
-            </a:r>
-          </a:p>
-          <a:p>
-            <a:pPr marL="1276325" lvl="1" indent="-285750">
-              <a:buClr>
-                <a:srgbClr val="00D0FF"/>
-              </a:buClr>
-              <a:buSzPct val="110000"/>
-              <a:buFont typeface="Arial" panose="020B0604020202020204" pitchFamily="34" charset="0"/>
-              <a:buChar char="•"/>
-            </a:pPr>
-            <a:r>
-              <a:rPr lang="en-US" sz="1600" dirty="0">
-                <a:solidFill>
-                  <a:schemeClr val="tx1"/>
-                </a:solidFill>
-                <a:latin typeface="+mj-lt"/>
-              </a:rPr>
-              <a:t>Robustness, process manager can more easily move processes to new physical machines.</a:t>
-            </a:r>
-          </a:p>
-          <a:p>
-            <a:pPr marL="285750" lvl="0" indent="-285750">
-              <a:buClr>
-                <a:srgbClr val="00D0FF"/>
-              </a:buClr>
-              <a:buSzPct val="110000"/>
-              <a:buFont typeface="Arial" panose="020B0604020202020204" pitchFamily="34" charset="0"/>
-              <a:buChar char="•"/>
-            </a:pPr>
-            <a:r>
-              <a:rPr lang="es-ES" dirty="0" err="1"/>
-              <a:t>Processes</a:t>
-            </a:r>
-            <a:r>
-              <a:rPr lang="es-ES" dirty="0"/>
-              <a:t> </a:t>
-            </a:r>
-            <a:r>
-              <a:rPr lang="es-ES" dirty="0" err="1"/>
-              <a:t>shut</a:t>
-            </a:r>
-            <a:r>
-              <a:rPr lang="es-ES" dirty="0"/>
-              <a:t> </a:t>
-            </a:r>
-            <a:r>
-              <a:rPr lang="es-ES" dirty="0" err="1"/>
-              <a:t>down</a:t>
-            </a:r>
-            <a:r>
-              <a:rPr lang="es-ES" dirty="0"/>
-              <a:t> </a:t>
-            </a:r>
-            <a:r>
-              <a:rPr lang="es-ES" dirty="0" err="1"/>
-              <a:t>gracefully</a:t>
-            </a:r>
-            <a:r>
-              <a:rPr lang="es-ES" dirty="0"/>
-              <a:t>:</a:t>
-            </a:r>
-            <a:r>
-              <a:rPr lang="en-US" dirty="0"/>
-              <a:t> </a:t>
-            </a:r>
-          </a:p>
-          <a:p>
-            <a:pPr marL="1276325" lvl="1" indent="-285750">
-              <a:buClr>
-                <a:srgbClr val="00D0FF"/>
-              </a:buClr>
-              <a:buSzPct val="110000"/>
-              <a:buFont typeface="Arial" panose="020B0604020202020204" pitchFamily="34" charset="0"/>
-              <a:buChar char="•"/>
-            </a:pPr>
-            <a:r>
-              <a:rPr lang="en-US" sz="1600" dirty="0">
-                <a:solidFill>
-                  <a:schemeClr val="tx1"/>
-                </a:solidFill>
-                <a:latin typeface="+mj-lt"/>
-              </a:rPr>
-              <a:t>It refuses new requests </a:t>
-            </a:r>
-          </a:p>
-          <a:p>
-            <a:pPr marL="1276325" lvl="1" indent="-285750">
-              <a:buClr>
-                <a:srgbClr val="00D0FF"/>
-              </a:buClr>
-              <a:buSzPct val="110000"/>
-              <a:buFont typeface="Arial" panose="020B0604020202020204" pitchFamily="34" charset="0"/>
-              <a:buChar char="•"/>
-            </a:pPr>
-            <a:r>
-              <a:rPr lang="en-US" sz="1600" dirty="0">
-                <a:solidFill>
-                  <a:schemeClr val="tx1"/>
-                </a:solidFill>
-                <a:latin typeface="+mj-lt"/>
-              </a:rPr>
-              <a:t>Short requests (HTTP) </a:t>
-            </a:r>
-            <a:r>
-              <a:rPr lang="en-US" sz="1600" dirty="0">
-                <a:solidFill>
-                  <a:schemeClr val="tx1"/>
-                </a:solidFill>
-                <a:latin typeface="+mj-lt"/>
-                <a:sym typeface="Wingdings" panose="05000000000000000000" pitchFamily="2" charset="2"/>
-              </a:rPr>
-              <a:t> c</a:t>
-            </a:r>
-            <a:r>
-              <a:rPr lang="en-US" sz="1600" dirty="0">
-                <a:solidFill>
-                  <a:schemeClr val="tx1"/>
-                </a:solidFill>
-                <a:latin typeface="+mj-lt"/>
-              </a:rPr>
-              <a:t>urrent requests are allowed to finish before exiting. </a:t>
-            </a:r>
-          </a:p>
-          <a:p>
-            <a:pPr marL="1276325" lvl="1" indent="-285750">
-              <a:buClr>
-                <a:srgbClr val="00D0FF"/>
-              </a:buClr>
-              <a:buSzPct val="110000"/>
-              <a:buFont typeface="Arial" panose="020B0604020202020204" pitchFamily="34" charset="0"/>
-              <a:buChar char="•"/>
-            </a:pPr>
-            <a:r>
-              <a:rPr lang="en-US" sz="1600" dirty="0">
-                <a:solidFill>
-                  <a:schemeClr val="tx1"/>
-                </a:solidFill>
-                <a:latin typeface="+mj-lt"/>
-              </a:rPr>
-              <a:t>Long requests (worker process) </a:t>
-            </a:r>
-            <a:r>
-              <a:rPr lang="en-US" sz="1600" dirty="0">
-                <a:solidFill>
-                  <a:schemeClr val="tx1"/>
-                </a:solidFill>
-                <a:latin typeface="+mj-lt"/>
-                <a:sym typeface="Wingdings" panose="05000000000000000000" pitchFamily="2" charset="2"/>
-              </a:rPr>
-              <a:t> </a:t>
-            </a:r>
-            <a:r>
-              <a:rPr lang="en-US" sz="1600" dirty="0">
-                <a:solidFill>
-                  <a:schemeClr val="tx1"/>
-                </a:solidFill>
-                <a:latin typeface="+mj-lt"/>
-              </a:rPr>
-              <a:t>returns the current job to the work queue</a:t>
-            </a:r>
-          </a:p>
-          <a:p>
-            <a:pPr marL="285750" lvl="0" indent="-285750">
-              <a:buClr>
-                <a:srgbClr val="00D0FF"/>
-              </a:buClr>
-              <a:buSzPct val="110000"/>
-              <a:buFont typeface="Arial" panose="020B0604020202020204" pitchFamily="34" charset="0"/>
-              <a:buChar char="•"/>
-            </a:pPr>
-            <a:r>
-              <a:rPr lang="en-US" dirty="0"/>
-              <a:t>Processes should also be architected to handle unexpected, non-graceful terminations</a:t>
-            </a:r>
-            <a:endParaRPr lang="es-ES" dirty="0"/>
           </a:p>
         </p:txBody>
       </p:sp>
@@ -12679,7 +15551,7 @@
               <a:buSzPct val="110000"/>
             </a:pPr>
             <a:r>
-              <a:rPr lang="en-US" sz="2000" b="1" dirty="0"/>
+              <a:rPr lang="en-US" sz="3200" b="1" dirty="0"/>
               <a:t>Keep development, staging, and production as similar as possible</a:t>
             </a:r>
           </a:p>
@@ -12703,11 +15575,11 @@
             </a:pPr>
             <a:r>
               <a:rPr lang="en-US" dirty="0"/>
-              <a:t>Design for continuous deployment by keeping the gap between development and production small</a:t>
-            </a:r>
-          </a:p>
-          <a:p>
-            <a:pPr marL="285750" indent="-285750">
+              <a:t>Gap between development and production small</a:t>
+            </a:r>
+          </a:p>
+          <a:p>
+            <a:pPr marL="1276325" lvl="1" indent="-285750">
               <a:buClr>
                 <a:srgbClr val="00D0FF"/>
               </a:buClr>
@@ -12716,12 +15588,17 @@
               <a:buChar char="•"/>
             </a:pPr>
             <a:r>
-              <a:rPr lang="en-US" dirty="0"/>
-              <a:t>A developer may write code and have it deployed hours or even just minutes later.</a:t>
-            </a:r>
-          </a:p>
-          <a:p>
-            <a:pPr marL="285750" indent="-285750">
+              <a:rPr lang="en-US" sz="1600" dirty="0">
+                <a:solidFill>
+                  <a:schemeClr val="tx1"/>
+                </a:solidFill>
+                <a:latin typeface="+mj-lt"/>
+              </a:rPr>
+              <a:t>Personnel gap: developers who are closely involved in deploying it and watching its behavior in production.</a:t>
+            </a:r>
+          </a:p>
+          <a:p>
+            <a:pPr marL="1276325" lvl="1" indent="-285750">
               <a:buClr>
                 <a:srgbClr val="00D0FF"/>
               </a:buClr>
@@ -12730,12 +15607,23 @@
               <a:buChar char="•"/>
             </a:pPr>
             <a:r>
-              <a:rPr lang="en-US" dirty="0"/>
-              <a:t>Personnel gap small: developers who wrote code are closely involved in deploying it and watching its behavior in production.</a:t>
-            </a:r>
-          </a:p>
-          <a:p>
-            <a:pPr marL="285750" indent="-285750">
+              <a:rPr lang="en-US" sz="1600" dirty="0">
+                <a:solidFill>
+                  <a:schemeClr val="tx1"/>
+                </a:solidFill>
+                <a:latin typeface="+mj-lt"/>
+              </a:rPr>
+              <a:t>Tools gap: keep development and production as similar as possible.</a:t>
+            </a:r>
+            <a:endParaRPr lang="es-ES" sz="1600" dirty="0">
+              <a:solidFill>
+                <a:schemeClr val="tx1"/>
+              </a:solidFill>
+              <a:latin typeface="+mj-lt"/>
+            </a:endParaRPr>
+          </a:p>
+          <a:p>
+            <a:pPr marL="1276325" lvl="1" indent="-285750">
               <a:buClr>
                 <a:srgbClr val="00D0FF"/>
               </a:buClr>
@@ -12744,23 +15632,13 @@
               <a:buChar char="•"/>
             </a:pPr>
             <a:r>
-              <a:rPr lang="en-US" dirty="0"/>
-              <a:t>Tools gap small: keep development and production as similar as possible.</a:t>
-            </a:r>
-            <a:endParaRPr lang="es-ES" dirty="0"/>
-          </a:p>
-          <a:p>
-            <a:pPr marL="285750" indent="-285750">
-              <a:buClr>
-                <a:srgbClr val="00D0FF"/>
-              </a:buClr>
-              <a:buSzPct val="110000"/>
-              <a:buFont typeface="Arial" panose="020B0604020202020204" pitchFamily="34" charset="0"/>
-              <a:buChar char="•"/>
-            </a:pPr>
-            <a:r>
-              <a:rPr lang="en-US" dirty="0"/>
-              <a:t>Environment gap small: resists the urge to use different backing services between development and production, even when adapters theoretically abstract away any differences in backing services.</a:t>
+              <a:rPr lang="en-US" sz="1600" dirty="0">
+                <a:solidFill>
+                  <a:schemeClr val="tx1"/>
+                </a:solidFill>
+                <a:latin typeface="+mj-lt"/>
+              </a:rPr>
+              <a:t>Environment gap: resists the urge to use different backing services between development and production, even when adapters theoretically abstract away any differences in backing services.</a:t>
             </a:r>
           </a:p>
         </p:txBody>
@@ -13027,7 +15905,7 @@
               <a:buSzPct val="110000"/>
             </a:pPr>
             <a:r>
-              <a:rPr lang="en-US" sz="2000" b="1" dirty="0"/>
+              <a:rPr lang="en-US" sz="3200" b="1" dirty="0"/>
               <a:t>Treat logs as event streams</a:t>
             </a:r>
           </a:p>
@@ -13051,7 +15929,7 @@
             </a:pPr>
             <a:r>
               <a:rPr lang="en-US" dirty="0"/>
-              <a:t>Logs are the stream of aggregated, time-ordered events collected from the output streams of all running processes and backing services.</a:t>
+              <a:t>App never concerns itself with routing or storage of logs. </a:t>
             </a:r>
           </a:p>
           <a:p>
@@ -13065,7 +15943,7 @@
             </a:pPr>
             <a:r>
               <a:rPr lang="en-US" dirty="0"/>
-              <a:t>App never concerns itself with routing or storage of its output stream. Each running process writes its event stream, unbuffered, to </a:t>
+              <a:t>Each running process writes its event stream to </a:t>
             </a:r>
             <a:r>
               <a:rPr lang="en-US" dirty="0" err="1"/>
@@ -13073,11 +15951,11 @@
             </a:r>
             <a:r>
               <a:rPr lang="en-US" dirty="0"/>
-              <a:t>.</a:t>
-            </a:r>
-          </a:p>
-          <a:p>
-            <a:pPr marL="285750" indent="-285750">
+              <a:t>:</a:t>
+            </a:r>
+          </a:p>
+          <a:p>
+            <a:pPr marL="1276325" lvl="1" indent="-285750">
               <a:buClr>
                 <a:srgbClr val="00D0FF"/>
               </a:buClr>
@@ -13086,12 +15964,17 @@
               <a:buChar char="•"/>
             </a:pPr>
             <a:r>
-              <a:rPr lang="en-US" dirty="0"/>
-              <a:t>During local development, the developer will view this stream in the foreground of their terminal. In staging or production, all the streams are aggregated and routed to a common destination (ex: Azure Application Insights)</a:t>
-            </a:r>
-          </a:p>
-          <a:p>
-            <a:pPr marL="285750" indent="-285750">
+              <a:rPr lang="en-US" sz="1600" dirty="0">
+                <a:solidFill>
+                  <a:schemeClr val="tx1"/>
+                </a:solidFill>
+                <a:latin typeface="+mj-lt"/>
+              </a:rPr>
+              <a:t>Unbuffered</a:t>
+            </a:r>
+          </a:p>
+          <a:p>
+            <a:pPr marL="1276325" lvl="1" indent="-285750">
               <a:buClr>
                 <a:srgbClr val="00D0FF"/>
               </a:buClr>
@@ -13100,8 +15983,32 @@
               <a:buChar char="•"/>
             </a:pPr>
             <a:r>
-              <a:rPr lang="en-US" dirty="0"/>
-              <a:t>Exception in MSA: all the microservices have a unified criteria. These archival destinations are completely managed by the execution environment, not configurable. </a:t>
+              <a:rPr lang="en-US" sz="1600" dirty="0">
+                <a:solidFill>
+                  <a:schemeClr val="tx1"/>
+                </a:solidFill>
+                <a:latin typeface="+mj-lt"/>
+              </a:rPr>
+              <a:t>On local the developer sees log in the terminal. </a:t>
+            </a:r>
+          </a:p>
+          <a:p>
+            <a:pPr marL="1276325" lvl="1" indent="-285750">
+              <a:buClr>
+                <a:srgbClr val="00D0FF"/>
+              </a:buClr>
+              <a:buSzPct val="110000"/>
+              <a:buFont typeface="Arial" panose="020B0604020202020204" pitchFamily="34" charset="0"/>
+              <a:buChar char="•"/>
+            </a:pPr>
+            <a:r>
+              <a:rPr lang="en-US" sz="1600" dirty="0">
+                <a:solidFill>
+                  <a:schemeClr val="tx1"/>
+                </a:solidFill>
+                <a:latin typeface="+mj-lt"/>
+              </a:rPr>
+              <a:t>In staging or production the streams are aggregated and routed to a common destination (ex: Azure Application Insights)</a:t>
             </a:r>
           </a:p>
         </p:txBody>
@@ -13355,7 +16262,7 @@
               <a:buSzPct val="110000"/>
             </a:pPr>
             <a:r>
-              <a:rPr lang="en-US" sz="2000" b="1" dirty="0"/>
+              <a:rPr lang="en-US" sz="3200" b="1" dirty="0"/>
               <a:t>Run admin/management tasks as one-off processes</a:t>
             </a:r>
           </a:p>
@@ -14325,7 +17232,7 @@
               <a:buSzPct val="110000"/>
             </a:pPr>
             <a:r>
-              <a:rPr lang="en-US" sz="2000" b="1" dirty="0"/>
+              <a:rPr lang="en-US" sz="3200" b="1" dirty="0"/>
               <a:t>One codebase tracked in revision control, many deploys</a:t>
             </a:r>
           </a:p>
@@ -14389,21 +17296,6 @@
               <a:buFont typeface="Arial" panose="020B0604020202020204" pitchFamily="34" charset="0"/>
               <a:buChar char="•"/>
             </a:pPr>
-            <a:endParaRPr lang="es-ES" dirty="0"/>
-          </a:p>
-          <a:p>
-            <a:pPr marL="285750" lvl="0" indent="-285750">
-              <a:buClr>
-                <a:srgbClr val="00D0FF"/>
-              </a:buClr>
-              <a:buSzPct val="110000"/>
-              <a:buFont typeface="Arial" panose="020B0604020202020204" pitchFamily="34" charset="0"/>
-              <a:buChar char="•"/>
-            </a:pPr>
-            <a:r>
-              <a:rPr lang="en-US" dirty="0"/>
-              <a:t>Violation of the Twelve-factor: more than one app pointing to the same codebase.</a:t>
-            </a:r>
             <a:endParaRPr lang="es-ES" dirty="0"/>
           </a:p>
         </p:txBody>
@@ -14651,6 +17543,130 @@
           </a:extLst>
         </p:spPr>
       </p:pic>
+      <p:sp>
+        <p:nvSpPr>
+          <p:cNvPr id="6" name="CuadroTexto 5">
+            <a:extLst>
+              <a:ext uri="{FF2B5EF4-FFF2-40B4-BE49-F238E27FC236}">
+                <a16:creationId xmlns:a16="http://schemas.microsoft.com/office/drawing/2014/main" id="{5C2CE9C2-5A32-4DE9-882A-049DAA6D1921}"/>
+              </a:ext>
+            </a:extLst>
+          </p:cNvPr>
+          <p:cNvSpPr txBox="1"/>
+          <p:nvPr/>
+        </p:nvSpPr>
+        <p:spPr>
+          <a:xfrm>
+            <a:off x="964958" y="3429000"/>
+            <a:ext cx="6686144" cy="923330"/>
+          </a:xfrm>
+          <a:prstGeom prst="rect">
+            <a:avLst/>
+          </a:prstGeom>
+          <a:noFill/>
+        </p:spPr>
+        <p:txBody>
+          <a:bodyPr wrap="square" rtlCol="0">
+            <a:spAutoFit/>
+          </a:bodyPr>
+          <a:lstStyle/>
+          <a:p>
+            <a:r>
+              <a:rPr lang="en-US" b="1" dirty="0"/>
+              <a:t>Violation of the Twelve-factor: </a:t>
+            </a:r>
+            <a:r>
+              <a:rPr lang="en-US" dirty="0"/>
+              <a:t>more than one app pointing to the same codebase.</a:t>
+            </a:r>
+            <a:endParaRPr lang="es-ES" dirty="0"/>
+          </a:p>
+          <a:p>
+            <a:endParaRPr lang="en-US" dirty="0"/>
+          </a:p>
+        </p:txBody>
+      </p:sp>
+      <p:sp>
+        <p:nvSpPr>
+          <p:cNvPr id="8" name="AutoShape 4" descr="data:image/png;base64,iVBORw0KGgoAAAANSUhEUgAAAPAAAADSCAMAAABD772dAAABL1BMVEX//////wAAAAAAAAIAAAT//QD9/wAAAAYAAwADAAEeHh7//w/8/PwYGBj//yIEBAQhISEPDw///yoTExPs7Oz19fWGhobAwC3e3t5lZWW6uTB8fHyVlZXk5OTJySq9vC5ycnKenp7S0tIqKipbW1u3t7fIyMhBQUGtra3//zvT0yre3jTDw8OurjU/PxVTU1PU0zn09D03NzczMzOChCVsbGx6fSloaCO2tDgcHhJKRhLq5zySkChmYSSZlyLNy0E5OhPw8SMiIQBXWB84OB1QUShgYRiEgRdVVR/g30bl5il5dSilozmuqDUXFQAdIAk2PA9BRAA7NR3Z1E5BQR8fFRBiXy2clixtbB6RjjuwrSRBOhb//1A4NAAtLwdeXRN6ej27vEKIihOtrEctLhr9VieIAAAVdklEQVR4nOVdC3sTNxZlpHkid4YMhEfaJiHQlokJxCWbAEkJ4dGShNDtLl1gd8tud/v/f8PqSmN7dK/GHttjj+09Lf2ah42OpdG5L11dutQAvr596wq7fPfeKnzRamIEM8U3d1kX11eXn/DWI1bE7abHM21cZwh3V5se0lTxJ8yXseRa04OaIr6hfBl72PSopofWFzbC7JumxzU1fCUXsI1x0+OaFq6V8GVfNT2yKcGyY+VYzn1rq5Qvu9X02OqHtKcelSxo+PbWEhpc98onmLHvmh5d/SiRpC6WT5qITYnQ9PjqxrUhfJdMmlqXbg0jzL5uepD1odW69O0wuomUpmXaqK+USVKB8VbTg6wRpiRx+MNd+d+QF769RNK0iqeXc+DquiwoMr7X9DhrA5UkziKXu5xx47tNj7MufE3pumpq3cAkfH1JQnpYkoAm50EQMZcXGCcgTctA+D52g918JQeJuaSTJYn2XDE2K43z0/buvvwaremlkKbbxtML+1TCHmSO46Tn+Nlm7NHiL+miJHEJtVMdO77n+R0GG7WJxZemTfz4SoPjPPV8x/PFW4b5MrbYU9yikiTllx0CXc/xs1d0UV9veswT4mFxi5Zc3TBgbwWsaE/44gYLCOObTQ95ItzHdDgLXpzA/Hqe43npGzrFiy1NKyaZMAhCtiEcACxr51R+BCGLivYHu9/0oMdGy5QkPcHsaerkkLMc79Od+ntwoBcTJNUAdsau4/QZ+ydyGwuVq5gjSRY4Z2xKElPLdz/2crq+XNSOlKYQ/EQDizrBN8mGJOe7I5weYSE5Zw+YG6FF/WXTIx8TD8kEu1KSvD5jz/c9KU0swr+4mNJUzH5Li1IuXM7+kcnduf8Myy/89CXjaEkvojS1sCQBZcZuKJvDKUA4bcZMwnLhf9v0+MfAV2RBc/YyBYYGPD/eY8hLTNidxdu3rmG2oLenoEQmYbmqO3iK2SKWM6G4jhtIUnuxIIR9uVnvWLymRatmwpIUSPOCZeAx4BmWn0D6nPBdOGn6DhOQbtFjoU1ok6/8Uuzq6I8xz4skTS1SkMVDlz3I8OTmlIWf/gDWVmj4iouViCArlAdFIxrNsXAOGY9wWH6RcuREkuQEH6ReCWNJWUoT5ygYsEDSROI6IDtn0uSwkPXBS/S8LMjzawUsTo6cZr9ddhQ7jo2wp3dqKU1Ei6U0LcYkb5GRM3Y19Tz7kvaUde2nTxla0wnbbJpJRZiSFCnfYE1ADAso+wD4P+kr9bdtX0qTThkXX3tzIaYYFWRxLuVGGtFej540txz1hdezu+QP44+gxa4R8fm+aS6VgPmCjbUNRrSvrAxPOYW+mt7CIvelNOlfLorTIkgTyn67TArsfiydJF/v0mp6/Xxtd59rmOn4CKI9Zkzv8vwvaSJJUcSCQ6c3oQL2KBGnErFwustcpSIysD+NlPHce01yPu4ivrD1Xgitt5KxnMo42/7wt3fyRw8+7aa5dwy5NUessSBEL5/zyuIWlaQgYr+manJh+UpWnQ86o6Qm8h87GXxTPeHSpH7q8gDZW5tNcxqC78mKZuwY+EoXAXar9C36+buN2BfdzeuUhrfmPEdOa4Rd9oNONah9ufNSxfJ6COUSPuqlIhwpTVGEMhFzLU0twlfi0NPC6zni8AlLorDwnCon+F99xlKacFR+rqXJViO8F/sQgAYFOnzBEhcFoYHeQTe250tp4riK7Uprbu2tm5ZjKz93lJcEIff0L/KRdtEMRmBNnqc69COf8S9wzDaZ4xz5Q0sJ6Y5QQR1QHZi9QuaM5/8FS+yGJuyBNKGAXjK/0oRqhDlM36v8+YQN64llwed4oKs+5NJP38gXcjP6Ma+HXpAk8SBy2bHoET4u56vCA8os8Z1d9bVpcM2nNKHsdwT/fowdbVJKJheDCG/3rOx4nwUuMwX5UdPcbCCSlISulKSerSyeDSK8LrdpTy1r58wNOC4LmD9pal36EnMIEnYkes6BM4wwkAWT2o/fshDHt1bmLxFBst9SfqQkif4M2xIqPWzntraAfetXRn51/gJ6ZlwnVDHINeF4RcI0TFcg7GkfGfyLDbxNs/mTJqMgK1DbDnufet3ILNiVO+V0GWvDh9Jd/5AjN3+czJs0te4UpzdwVeBiW/TS/UD8cVXCjtMGrxLh27kqlzckKZROv+R7nurQTb5pDSXs9AiLeJ8+xXea5thH69KqOTa5oOWS7ijTqU94rfIMS6vsHd3h5qmyGEkSBz/3g3D66W9NeMAuXSQM0Q8cJ5C4Oj/StIX4Qh34c12v0yUsn+GBpqWxaUmBSv+g1Uxz4jW1Wjj7rczgDbN4RRL+KyMRuj7OCs8wWCniBnOjgBtH1+ZGmmztSN6kPiZ8OmiGwXnoLWlVWXwgd3vDwkzY3aaZahiSlM8x28WVDf5Awu9OCgVrirCUJrdwDEZjPsq3SPbbTdhejFKFnkqllOLnE6efeIFNy3PiPUbO6l1umitglYxeTksH15/JCTwb8Ai/KhJWBqaUpl/p782DNNF2JBHbEZ7jY8InPw8gnIH7318NEAkAb4NY301LE041cHVOR53DMulKEiefywm/zxy/+BkBd09Kk4uDZE1LUwvFdeS2CuewwMnzMGFb+VkXrzPfJ0WJzjo2MBs/jwkFWcYcqAl+GfsOKrgDoyJ+UE74ZUpLXgRIEznm07A0rZrtSKTXIE2FQwdPsJrh2HJmp4uPtpIXVb5FfrXZQy9YknQJqYMnWBP+sZwwvIZAqtMe/dVGpQm3I4FAxUrm0NlSS/pjOeH/CPoEQ8inY9nZm8yRY0mCNMoOVmBNWK5Qy3QxFXXnSscIX7ltgzRxFO9JmpOmLTx6aRq9SS189SN5ZCPsKkJr1lfINS23dhc/yJuNbdSP0ODB8t2lc9Ul/F/rDCtz+Yb1FTDFx7Dvo3M+TXWxuYdzZ3JYB7GwLWlF+HcbYf0xrdsJy7dKP0IKziTc0KEX2iGL8+CsUICGJ2u9nPB2yYfkQY7cJefI7zcS0LO1I3lmkaQuYTivY6Gr/ntYThgefex2JLNna++Q9Q4kyVr3DoTPygn/0/YSnUcHaSL2VhPSdMscttpZfoewnXXTAplNbYQDxZl4G4UXijXmBi43gwGzj/ZskZlKQJLsT7By6p2sZIY5C8sJQyLifd6gqcB49ode7qBhh3IOIJpuJ6y8CesMM/A4fisVb2WU6kMvZo581odeUODODRiUkHqqXMdO2PHjEoeYs19sprQGlDxJaQoDdMxnxtK0ig73Q2ji146uEbbPsET81D6/0lkq0241xcLpqG4YZv3PbHPkJHAXMXYRgwdADxfqUcs1Hf/NRjiSovNpAGGoWYTyLTOAmbCVWfKlkpSwzzrVUGZYQkH0v23rGayKo0GE4V2zz/qpKWJ2OfIWDdzJUW8I+2rWo1Yp8U+2GQYazwYQVpDSRNPps5Mm3LQRVPggtp9L6s2w54gPjGZBFXaG8JXS9JoxbH/MLkeOvCT1eB06lihccY4l4b+XEbZ7h0XCcOiFzPGspAl5SYrvUWwLO/YHrDazdSthDu2mhjKGHDk2qb+bjQ+BAneKwpOO00/328arTuxsWyZXbb6nQwk7wnaOfDbSdJ2MmKt6nUErWh9faVs6WCjC7aF8PSHewpkv9OpZ8KWBO84elJuGRZxB+XCIXx7w6GwoXyiDeKE0zNDjWUgTOknJod6m7GgwJrwCZoY5SzBrL06GEoblc4PBqjZfP/1ozxaaYHDczstNYQMnf8CSNp9EGP7z4a8HE116TS4+1zR9acLZ7yiEep1BgtRH9p7uOzD+N5UIe34bDDPU82O6lcUty7EVDv11KhGG4m8SuwC348ehhNW5RSjfSvAhkCm3CsBeEuB5ZncJMTxfunkkyAzYr0AYWjP5HYYPGU87R16UpK7lsyHKnEIM8R8bXc72hpnSvTf4YLFcpml9XDMHyiNXZTqdksPfZLyWCmL4xn+rEnay5wzr2lRz5LfMkaojOdu69VklrDESYoavf69IWFofa7RR0RSlyfCSoJ1Qwtmn2PMHOYYG1ilh2KbteQcL1KGXBL/F9HLkhiTJ2eVJwE66Z/uroE1lCb4x1NDqQtnj9DOb1k0vqLW9ilXsCCmQpfkzDFtGX87wSdVHwlGNIQmmdB5z9SoaaQAt35RFUHWG/slIcR2Y4ll1wo7TUR9aZCyV6UgTqRF2ITlalatCFhEdhU23muvh6Aou6TUFCTebnbJpnMckXTl5xH6sPFQFP/2N4UdQfmqf08ozDHqQfebkOZ6GNOHD/aGK61QdqYb4F8OWgzalKxP2pTQdw0aNivTqj/bQ21YSiOuMSHjfZnn8O666CXiq+2f6mgURIly/NF0hA3VXsopeUp/wkU2XPlXWcXU40RdtyznyuiuLqZcUQX+d6hu0Bj2spbqZVt36dC8qR0oTIVyrNLWQl+RGoRtB0fvIhNdgqzMJc+V9jPQu4DVF2KS+V+tGjcsb3CBip8KrbmPlOMYyDFgfcevzQZpwL4F6pQn1m3FDOU/SifW8EYdqa9QBaeVRCYPXRD64OnPkuCunq/rr0BrSoTi0ReIrm9I5oCJog7xLndKED/fDsryAVIMYlfDJCxpONw54VCIM1QQvKeH6cuQocMejiD1JlRs8KuH0ObGl2ausYsCkQNmx1kDVJU24tX3kQjMDnzQhHQ7fVjP9OispDCnnC+fIf1JrxVguNTWGJIE7nnT764zK149/xM+wbng56hTLjaujXCbz+ainfIsc7nfh8pFRBUkDvFkzRhOwn8TIK0UV2l4wugPWUVlMyxtC6Js8xiAdZVsiXXLZxchbnwaUQWCRq0OasJfEVH+dUR+7LuFjaK5jEl6jLZiHw1PvFSTY3ppcmmx3Uu6IqoFZBN9P36H3glNsoz/CinP6BhuYSQ058suYLWfPpRE93oqWT97vPec9r+x/JkY2UDVfdR4zwY/xpDlyHLiD0Mqx0N38xiHsqA4OiVIUVx8ZgFKJMRiDNO1pI6jIecJWAST7HcB9WL5qgTYGYeAFe00ojdNI5Zn+DOV7lf1hE6pcNYB1Ul+OHHtJsCsekpOj1QnD6j0D48PVUd5zXa445mqBm17UmVsjxDWJNOGunJBM+jCmimjC8Nr0QhddvjvfjVVLqbFEXb0qe6DKeA1sTrBvWa5JftHRIx+LsMp5Op5I28dra6edWPh5k9rxIB+GYxZB1xBjiOP2LG6RC8BgQW8I1VF3vBH6eSfefLxCl2+N+el5EAmQe2CICY+fI+8H7kJ9gsytWq9Tkf/Yn1zv9eA1kaqCcc9jFrwk3m1U1x7PSJgepDSRsNHl8fatVXQy2A0Ctp/OG2GnY7kCdTxpKnpJ8IauqteRG0/TFA141rZV40yxIUlcX8bxVoweip46sueM+BCjn8dsmReARfI5SQJoZjC4SHj2kNK0a+n9OXr5lilJXLV8WxdGm69xUZDeMRWpALni4H5Mzs1TEaNLEz5JGbljxnUsY8zbw3ujx7UtbyZXXFslE81OiaN6TbgrZ7Ui32oj1P96ve74E7+dTZqujPYQYy8JKgyOcH+dcaGsYLWua3hDtUrAa8LptVGkiXblDKNRKjGGQPk5AIdcGTc61GoRF9K7DhDjUaTJck0ye1w5qTlgdCDjQsSHj4/29o+eHZ/FNbwnPBvZU2g9aK7qzREI36Whtqep400+HRDkidd6R/LCj9sVS60HAOripNcU4vsDRpCmoiSBt+lK52FXjJw5szH2412zzfRBR/iV67zKSac/UMe4ekCvGLjLH4yPsVODhgg/JobgSltMvnvp8/Y4LF9VmgxJ4qogKzhzBh9bqTYsL77AwwpZ0K5j64qPcJ1tUvWmF9KVkwfQzKBqUfRAnDJcqCX31leDzodXhArokQ711XJN6Jpk2PteZKrz88RLOn0qTZjIKFaIohCujZ+YsC9srWCrSBOWpEDfh1V29nsktOG2P3zRAy9cKz42PHV1M8FmBcLomuQkyI1of3K3QfwdXQgPgBulJjZa1WU+u+DVmeungjThwB28vj1mpBxD/KSS6QhulcOWwwD1F/EP6vkzPtLh0oQf/AQ6gtXkA0vCQYCnGD6BWgh7ziGXww3MTXGYNOHyBinnVztj5kYJxDPVnoIuoQqnS4cBdphYVTaahIeUQdDstwtF7zXYWArrUoRRq6ig0tnDCgDvK3ORBrBhXhMpb2C6mUFNhDN6IBbKNCqfWyqHvjsDAnqkDmyQNBl3F4B+QKur+iZYN9XuP8RcMw46k9vSqvOnB/djkjMgm2Vs8Q1vmvBBTC9JHh/xAeRKu2os9yvw2x9P7jx0IaUpIlNcnmtCkqR6o3T80vYrY4xHX63sRpG+RF31Od2JJw/ldd9fwCeKGZcH9K6adLm07I96927WAbim40it5UhC3fkXrNXHFzr3tF3z2D049mW5JlOSlID8ceKIOmzKLqTJK04P1NsrdXpxdAJWa11rGi7zsfRWLAnoIUnKmxn4NfJVl6dJuTzc+fhbyH7+ZW/tJPbGrQCw/wX2rl12rwl5SWCmPU394h2yNQwo3/5EmmWZDmhNmjMtwiu7McQmTSRwl/CqzQwmHmdtbwTvlEJADx0IoxV6LewlgTt9Xvl8zTwBck3J8IDefRwwiHjlZgbzBKHEnhQFUGmyLHx9qewC4izQLeWK+Ab5icRLUo3qa0gVNgCQpgSfnEdek60r5zok+xeSsJOt0ICe6TWZkqRWA7Rtr2//nC3gujJyrqkoTeiGN2UF1ZMcbQhQWYwJF8sgHmLC0Myg6UGPDWixuGt5RvvF4/g6HbgheIEnGPy79D0l3JcmfGwFHI5Rj4vNEaANQ/zaMsVdrwl35YSGFfbe9osBVWZra4KTe01UkiAI87LOosqZg15jrKC9Jnqdjgum99ECMxadJ9S6BKxSSdIII5ftree4UcTGxgb8ybGGsLG2YcUNK/J3Xy/H9gC02/DHit2nlruuAeA1fWf5Pg8SUkCwWCBtt3LctJ5LYroixtX9Mnjv5AjX6J3AoQjVPzwvNybojobR8LH9/QiPwj8DfovcPdbDbVuVv34RV22y8bd6g1OVAdxVF3G43KBYQogOtWRQ1s+o+MUQQCvqsvf+nh7Eytu262qW4t9h/wu5S66DnhTDyNk+kP4P8jGXLOnL5YTzGSv9K4eNeMDPq4HOcMX3V/HQkp+vkCLSJced0md4SbF56XaJYi0pbtvtjuXF18QXXm5Axx6r5bGsUL3k7v6/PMUJ+6I0YrmMSHqdTbaaHsqs0EsifmvpKbyE6EWmW5dWv0QGl36qk8pYGQVXr16FPxZ8YcflobgyFHf+pPNp/wNpsMcOUyl2GAAAAABJRU5ErkJggg==">
+            <a:extLst>
+              <a:ext uri="{FF2B5EF4-FFF2-40B4-BE49-F238E27FC236}">
+                <a16:creationId xmlns:a16="http://schemas.microsoft.com/office/drawing/2014/main" id="{528FFF6A-2D2B-488F-ADAD-C131FF236D9D}"/>
+              </a:ext>
+            </a:extLst>
+          </p:cNvPr>
+          <p:cNvSpPr>
+            <a:spLocks noChangeAspect="1" noChangeArrowheads="1"/>
+          </p:cNvSpPr>
+          <p:nvPr/>
+        </p:nvSpPr>
+        <p:spPr bwMode="auto">
+          <a:xfrm>
+            <a:off x="5057192" y="3276600"/>
+            <a:ext cx="1191208" cy="1191208"/>
+          </a:xfrm>
+          <a:prstGeom prst="rect">
+            <a:avLst/>
+          </a:prstGeom>
+          <a:noFill/>
+          <a:extLst>
+            <a:ext uri="{909E8E84-426E-40DD-AFC4-6F175D3DCCD1}">
+              <a14:hiddenFill xmlns:a14="http://schemas.microsoft.com/office/drawing/2010/main">
+                <a:solidFill>
+                  <a:srgbClr val="FFFFFF"/>
+                </a:solidFill>
+              </a14:hiddenFill>
+            </a:ext>
+          </a:extLst>
+        </p:spPr>
+        <p:txBody>
+          <a:bodyPr vert="horz" wrap="square" lIns="91440" tIns="45720" rIns="91440" bIns="45720" numCol="1" anchor="t" anchorCtr="0" compatLnSpc="1">
+            <a:prstTxWarp prst="textNoShape">
+              <a:avLst/>
+            </a:prstTxWarp>
+          </a:bodyPr>
+          <a:lstStyle/>
+          <a:p>
+            <a:endParaRPr lang="en-US"/>
+          </a:p>
+        </p:txBody>
+      </p:sp>
+      <p:pic>
+        <p:nvPicPr>
+          <p:cNvPr id="12" name="Imagen 11" descr="Imagen que contiene imágenes prediseñadas&#10;&#10;Descripción generada con confianza alta">
+            <a:extLst>
+              <a:ext uri="{FF2B5EF4-FFF2-40B4-BE49-F238E27FC236}">
+                <a16:creationId xmlns:a16="http://schemas.microsoft.com/office/drawing/2014/main" id="{10152A91-234A-405A-B445-E178F2E777E7}"/>
+              </a:ext>
+            </a:extLst>
+          </p:cNvPr>
+          <p:cNvPicPr>
+            <a:picLocks noChangeAspect="1"/>
+          </p:cNvPicPr>
+          <p:nvPr/>
+        </p:nvPicPr>
+        <p:blipFill>
+          <a:blip r:embed="rId3">
+            <a:extLst>
+              <a:ext uri="{28A0092B-C50C-407E-A947-70E740481C1C}">
+                <a14:useLocalDpi xmlns:a14="http://schemas.microsoft.com/office/drawing/2010/main" val="0"/>
+              </a:ext>
+            </a:extLst>
+          </a:blip>
+          <a:stretch>
+            <a:fillRect/>
+          </a:stretch>
+        </p:blipFill>
+        <p:spPr>
+          <a:xfrm>
+            <a:off x="3492452" y="4287817"/>
+            <a:ext cx="937540" cy="846072"/>
+          </a:xfrm>
+          <a:prstGeom prst="rect">
+            <a:avLst/>
+          </a:prstGeom>
+        </p:spPr>
+      </p:pic>
     </p:spTree>
     <p:extLst>
       <p:ext uri="{BB962C8B-B14F-4D97-AF65-F5344CB8AC3E}">
@@ -14661,6 +17677,265 @@
   <p:clrMapOvr>
     <a:masterClrMapping/>
   </p:clrMapOvr>
+  <p:timing>
+    <p:tnLst>
+      <p:par>
+        <p:cTn id="1" dur="indefinite" restart="never" nodeType="tmRoot">
+          <p:childTnLst>
+            <p:seq concurrent="1" nextAc="seek">
+              <p:cTn id="2" dur="indefinite" nodeType="mainSeq">
+                <p:childTnLst>
+                  <p:par>
+                    <p:cTn id="3" fill="hold">
+                      <p:stCondLst>
+                        <p:cond delay="indefinite"/>
+                      </p:stCondLst>
+                      <p:childTnLst>
+                        <p:par>
+                          <p:cTn id="4" fill="hold">
+                            <p:stCondLst>
+                              <p:cond delay="0"/>
+                            </p:stCondLst>
+                            <p:childTnLst>
+                              <p:par>
+                                <p:cTn id="5" presetID="10" presetClass="exit" presetSubtype="0" fill="hold" nodeType="clickEffect">
+                                  <p:stCondLst>
+                                    <p:cond delay="0"/>
+                                  </p:stCondLst>
+                                  <p:childTnLst>
+                                    <p:animEffect transition="out" filter="fade">
+                                      <p:cBhvr>
+                                        <p:cTn id="6" dur="500"/>
+                                        <p:tgtEl>
+                                          <p:spTgt spid="2">
+                                            <p:txEl>
+                                              <p:pRg st="2" end="2"/>
+                                            </p:txEl>
+                                          </p:spTgt>
+                                        </p:tgtEl>
+                                      </p:cBhvr>
+                                    </p:animEffect>
+                                    <p:set>
+                                      <p:cBhvr>
+                                        <p:cTn id="7" dur="1" fill="hold">
+                                          <p:stCondLst>
+                                            <p:cond delay="499"/>
+                                          </p:stCondLst>
+                                        </p:cTn>
+                                        <p:tgtEl>
+                                          <p:spTgt spid="2">
+                                            <p:txEl>
+                                              <p:pRg st="2" end="2"/>
+                                            </p:txEl>
+                                          </p:spTgt>
+                                        </p:tgtEl>
+                                        <p:attrNameLst>
+                                          <p:attrName>style.visibility</p:attrName>
+                                        </p:attrNameLst>
+                                      </p:cBhvr>
+                                      <p:to>
+                                        <p:strVal val="hidden"/>
+                                      </p:to>
+                                    </p:set>
+                                  </p:childTnLst>
+                                </p:cTn>
+                              </p:par>
+                              <p:par>
+                                <p:cTn id="8" presetID="10" presetClass="exit" presetSubtype="0" fill="hold" nodeType="withEffect">
+                                  <p:stCondLst>
+                                    <p:cond delay="0"/>
+                                  </p:stCondLst>
+                                  <p:childTnLst>
+                                    <p:animEffect transition="out" filter="fade">
+                                      <p:cBhvr>
+                                        <p:cTn id="9" dur="500"/>
+                                        <p:tgtEl>
+                                          <p:spTgt spid="2">
+                                            <p:txEl>
+                                              <p:pRg st="3" end="3"/>
+                                            </p:txEl>
+                                          </p:spTgt>
+                                        </p:tgtEl>
+                                      </p:cBhvr>
+                                    </p:animEffect>
+                                    <p:set>
+                                      <p:cBhvr>
+                                        <p:cTn id="10" dur="1" fill="hold">
+                                          <p:stCondLst>
+                                            <p:cond delay="499"/>
+                                          </p:stCondLst>
+                                        </p:cTn>
+                                        <p:tgtEl>
+                                          <p:spTgt spid="2">
+                                            <p:txEl>
+                                              <p:pRg st="3" end="3"/>
+                                            </p:txEl>
+                                          </p:spTgt>
+                                        </p:tgtEl>
+                                        <p:attrNameLst>
+                                          <p:attrName>style.visibility</p:attrName>
+                                        </p:attrNameLst>
+                                      </p:cBhvr>
+                                      <p:to>
+                                        <p:strVal val="hidden"/>
+                                      </p:to>
+                                    </p:set>
+                                  </p:childTnLst>
+                                </p:cTn>
+                              </p:par>
+                              <p:par>
+                                <p:cTn id="11" presetID="10" presetClass="exit" presetSubtype="0" fill="hold" nodeType="withEffect">
+                                  <p:stCondLst>
+                                    <p:cond delay="0"/>
+                                  </p:stCondLst>
+                                  <p:childTnLst>
+                                    <p:animEffect transition="out" filter="fade">
+                                      <p:cBhvr>
+                                        <p:cTn id="12" dur="500"/>
+                                        <p:tgtEl>
+                                          <p:spTgt spid="2">
+                                            <p:txEl>
+                                              <p:pRg st="4" end="4"/>
+                                            </p:txEl>
+                                          </p:spTgt>
+                                        </p:tgtEl>
+                                      </p:cBhvr>
+                                    </p:animEffect>
+                                    <p:set>
+                                      <p:cBhvr>
+                                        <p:cTn id="13" dur="1" fill="hold">
+                                          <p:stCondLst>
+                                            <p:cond delay="499"/>
+                                          </p:stCondLst>
+                                        </p:cTn>
+                                        <p:tgtEl>
+                                          <p:spTgt spid="2">
+                                            <p:txEl>
+                                              <p:pRg st="4" end="4"/>
+                                            </p:txEl>
+                                          </p:spTgt>
+                                        </p:tgtEl>
+                                        <p:attrNameLst>
+                                          <p:attrName>style.visibility</p:attrName>
+                                        </p:attrNameLst>
+                                      </p:cBhvr>
+                                      <p:to>
+                                        <p:strVal val="hidden"/>
+                                      </p:to>
+                                    </p:set>
+                                  </p:childTnLst>
+                                </p:cTn>
+                              </p:par>
+                            </p:childTnLst>
+                          </p:cTn>
+                        </p:par>
+                        <p:par>
+                          <p:cTn id="14" fill="hold">
+                            <p:stCondLst>
+                              <p:cond delay="500"/>
+                            </p:stCondLst>
+                            <p:childTnLst>
+                              <p:par>
+                                <p:cTn id="15" presetID="10" presetClass="entr" presetSubtype="0" fill="hold" grpId="0" nodeType="afterEffect">
+                                  <p:stCondLst>
+                                    <p:cond delay="0"/>
+                                  </p:stCondLst>
+                                  <p:childTnLst>
+                                    <p:set>
+                                      <p:cBhvr>
+                                        <p:cTn id="16" dur="1" fill="hold">
+                                          <p:stCondLst>
+                                            <p:cond delay="0"/>
+                                          </p:stCondLst>
+                                        </p:cTn>
+                                        <p:tgtEl>
+                                          <p:spTgt spid="6"/>
+                                        </p:tgtEl>
+                                        <p:attrNameLst>
+                                          <p:attrName>style.visibility</p:attrName>
+                                        </p:attrNameLst>
+                                      </p:cBhvr>
+                                      <p:to>
+                                        <p:strVal val="visible"/>
+                                      </p:to>
+                                    </p:set>
+                                    <p:animEffect transition="in" filter="fade">
+                                      <p:cBhvr>
+                                        <p:cTn id="17" dur="500"/>
+                                        <p:tgtEl>
+                                          <p:spTgt spid="6"/>
+                                        </p:tgtEl>
+                                      </p:cBhvr>
+                                    </p:animEffect>
+                                  </p:childTnLst>
+                                </p:cTn>
+                              </p:par>
+                              <p:par>
+                                <p:cTn id="18" presetID="10" presetClass="entr" presetSubtype="0" fill="hold" nodeType="withEffect">
+                                  <p:stCondLst>
+                                    <p:cond delay="0"/>
+                                  </p:stCondLst>
+                                  <p:childTnLst>
+                                    <p:set>
+                                      <p:cBhvr>
+                                        <p:cTn id="19" dur="1" fill="hold">
+                                          <p:stCondLst>
+                                            <p:cond delay="0"/>
+                                          </p:stCondLst>
+                                        </p:cTn>
+                                        <p:tgtEl>
+                                          <p:spTgt spid="12"/>
+                                        </p:tgtEl>
+                                        <p:attrNameLst>
+                                          <p:attrName>style.visibility</p:attrName>
+                                        </p:attrNameLst>
+                                      </p:cBhvr>
+                                      <p:to>
+                                        <p:strVal val="visible"/>
+                                      </p:to>
+                                    </p:set>
+                                    <p:animEffect transition="in" filter="fade">
+                                      <p:cBhvr>
+                                        <p:cTn id="20" dur="500"/>
+                                        <p:tgtEl>
+                                          <p:spTgt spid="12"/>
+                                        </p:tgtEl>
+                                      </p:cBhvr>
+                                    </p:animEffect>
+                                  </p:childTnLst>
+                                </p:cTn>
+                              </p:par>
+                            </p:childTnLst>
+                          </p:cTn>
+                        </p:par>
+                      </p:childTnLst>
+                    </p:cTn>
+                  </p:par>
+                </p:childTnLst>
+              </p:cTn>
+              <p:prevCondLst>
+                <p:cond evt="onPrev" delay="0">
+                  <p:tgtEl>
+                    <p:sldTgt/>
+                  </p:tgtEl>
+                </p:cond>
+              </p:prevCondLst>
+              <p:nextCondLst>
+                <p:cond evt="onNext" delay="0">
+                  <p:tgtEl>
+                    <p:sldTgt/>
+                  </p:tgtEl>
+                </p:cond>
+              </p:nextCondLst>
+            </p:seq>
+          </p:childTnLst>
+        </p:cTn>
+      </p:par>
+    </p:tnLst>
+    <p:bldLst>
+      <p:bldP spid="6" grpId="0"/>
+    </p:bldLst>
+  </p:timing>
 </p:sld>
 </file>
 
@@ -14709,10 +17984,10 @@
               <a:buSzPct val="110000"/>
             </a:pPr>
             <a:r>
-              <a:rPr lang="en-US" sz="2000" b="1" dirty="0"/>
+              <a:rPr lang="en-US" sz="3200" b="1" dirty="0"/>
               <a:t>Explicitly declare and isolate dependencies</a:t>
             </a:r>
-            <a:endParaRPr lang="en-US" sz="2000" dirty="0"/>
+            <a:endParaRPr lang="en-US" sz="3200" dirty="0"/>
           </a:p>
           <a:p>
             <a:pPr lvl="0">
@@ -14794,21 +18069,6 @@
               <a:buChar char="•"/>
             </a:pPr>
             <a:endParaRPr lang="en-US" dirty="0"/>
-          </a:p>
-          <a:p>
-            <a:pPr marL="285750" lvl="0" indent="-285750">
-              <a:buClr>
-                <a:srgbClr val="00D0FF"/>
-              </a:buClr>
-              <a:buSzPct val="110000"/>
-              <a:buFont typeface="Arial" panose="020B0604020202020204" pitchFamily="34" charset="0"/>
-              <a:buChar char="•"/>
-            </a:pPr>
-            <a:r>
-              <a:rPr lang="en-US" dirty="0"/>
-              <a:t>Test for this rule: a new developer can check out the app’s codebase onto his development machine, requiring only the language runtime and dependency manager installed as prerequisites. </a:t>
-            </a:r>
-            <a:endParaRPr lang="es-ES" dirty="0"/>
           </a:p>
         </p:txBody>
       </p:sp>
@@ -15008,6 +18268,96 @@
           </a:p>
         </p:txBody>
       </p:sp>
+      <p:pic>
+        <p:nvPicPr>
+          <p:cNvPr id="2050" name="Picture 2" descr="Resultado de imagen de check">
+            <a:extLst>
+              <a:ext uri="{FF2B5EF4-FFF2-40B4-BE49-F238E27FC236}">
+                <a16:creationId xmlns:a16="http://schemas.microsoft.com/office/drawing/2014/main" id="{A64313C3-2964-4BAD-AE19-EB06311192CC}"/>
+              </a:ext>
+            </a:extLst>
+          </p:cNvPr>
+          <p:cNvPicPr>
+            <a:picLocks noChangeAspect="1" noChangeArrowheads="1"/>
+          </p:cNvPicPr>
+          <p:nvPr/>
+        </p:nvPicPr>
+        <p:blipFill>
+          <a:blip r:embed="rId2">
+            <a:extLst>
+              <a:ext uri="{28A0092B-C50C-407E-A947-70E740481C1C}">
+                <a14:useLocalDpi xmlns:a14="http://schemas.microsoft.com/office/drawing/2010/main" val="0"/>
+              </a:ext>
+            </a:extLst>
+          </a:blip>
+          <a:srcRect/>
+          <a:stretch>
+            <a:fillRect/>
+          </a:stretch>
+        </p:blipFill>
+        <p:spPr bwMode="auto">
+          <a:xfrm>
+            <a:off x="4699811" y="3961628"/>
+            <a:ext cx="1924923" cy="1505698"/>
+          </a:xfrm>
+          <a:prstGeom prst="rect">
+            <a:avLst/>
+          </a:prstGeom>
+          <a:noFill/>
+          <a:extLst>
+            <a:ext uri="{909E8E84-426E-40DD-AFC4-6F175D3DCCD1}">
+              <a14:hiddenFill xmlns:a14="http://schemas.microsoft.com/office/drawing/2010/main">
+                <a:solidFill>
+                  <a:srgbClr val="FFFFFF"/>
+                </a:solidFill>
+              </a14:hiddenFill>
+            </a:ext>
+          </a:extLst>
+        </p:spPr>
+      </p:pic>
+      <p:sp>
+        <p:nvSpPr>
+          <p:cNvPr id="6" name="CuadroTexto 5">
+            <a:extLst>
+              <a:ext uri="{FF2B5EF4-FFF2-40B4-BE49-F238E27FC236}">
+                <a16:creationId xmlns:a16="http://schemas.microsoft.com/office/drawing/2014/main" id="{8226ACA6-9319-4D0D-B75B-DBFCF926636E}"/>
+              </a:ext>
+            </a:extLst>
+          </p:cNvPr>
+          <p:cNvSpPr txBox="1"/>
+          <p:nvPr/>
+        </p:nvSpPr>
+        <p:spPr>
+          <a:xfrm>
+            <a:off x="1497562" y="2560949"/>
+            <a:ext cx="8766110" cy="1200329"/>
+          </a:xfrm>
+          <a:prstGeom prst="rect">
+            <a:avLst/>
+          </a:prstGeom>
+          <a:noFill/>
+        </p:spPr>
+        <p:txBody>
+          <a:bodyPr wrap="square" rtlCol="0">
+            <a:spAutoFit/>
+          </a:bodyPr>
+          <a:lstStyle/>
+          <a:p>
+            <a:r>
+              <a:rPr lang="en-US" b="1" dirty="0"/>
+              <a:t>Test for this rule: </a:t>
+            </a:r>
+            <a:r>
+              <a:rPr lang="en-US" dirty="0"/>
+              <a:t>a new developer can check out the app’s codebase onto his development machine, requiring only the language runtime and dependency manager installed as prerequisites. </a:t>
+            </a:r>
+            <a:endParaRPr lang="es-ES" dirty="0"/>
+          </a:p>
+          <a:p>
+            <a:endParaRPr lang="en-US" dirty="0"/>
+          </a:p>
+        </p:txBody>
+      </p:sp>
     </p:spTree>
     <p:extLst>
       <p:ext uri="{BB962C8B-B14F-4D97-AF65-F5344CB8AC3E}">
@@ -15018,6 +18368,265 @@
   <p:clrMapOvr>
     <a:masterClrMapping/>
   </p:clrMapOvr>
+  <p:timing>
+    <p:tnLst>
+      <p:par>
+        <p:cTn id="1" dur="indefinite" restart="never" nodeType="tmRoot">
+          <p:childTnLst>
+            <p:seq concurrent="1" nextAc="seek">
+              <p:cTn id="2" dur="indefinite" nodeType="mainSeq">
+                <p:childTnLst>
+                  <p:par>
+                    <p:cTn id="3" fill="hold">
+                      <p:stCondLst>
+                        <p:cond delay="indefinite"/>
+                      </p:stCondLst>
+                      <p:childTnLst>
+                        <p:par>
+                          <p:cTn id="4" fill="hold">
+                            <p:stCondLst>
+                              <p:cond delay="0"/>
+                            </p:stCondLst>
+                            <p:childTnLst>
+                              <p:par>
+                                <p:cTn id="5" presetID="10" presetClass="exit" presetSubtype="0" fill="hold" nodeType="clickEffect">
+                                  <p:stCondLst>
+                                    <p:cond delay="0"/>
+                                  </p:stCondLst>
+                                  <p:childTnLst>
+                                    <p:animEffect transition="out" filter="fade">
+                                      <p:cBhvr>
+                                        <p:cTn id="6" dur="500"/>
+                                        <p:tgtEl>
+                                          <p:spTgt spid="2">
+                                            <p:txEl>
+                                              <p:pRg st="2" end="2"/>
+                                            </p:txEl>
+                                          </p:spTgt>
+                                        </p:tgtEl>
+                                      </p:cBhvr>
+                                    </p:animEffect>
+                                    <p:set>
+                                      <p:cBhvr>
+                                        <p:cTn id="7" dur="1" fill="hold">
+                                          <p:stCondLst>
+                                            <p:cond delay="499"/>
+                                          </p:stCondLst>
+                                        </p:cTn>
+                                        <p:tgtEl>
+                                          <p:spTgt spid="2">
+                                            <p:txEl>
+                                              <p:pRg st="2" end="2"/>
+                                            </p:txEl>
+                                          </p:spTgt>
+                                        </p:tgtEl>
+                                        <p:attrNameLst>
+                                          <p:attrName>style.visibility</p:attrName>
+                                        </p:attrNameLst>
+                                      </p:cBhvr>
+                                      <p:to>
+                                        <p:strVal val="hidden"/>
+                                      </p:to>
+                                    </p:set>
+                                  </p:childTnLst>
+                                </p:cTn>
+                              </p:par>
+                              <p:par>
+                                <p:cTn id="8" presetID="10" presetClass="exit" presetSubtype="0" fill="hold" nodeType="withEffect">
+                                  <p:stCondLst>
+                                    <p:cond delay="0"/>
+                                  </p:stCondLst>
+                                  <p:childTnLst>
+                                    <p:animEffect transition="out" filter="fade">
+                                      <p:cBhvr>
+                                        <p:cTn id="9" dur="500"/>
+                                        <p:tgtEl>
+                                          <p:spTgt spid="2">
+                                            <p:txEl>
+                                              <p:pRg st="3" end="3"/>
+                                            </p:txEl>
+                                          </p:spTgt>
+                                        </p:tgtEl>
+                                      </p:cBhvr>
+                                    </p:animEffect>
+                                    <p:set>
+                                      <p:cBhvr>
+                                        <p:cTn id="10" dur="1" fill="hold">
+                                          <p:stCondLst>
+                                            <p:cond delay="499"/>
+                                          </p:stCondLst>
+                                        </p:cTn>
+                                        <p:tgtEl>
+                                          <p:spTgt spid="2">
+                                            <p:txEl>
+                                              <p:pRg st="3" end="3"/>
+                                            </p:txEl>
+                                          </p:spTgt>
+                                        </p:tgtEl>
+                                        <p:attrNameLst>
+                                          <p:attrName>style.visibility</p:attrName>
+                                        </p:attrNameLst>
+                                      </p:cBhvr>
+                                      <p:to>
+                                        <p:strVal val="hidden"/>
+                                      </p:to>
+                                    </p:set>
+                                  </p:childTnLst>
+                                </p:cTn>
+                              </p:par>
+                              <p:par>
+                                <p:cTn id="11" presetID="10" presetClass="exit" presetSubtype="0" fill="hold" nodeType="withEffect">
+                                  <p:stCondLst>
+                                    <p:cond delay="0"/>
+                                  </p:stCondLst>
+                                  <p:childTnLst>
+                                    <p:animEffect transition="out" filter="fade">
+                                      <p:cBhvr>
+                                        <p:cTn id="12" dur="500"/>
+                                        <p:tgtEl>
+                                          <p:spTgt spid="2">
+                                            <p:txEl>
+                                              <p:pRg st="4" end="4"/>
+                                            </p:txEl>
+                                          </p:spTgt>
+                                        </p:tgtEl>
+                                      </p:cBhvr>
+                                    </p:animEffect>
+                                    <p:set>
+                                      <p:cBhvr>
+                                        <p:cTn id="13" dur="1" fill="hold">
+                                          <p:stCondLst>
+                                            <p:cond delay="499"/>
+                                          </p:stCondLst>
+                                        </p:cTn>
+                                        <p:tgtEl>
+                                          <p:spTgt spid="2">
+                                            <p:txEl>
+                                              <p:pRg st="4" end="4"/>
+                                            </p:txEl>
+                                          </p:spTgt>
+                                        </p:tgtEl>
+                                        <p:attrNameLst>
+                                          <p:attrName>style.visibility</p:attrName>
+                                        </p:attrNameLst>
+                                      </p:cBhvr>
+                                      <p:to>
+                                        <p:strVal val="hidden"/>
+                                      </p:to>
+                                    </p:set>
+                                  </p:childTnLst>
+                                </p:cTn>
+                              </p:par>
+                            </p:childTnLst>
+                          </p:cTn>
+                        </p:par>
+                        <p:par>
+                          <p:cTn id="14" fill="hold">
+                            <p:stCondLst>
+                              <p:cond delay="500"/>
+                            </p:stCondLst>
+                            <p:childTnLst>
+                              <p:par>
+                                <p:cTn id="15" presetID="10" presetClass="entr" presetSubtype="0" fill="hold" grpId="0" nodeType="afterEffect">
+                                  <p:stCondLst>
+                                    <p:cond delay="0"/>
+                                  </p:stCondLst>
+                                  <p:childTnLst>
+                                    <p:set>
+                                      <p:cBhvr>
+                                        <p:cTn id="16" dur="1" fill="hold">
+                                          <p:stCondLst>
+                                            <p:cond delay="0"/>
+                                          </p:stCondLst>
+                                        </p:cTn>
+                                        <p:tgtEl>
+                                          <p:spTgt spid="6"/>
+                                        </p:tgtEl>
+                                        <p:attrNameLst>
+                                          <p:attrName>style.visibility</p:attrName>
+                                        </p:attrNameLst>
+                                      </p:cBhvr>
+                                      <p:to>
+                                        <p:strVal val="visible"/>
+                                      </p:to>
+                                    </p:set>
+                                    <p:animEffect transition="in" filter="fade">
+                                      <p:cBhvr>
+                                        <p:cTn id="17" dur="500"/>
+                                        <p:tgtEl>
+                                          <p:spTgt spid="6"/>
+                                        </p:tgtEl>
+                                      </p:cBhvr>
+                                    </p:animEffect>
+                                  </p:childTnLst>
+                                </p:cTn>
+                              </p:par>
+                              <p:par>
+                                <p:cTn id="18" presetID="10" presetClass="entr" presetSubtype="0" fill="hold" nodeType="withEffect">
+                                  <p:stCondLst>
+                                    <p:cond delay="0"/>
+                                  </p:stCondLst>
+                                  <p:childTnLst>
+                                    <p:set>
+                                      <p:cBhvr>
+                                        <p:cTn id="19" dur="1" fill="hold">
+                                          <p:stCondLst>
+                                            <p:cond delay="0"/>
+                                          </p:stCondLst>
+                                        </p:cTn>
+                                        <p:tgtEl>
+                                          <p:spTgt spid="2050"/>
+                                        </p:tgtEl>
+                                        <p:attrNameLst>
+                                          <p:attrName>style.visibility</p:attrName>
+                                        </p:attrNameLst>
+                                      </p:cBhvr>
+                                      <p:to>
+                                        <p:strVal val="visible"/>
+                                      </p:to>
+                                    </p:set>
+                                    <p:animEffect transition="in" filter="fade">
+                                      <p:cBhvr>
+                                        <p:cTn id="20" dur="500"/>
+                                        <p:tgtEl>
+                                          <p:spTgt spid="2050"/>
+                                        </p:tgtEl>
+                                      </p:cBhvr>
+                                    </p:animEffect>
+                                  </p:childTnLst>
+                                </p:cTn>
+                              </p:par>
+                            </p:childTnLst>
+                          </p:cTn>
+                        </p:par>
+                      </p:childTnLst>
+                    </p:cTn>
+                  </p:par>
+                </p:childTnLst>
+              </p:cTn>
+              <p:prevCondLst>
+                <p:cond evt="onPrev" delay="0">
+                  <p:tgtEl>
+                    <p:sldTgt/>
+                  </p:tgtEl>
+                </p:cond>
+              </p:prevCondLst>
+              <p:nextCondLst>
+                <p:cond evt="onNext" delay="0">
+                  <p:tgtEl>
+                    <p:sldTgt/>
+                  </p:tgtEl>
+                </p:cond>
+              </p:nextCondLst>
+            </p:seq>
+          </p:childTnLst>
+        </p:cTn>
+      </p:par>
+    </p:tnLst>
+    <p:bldLst>
+      <p:bldP spid="6" grpId="0"/>
+    </p:bldLst>
+  </p:timing>
 </p:sld>
 </file>
 
@@ -15066,7 +18675,7 @@
               <a:buSzPct val="110000"/>
             </a:pPr>
             <a:r>
-              <a:rPr lang="en-US" sz="2000" b="1" dirty="0"/>
+              <a:rPr lang="en-US" sz="3200" b="1" dirty="0"/>
               <a:t>Store config in the environment</a:t>
             </a:r>
           </a:p>
@@ -15077,7 +18686,7 @@
               </a:buClr>
               <a:buSzPct val="110000"/>
             </a:pPr>
-            <a:endParaRPr lang="en-US" dirty="0"/>
+            <a:endParaRPr lang="en-US" sz="3200" dirty="0"/>
           </a:p>
           <a:p>
             <a:pPr marL="285750" lvl="0" indent="-285750">
@@ -15211,20 +18820,6 @@
               </a:solidFill>
               <a:latin typeface="+mj-lt"/>
             </a:endParaRPr>
-          </a:p>
-          <a:p>
-            <a:pPr marL="285750" indent="-285750">
-              <a:buClr>
-                <a:srgbClr val="00D0FF"/>
-              </a:buClr>
-              <a:buSzPct val="110000"/>
-              <a:buFont typeface="Arial" panose="020B0604020202020204" pitchFamily="34" charset="0"/>
-              <a:buChar char="•"/>
-            </a:pPr>
-            <a:r>
-              <a:rPr lang="en-US" dirty="0"/>
-              <a:t>Violation of twelve-factor : store config as constants in the code. Config and code must be strictly separated.</a:t>
-            </a:r>
           </a:p>
           <a:p>
             <a:pPr marL="285750" indent="-285750">
@@ -15440,6 +19035,84 @@
           </a:p>
         </p:txBody>
       </p:sp>
+      <p:pic>
+        <p:nvPicPr>
+          <p:cNvPr id="6" name="Imagen 5" descr="Imagen que contiene imágenes prediseñadas&#10;&#10;Descripción generada con confianza alta">
+            <a:extLst>
+              <a:ext uri="{FF2B5EF4-FFF2-40B4-BE49-F238E27FC236}">
+                <a16:creationId xmlns:a16="http://schemas.microsoft.com/office/drawing/2014/main" id="{F2A7204B-6CBC-4222-A45D-0FAD29433311}"/>
+              </a:ext>
+            </a:extLst>
+          </p:cNvPr>
+          <p:cNvPicPr>
+            <a:picLocks noChangeAspect="1"/>
+          </p:cNvPicPr>
+          <p:nvPr/>
+        </p:nvPicPr>
+        <p:blipFill>
+          <a:blip r:embed="rId2">
+            <a:extLst>
+              <a:ext uri="{28A0092B-C50C-407E-A947-70E740481C1C}">
+                <a14:useLocalDpi xmlns:a14="http://schemas.microsoft.com/office/drawing/2010/main" val="0"/>
+              </a:ext>
+            </a:extLst>
+          </a:blip>
+          <a:stretch>
+            <a:fillRect/>
+          </a:stretch>
+        </p:blipFill>
+        <p:spPr>
+          <a:xfrm>
+            <a:off x="4963140" y="4427776"/>
+            <a:ext cx="937540" cy="846072"/>
+          </a:xfrm>
+          <a:prstGeom prst="rect">
+            <a:avLst/>
+          </a:prstGeom>
+        </p:spPr>
+      </p:pic>
+      <p:sp>
+        <p:nvSpPr>
+          <p:cNvPr id="7" name="CuadroTexto 6">
+            <a:extLst>
+              <a:ext uri="{FF2B5EF4-FFF2-40B4-BE49-F238E27FC236}">
+                <a16:creationId xmlns:a16="http://schemas.microsoft.com/office/drawing/2014/main" id="{4F12DA57-B222-405A-A619-F247DCF3829D}"/>
+              </a:ext>
+            </a:extLst>
+          </p:cNvPr>
+          <p:cNvSpPr txBox="1"/>
+          <p:nvPr/>
+        </p:nvSpPr>
+        <p:spPr>
+          <a:xfrm>
+            <a:off x="1630994" y="2917333"/>
+            <a:ext cx="8539373" cy="923330"/>
+          </a:xfrm>
+          <a:prstGeom prst="rect">
+            <a:avLst/>
+          </a:prstGeom>
+          <a:noFill/>
+        </p:spPr>
+        <p:txBody>
+          <a:bodyPr wrap="square" rtlCol="0">
+            <a:spAutoFit/>
+          </a:bodyPr>
+          <a:lstStyle/>
+          <a:p>
+            <a:r>
+              <a:rPr lang="en-US" b="1" dirty="0"/>
+              <a:t>Violation of twelve-factor : </a:t>
+            </a:r>
+            <a:r>
+              <a:rPr lang="en-US" dirty="0"/>
+              <a:t>store config as constants in the code. Config and code must be strictly separated.</a:t>
+            </a:r>
+          </a:p>
+          <a:p>
+            <a:endParaRPr lang="en-US" dirty="0"/>
+          </a:p>
+        </p:txBody>
+      </p:sp>
     </p:spTree>
     <p:extLst>
       <p:ext uri="{BB962C8B-B14F-4D97-AF65-F5344CB8AC3E}">
@@ -15450,6 +19123,351 @@
   <p:clrMapOvr>
     <a:masterClrMapping/>
   </p:clrMapOvr>
+  <p:timing>
+    <p:tnLst>
+      <p:par>
+        <p:cTn id="1" dur="indefinite" restart="never" nodeType="tmRoot">
+          <p:childTnLst>
+            <p:seq concurrent="1" nextAc="seek">
+              <p:cTn id="2" dur="indefinite" nodeType="mainSeq">
+                <p:childTnLst>
+                  <p:par>
+                    <p:cTn id="3" fill="hold">
+                      <p:stCondLst>
+                        <p:cond delay="indefinite"/>
+                      </p:stCondLst>
+                      <p:childTnLst>
+                        <p:par>
+                          <p:cTn id="4" fill="hold">
+                            <p:stCondLst>
+                              <p:cond delay="0"/>
+                            </p:stCondLst>
+                            <p:childTnLst>
+                              <p:par>
+                                <p:cTn id="5" presetID="10" presetClass="exit" presetSubtype="0" fill="hold" nodeType="clickEffect">
+                                  <p:stCondLst>
+                                    <p:cond delay="0"/>
+                                  </p:stCondLst>
+                                  <p:childTnLst>
+                                    <p:animEffect transition="out" filter="fade">
+                                      <p:cBhvr>
+                                        <p:cTn id="6" dur="500"/>
+                                        <p:tgtEl>
+                                          <p:spTgt spid="2">
+                                            <p:txEl>
+                                              <p:pRg st="2" end="2"/>
+                                            </p:txEl>
+                                          </p:spTgt>
+                                        </p:tgtEl>
+                                      </p:cBhvr>
+                                    </p:animEffect>
+                                    <p:set>
+                                      <p:cBhvr>
+                                        <p:cTn id="7" dur="1" fill="hold">
+                                          <p:stCondLst>
+                                            <p:cond delay="499"/>
+                                          </p:stCondLst>
+                                        </p:cTn>
+                                        <p:tgtEl>
+                                          <p:spTgt spid="2">
+                                            <p:txEl>
+                                              <p:pRg st="2" end="2"/>
+                                            </p:txEl>
+                                          </p:spTgt>
+                                        </p:tgtEl>
+                                        <p:attrNameLst>
+                                          <p:attrName>style.visibility</p:attrName>
+                                        </p:attrNameLst>
+                                      </p:cBhvr>
+                                      <p:to>
+                                        <p:strVal val="hidden"/>
+                                      </p:to>
+                                    </p:set>
+                                  </p:childTnLst>
+                                </p:cTn>
+                              </p:par>
+                              <p:par>
+                                <p:cTn id="8" presetID="10" presetClass="exit" presetSubtype="0" fill="hold" nodeType="withEffect">
+                                  <p:stCondLst>
+                                    <p:cond delay="0"/>
+                                  </p:stCondLst>
+                                  <p:childTnLst>
+                                    <p:animEffect transition="out" filter="fade">
+                                      <p:cBhvr>
+                                        <p:cTn id="9" dur="500"/>
+                                        <p:tgtEl>
+                                          <p:spTgt spid="2">
+                                            <p:txEl>
+                                              <p:pRg st="3" end="3"/>
+                                            </p:txEl>
+                                          </p:spTgt>
+                                        </p:tgtEl>
+                                      </p:cBhvr>
+                                    </p:animEffect>
+                                    <p:set>
+                                      <p:cBhvr>
+                                        <p:cTn id="10" dur="1" fill="hold">
+                                          <p:stCondLst>
+                                            <p:cond delay="499"/>
+                                          </p:stCondLst>
+                                        </p:cTn>
+                                        <p:tgtEl>
+                                          <p:spTgt spid="2">
+                                            <p:txEl>
+                                              <p:pRg st="3" end="3"/>
+                                            </p:txEl>
+                                          </p:spTgt>
+                                        </p:tgtEl>
+                                        <p:attrNameLst>
+                                          <p:attrName>style.visibility</p:attrName>
+                                        </p:attrNameLst>
+                                      </p:cBhvr>
+                                      <p:to>
+                                        <p:strVal val="hidden"/>
+                                      </p:to>
+                                    </p:set>
+                                  </p:childTnLst>
+                                </p:cTn>
+                              </p:par>
+                              <p:par>
+                                <p:cTn id="11" presetID="10" presetClass="exit" presetSubtype="0" fill="hold" nodeType="withEffect">
+                                  <p:stCondLst>
+                                    <p:cond delay="0"/>
+                                  </p:stCondLst>
+                                  <p:childTnLst>
+                                    <p:animEffect transition="out" filter="fade">
+                                      <p:cBhvr>
+                                        <p:cTn id="12" dur="500"/>
+                                        <p:tgtEl>
+                                          <p:spTgt spid="2">
+                                            <p:txEl>
+                                              <p:pRg st="4" end="4"/>
+                                            </p:txEl>
+                                          </p:spTgt>
+                                        </p:tgtEl>
+                                      </p:cBhvr>
+                                    </p:animEffect>
+                                    <p:set>
+                                      <p:cBhvr>
+                                        <p:cTn id="13" dur="1" fill="hold">
+                                          <p:stCondLst>
+                                            <p:cond delay="499"/>
+                                          </p:stCondLst>
+                                        </p:cTn>
+                                        <p:tgtEl>
+                                          <p:spTgt spid="2">
+                                            <p:txEl>
+                                              <p:pRg st="4" end="4"/>
+                                            </p:txEl>
+                                          </p:spTgt>
+                                        </p:tgtEl>
+                                        <p:attrNameLst>
+                                          <p:attrName>style.visibility</p:attrName>
+                                        </p:attrNameLst>
+                                      </p:cBhvr>
+                                      <p:to>
+                                        <p:strVal val="hidden"/>
+                                      </p:to>
+                                    </p:set>
+                                  </p:childTnLst>
+                                </p:cTn>
+                              </p:par>
+                              <p:par>
+                                <p:cTn id="14" presetID="10" presetClass="exit" presetSubtype="0" fill="hold" nodeType="withEffect">
+                                  <p:stCondLst>
+                                    <p:cond delay="0"/>
+                                  </p:stCondLst>
+                                  <p:childTnLst>
+                                    <p:animEffect transition="out" filter="fade">
+                                      <p:cBhvr>
+                                        <p:cTn id="15" dur="500"/>
+                                        <p:tgtEl>
+                                          <p:spTgt spid="2">
+                                            <p:txEl>
+                                              <p:pRg st="5" end="5"/>
+                                            </p:txEl>
+                                          </p:spTgt>
+                                        </p:tgtEl>
+                                      </p:cBhvr>
+                                    </p:animEffect>
+                                    <p:set>
+                                      <p:cBhvr>
+                                        <p:cTn id="16" dur="1" fill="hold">
+                                          <p:stCondLst>
+                                            <p:cond delay="499"/>
+                                          </p:stCondLst>
+                                        </p:cTn>
+                                        <p:tgtEl>
+                                          <p:spTgt spid="2">
+                                            <p:txEl>
+                                              <p:pRg st="5" end="5"/>
+                                            </p:txEl>
+                                          </p:spTgt>
+                                        </p:tgtEl>
+                                        <p:attrNameLst>
+                                          <p:attrName>style.visibility</p:attrName>
+                                        </p:attrNameLst>
+                                      </p:cBhvr>
+                                      <p:to>
+                                        <p:strVal val="hidden"/>
+                                      </p:to>
+                                    </p:set>
+                                  </p:childTnLst>
+                                </p:cTn>
+                              </p:par>
+                              <p:par>
+                                <p:cTn id="17" presetID="10" presetClass="exit" presetSubtype="0" fill="hold" nodeType="withEffect">
+                                  <p:stCondLst>
+                                    <p:cond delay="0"/>
+                                  </p:stCondLst>
+                                  <p:childTnLst>
+                                    <p:animEffect transition="out" filter="fade">
+                                      <p:cBhvr>
+                                        <p:cTn id="18" dur="500"/>
+                                        <p:tgtEl>
+                                          <p:spTgt spid="2">
+                                            <p:txEl>
+                                              <p:pRg st="6" end="6"/>
+                                            </p:txEl>
+                                          </p:spTgt>
+                                        </p:tgtEl>
+                                      </p:cBhvr>
+                                    </p:animEffect>
+                                    <p:set>
+                                      <p:cBhvr>
+                                        <p:cTn id="19" dur="1" fill="hold">
+                                          <p:stCondLst>
+                                            <p:cond delay="499"/>
+                                          </p:stCondLst>
+                                        </p:cTn>
+                                        <p:tgtEl>
+                                          <p:spTgt spid="2">
+                                            <p:txEl>
+                                              <p:pRg st="6" end="6"/>
+                                            </p:txEl>
+                                          </p:spTgt>
+                                        </p:tgtEl>
+                                        <p:attrNameLst>
+                                          <p:attrName>style.visibility</p:attrName>
+                                        </p:attrNameLst>
+                                      </p:cBhvr>
+                                      <p:to>
+                                        <p:strVal val="hidden"/>
+                                      </p:to>
+                                    </p:set>
+                                  </p:childTnLst>
+                                </p:cTn>
+                              </p:par>
+                            </p:childTnLst>
+                          </p:cTn>
+                        </p:par>
+                        <p:par>
+                          <p:cTn id="20" fill="hold">
+                            <p:stCondLst>
+                              <p:cond delay="500"/>
+                            </p:stCondLst>
+                            <p:childTnLst>
+                              <p:par>
+                                <p:cTn id="21" presetID="10" presetClass="entr" presetSubtype="0" fill="hold" grpId="0" nodeType="afterEffect">
+                                  <p:stCondLst>
+                                    <p:cond delay="0"/>
+                                  </p:stCondLst>
+                                  <p:childTnLst>
+                                    <p:set>
+                                      <p:cBhvr>
+                                        <p:cTn id="22" dur="1" fill="hold">
+                                          <p:stCondLst>
+                                            <p:cond delay="0"/>
+                                          </p:stCondLst>
+                                        </p:cTn>
+                                        <p:tgtEl>
+                                          <p:spTgt spid="7"/>
+                                        </p:tgtEl>
+                                        <p:attrNameLst>
+                                          <p:attrName>style.visibility</p:attrName>
+                                        </p:attrNameLst>
+                                      </p:cBhvr>
+                                      <p:to>
+                                        <p:strVal val="visible"/>
+                                      </p:to>
+                                    </p:set>
+                                    <p:animEffect transition="in" filter="fade">
+                                      <p:cBhvr>
+                                        <p:cTn id="23" dur="500"/>
+                                        <p:tgtEl>
+                                          <p:spTgt spid="7"/>
+                                        </p:tgtEl>
+                                      </p:cBhvr>
+                                    </p:animEffect>
+                                  </p:childTnLst>
+                                </p:cTn>
+                              </p:par>
+                              <p:par>
+                                <p:cTn id="24" presetID="10" presetClass="entr" presetSubtype="0" fill="hold" nodeType="withEffect">
+                                  <p:stCondLst>
+                                    <p:cond delay="0"/>
+                                  </p:stCondLst>
+                                  <p:childTnLst>
+                                    <p:set>
+                                      <p:cBhvr>
+                                        <p:cTn id="25" dur="1" fill="hold">
+                                          <p:stCondLst>
+                                            <p:cond delay="0"/>
+                                          </p:stCondLst>
+                                        </p:cTn>
+                                        <p:tgtEl>
+                                          <p:spTgt spid="6"/>
+                                        </p:tgtEl>
+                                        <p:attrNameLst>
+                                          <p:attrName>style.visibility</p:attrName>
+                                        </p:attrNameLst>
+                                      </p:cBhvr>
+                                      <p:to>
+                                        <p:strVal val="visible"/>
+                                      </p:to>
+                                    </p:set>
+                                    <p:animEffect transition="in" filter="fade">
+                                      <p:cBhvr>
+                                        <p:cTn id="26" dur="500"/>
+                                        <p:tgtEl>
+                                          <p:spTgt spid="6"/>
+                                        </p:tgtEl>
+                                      </p:cBhvr>
+                                    </p:animEffect>
+                                  </p:childTnLst>
+                                </p:cTn>
+                              </p:par>
+                            </p:childTnLst>
+                          </p:cTn>
+                        </p:par>
+                      </p:childTnLst>
+                    </p:cTn>
+                  </p:par>
+                </p:childTnLst>
+              </p:cTn>
+              <p:prevCondLst>
+                <p:cond evt="onPrev" delay="0">
+                  <p:tgtEl>
+                    <p:sldTgt/>
+                  </p:tgtEl>
+                </p:cond>
+              </p:prevCondLst>
+              <p:nextCondLst>
+                <p:cond evt="onNext" delay="0">
+                  <p:tgtEl>
+                    <p:sldTgt/>
+                  </p:tgtEl>
+                </p:cond>
+              </p:nextCondLst>
+            </p:seq>
+          </p:childTnLst>
+        </p:cTn>
+      </p:par>
+    </p:tnLst>
+    <p:bldLst>
+      <p:bldP spid="7" grpId="0"/>
+    </p:bldLst>
+  </p:timing>
 </p:sld>
 </file>
 
@@ -15493,7 +19511,9 @@
           </a:xfrm>
         </p:spPr>
         <p:txBody>
-          <a:bodyPr/>
+          <a:bodyPr>
+            <a:normAutofit/>
+          </a:bodyPr>
           <a:lstStyle/>
           <a:p>
             <a:pPr>
@@ -15503,7 +19523,7 @@
               <a:buSzPct val="110000"/>
             </a:pPr>
             <a:r>
-              <a:rPr lang="en-US" sz="2000" b="1" dirty="0"/>
+              <a:rPr lang="en-US" sz="3200" b="1" dirty="0"/>
               <a:t>Treat backing services as attached resources</a:t>
             </a:r>
           </a:p>
@@ -15579,28 +19599,6 @@
               <a:buChar char="•"/>
             </a:pPr>
             <a:endParaRPr lang="en-US" dirty="0"/>
-          </a:p>
-          <a:p>
-            <a:pPr marL="285750" lvl="0" indent="-285750">
-              <a:buClr>
-                <a:srgbClr val="00D0FF"/>
-              </a:buClr>
-              <a:buSzPct val="110000"/>
-              <a:buFont typeface="Arial" panose="020B0604020202020204" pitchFamily="34" charset="0"/>
-              <a:buChar char="•"/>
-            </a:pPr>
-            <a:r>
-              <a:rPr lang="en-US" dirty="0"/>
-              <a:t>Test for this rule : a deploy of the twelve-factor app should be able to swap out a local resource with one managed by a third party (</a:t>
-            </a:r>
-            <a:r>
-              <a:rPr lang="en-US" dirty="0" err="1"/>
-              <a:t>f.i</a:t>
-            </a:r>
-            <a:r>
-              <a:rPr lang="en-US" dirty="0"/>
-              <a:t>. in Azure) without any changes to the app’s code, only by configuration.</a:t>
-            </a:r>
           </a:p>
         </p:txBody>
       </p:sp>
@@ -15855,6 +19853,103 @@
           </a:extLst>
         </p:spPr>
       </p:pic>
+      <p:sp>
+        <p:nvSpPr>
+          <p:cNvPr id="6" name="CuadroTexto 5">
+            <a:extLst>
+              <a:ext uri="{FF2B5EF4-FFF2-40B4-BE49-F238E27FC236}">
+                <a16:creationId xmlns:a16="http://schemas.microsoft.com/office/drawing/2014/main" id="{E1E8006A-9A4A-4B8B-AF97-7070D0D6A9EC}"/>
+              </a:ext>
+            </a:extLst>
+          </p:cNvPr>
+          <p:cNvSpPr txBox="1"/>
+          <p:nvPr/>
+        </p:nvSpPr>
+        <p:spPr>
+          <a:xfrm>
+            <a:off x="877912" y="3306474"/>
+            <a:ext cx="7049509" cy="1200329"/>
+          </a:xfrm>
+          <a:prstGeom prst="rect">
+            <a:avLst/>
+          </a:prstGeom>
+          <a:noFill/>
+        </p:spPr>
+        <p:txBody>
+          <a:bodyPr wrap="square" rtlCol="0">
+            <a:spAutoFit/>
+          </a:bodyPr>
+          <a:lstStyle/>
+          <a:p>
+            <a:r>
+              <a:rPr lang="en-US" b="1" dirty="0"/>
+              <a:t>Test for this rule : </a:t>
+            </a:r>
+            <a:r>
+              <a:rPr lang="en-US" dirty="0"/>
+              <a:t>a deploy of the twelve-factor app should be able to swap out a local resource with one managed by a third party (</a:t>
+            </a:r>
+            <a:r>
+              <a:rPr lang="en-US" dirty="0" err="1"/>
+              <a:t>f.i</a:t>
+            </a:r>
+            <a:r>
+              <a:rPr lang="en-US" dirty="0"/>
+              <a:t>. in Azure) without any changes to the app’s code, only by configuration.</a:t>
+            </a:r>
+          </a:p>
+          <a:p>
+            <a:endParaRPr lang="en-US" dirty="0"/>
+          </a:p>
+        </p:txBody>
+      </p:sp>
+      <p:pic>
+        <p:nvPicPr>
+          <p:cNvPr id="8" name="Picture 2" descr="Resultado de imagen de check">
+            <a:extLst>
+              <a:ext uri="{FF2B5EF4-FFF2-40B4-BE49-F238E27FC236}">
+                <a16:creationId xmlns:a16="http://schemas.microsoft.com/office/drawing/2014/main" id="{97B1DE8C-5C41-4039-83D2-8E2352448596}"/>
+              </a:ext>
+            </a:extLst>
+          </p:cNvPr>
+          <p:cNvPicPr>
+            <a:picLocks noChangeAspect="1" noChangeArrowheads="1"/>
+          </p:cNvPicPr>
+          <p:nvPr/>
+        </p:nvPicPr>
+        <p:blipFill>
+          <a:blip r:embed="rId3">
+            <a:extLst>
+              <a:ext uri="{28A0092B-C50C-407E-A947-70E740481C1C}">
+                <a14:useLocalDpi xmlns:a14="http://schemas.microsoft.com/office/drawing/2010/main" val="0"/>
+              </a:ext>
+            </a:extLst>
+          </a:blip>
+          <a:srcRect/>
+          <a:stretch>
+            <a:fillRect/>
+          </a:stretch>
+        </p:blipFill>
+        <p:spPr bwMode="auto">
+          <a:xfrm>
+            <a:off x="3729427" y="4705797"/>
+            <a:ext cx="1924923" cy="1505698"/>
+          </a:xfrm>
+          <a:prstGeom prst="rect">
+            <a:avLst/>
+          </a:prstGeom>
+          <a:noFill/>
+          <a:extLst>
+            <a:ext uri="{909E8E84-426E-40DD-AFC4-6F175D3DCCD1}">
+              <a14:hiddenFill xmlns:a14="http://schemas.microsoft.com/office/drawing/2010/main">
+                <a:solidFill>
+                  <a:srgbClr val="FFFFFF"/>
+                </a:solidFill>
+              </a14:hiddenFill>
+            </a:ext>
+          </a:extLst>
+        </p:spPr>
+      </p:pic>
     </p:spTree>
     <p:extLst>
       <p:ext uri="{BB962C8B-B14F-4D97-AF65-F5344CB8AC3E}">
@@ -15865,6 +19960,300 @@
   <p:clrMapOvr>
     <a:masterClrMapping/>
   </p:clrMapOvr>
+  <p:timing>
+    <p:tnLst>
+      <p:par>
+        <p:cTn id="1" dur="indefinite" restart="never" nodeType="tmRoot">
+          <p:childTnLst>
+            <p:seq concurrent="1" nextAc="seek">
+              <p:cTn id="2" dur="indefinite" nodeType="mainSeq">
+                <p:childTnLst>
+                  <p:par>
+                    <p:cTn id="3" fill="hold">
+                      <p:stCondLst>
+                        <p:cond delay="indefinite"/>
+                      </p:stCondLst>
+                      <p:childTnLst>
+                        <p:par>
+                          <p:cTn id="4" fill="hold">
+                            <p:stCondLst>
+                              <p:cond delay="0"/>
+                            </p:stCondLst>
+                            <p:childTnLst>
+                              <p:par>
+                                <p:cTn id="5" presetID="10" presetClass="exit" presetSubtype="0" fill="hold" nodeType="clickEffect">
+                                  <p:stCondLst>
+                                    <p:cond delay="0"/>
+                                  </p:stCondLst>
+                                  <p:childTnLst>
+                                    <p:animEffect transition="out" filter="fade">
+                                      <p:cBhvr>
+                                        <p:cTn id="6" dur="500"/>
+                                        <p:tgtEl>
+                                          <p:spTgt spid="2">
+                                            <p:txEl>
+                                              <p:pRg st="2" end="2"/>
+                                            </p:txEl>
+                                          </p:spTgt>
+                                        </p:tgtEl>
+                                      </p:cBhvr>
+                                    </p:animEffect>
+                                    <p:set>
+                                      <p:cBhvr>
+                                        <p:cTn id="7" dur="1" fill="hold">
+                                          <p:stCondLst>
+                                            <p:cond delay="499"/>
+                                          </p:stCondLst>
+                                        </p:cTn>
+                                        <p:tgtEl>
+                                          <p:spTgt spid="2">
+                                            <p:txEl>
+                                              <p:pRg st="2" end="2"/>
+                                            </p:txEl>
+                                          </p:spTgt>
+                                        </p:tgtEl>
+                                        <p:attrNameLst>
+                                          <p:attrName>style.visibility</p:attrName>
+                                        </p:attrNameLst>
+                                      </p:cBhvr>
+                                      <p:to>
+                                        <p:strVal val="hidden"/>
+                                      </p:to>
+                                    </p:set>
+                                  </p:childTnLst>
+                                </p:cTn>
+                              </p:par>
+                              <p:par>
+                                <p:cTn id="8" presetID="10" presetClass="exit" presetSubtype="0" fill="hold" nodeType="withEffect">
+                                  <p:stCondLst>
+                                    <p:cond delay="0"/>
+                                  </p:stCondLst>
+                                  <p:childTnLst>
+                                    <p:animEffect transition="out" filter="fade">
+                                      <p:cBhvr>
+                                        <p:cTn id="9" dur="500"/>
+                                        <p:tgtEl>
+                                          <p:spTgt spid="2">
+                                            <p:txEl>
+                                              <p:pRg st="3" end="3"/>
+                                            </p:txEl>
+                                          </p:spTgt>
+                                        </p:tgtEl>
+                                      </p:cBhvr>
+                                    </p:animEffect>
+                                    <p:set>
+                                      <p:cBhvr>
+                                        <p:cTn id="10" dur="1" fill="hold">
+                                          <p:stCondLst>
+                                            <p:cond delay="499"/>
+                                          </p:stCondLst>
+                                        </p:cTn>
+                                        <p:tgtEl>
+                                          <p:spTgt spid="2">
+                                            <p:txEl>
+                                              <p:pRg st="3" end="3"/>
+                                            </p:txEl>
+                                          </p:spTgt>
+                                        </p:tgtEl>
+                                        <p:attrNameLst>
+                                          <p:attrName>style.visibility</p:attrName>
+                                        </p:attrNameLst>
+                                      </p:cBhvr>
+                                      <p:to>
+                                        <p:strVal val="hidden"/>
+                                      </p:to>
+                                    </p:set>
+                                  </p:childTnLst>
+                                </p:cTn>
+                              </p:par>
+                              <p:par>
+                                <p:cTn id="11" presetID="10" presetClass="exit" presetSubtype="0" fill="hold" nodeType="withEffect">
+                                  <p:stCondLst>
+                                    <p:cond delay="0"/>
+                                  </p:stCondLst>
+                                  <p:childTnLst>
+                                    <p:animEffect transition="out" filter="fade">
+                                      <p:cBhvr>
+                                        <p:cTn id="12" dur="500"/>
+                                        <p:tgtEl>
+                                          <p:spTgt spid="2">
+                                            <p:txEl>
+                                              <p:pRg st="4" end="4"/>
+                                            </p:txEl>
+                                          </p:spTgt>
+                                        </p:tgtEl>
+                                      </p:cBhvr>
+                                    </p:animEffect>
+                                    <p:set>
+                                      <p:cBhvr>
+                                        <p:cTn id="13" dur="1" fill="hold">
+                                          <p:stCondLst>
+                                            <p:cond delay="499"/>
+                                          </p:stCondLst>
+                                        </p:cTn>
+                                        <p:tgtEl>
+                                          <p:spTgt spid="2">
+                                            <p:txEl>
+                                              <p:pRg st="4" end="4"/>
+                                            </p:txEl>
+                                          </p:spTgt>
+                                        </p:tgtEl>
+                                        <p:attrNameLst>
+                                          <p:attrName>style.visibility</p:attrName>
+                                        </p:attrNameLst>
+                                      </p:cBhvr>
+                                      <p:to>
+                                        <p:strVal val="hidden"/>
+                                      </p:to>
+                                    </p:set>
+                                  </p:childTnLst>
+                                </p:cTn>
+                              </p:par>
+                            </p:childTnLst>
+                          </p:cTn>
+                        </p:par>
+                        <p:par>
+                          <p:cTn id="14" fill="hold">
+                            <p:stCondLst>
+                              <p:cond delay="500"/>
+                            </p:stCondLst>
+                            <p:childTnLst>
+                              <p:par>
+                                <p:cTn id="15" presetID="10" presetClass="entr" presetSubtype="0" fill="hold" grpId="0" nodeType="afterEffect">
+                                  <p:stCondLst>
+                                    <p:cond delay="0"/>
+                                  </p:stCondLst>
+                                  <p:childTnLst>
+                                    <p:set>
+                                      <p:cBhvr>
+                                        <p:cTn id="16" dur="1" fill="hold">
+                                          <p:stCondLst>
+                                            <p:cond delay="0"/>
+                                          </p:stCondLst>
+                                        </p:cTn>
+                                        <p:tgtEl>
+                                          <p:spTgt spid="6"/>
+                                        </p:tgtEl>
+                                        <p:attrNameLst>
+                                          <p:attrName>style.visibility</p:attrName>
+                                        </p:attrNameLst>
+                                      </p:cBhvr>
+                                      <p:to>
+                                        <p:strVal val="visible"/>
+                                      </p:to>
+                                    </p:set>
+                                    <p:animEffect transition="in" filter="fade">
+                                      <p:cBhvr>
+                                        <p:cTn id="17" dur="500"/>
+                                        <p:tgtEl>
+                                          <p:spTgt spid="6"/>
+                                        </p:tgtEl>
+                                      </p:cBhvr>
+                                    </p:animEffect>
+                                  </p:childTnLst>
+                                </p:cTn>
+                              </p:par>
+                              <p:par>
+                                <p:cTn id="18" presetID="10" presetClass="entr" presetSubtype="0" fill="hold" nodeType="withEffect">
+                                  <p:stCondLst>
+                                    <p:cond delay="0"/>
+                                  </p:stCondLst>
+                                  <p:childTnLst>
+                                    <p:set>
+                                      <p:cBhvr>
+                                        <p:cTn id="19" dur="1" fill="hold">
+                                          <p:stCondLst>
+                                            <p:cond delay="0"/>
+                                          </p:stCondLst>
+                                        </p:cTn>
+                                        <p:tgtEl>
+                                          <p:spTgt spid="8"/>
+                                        </p:tgtEl>
+                                        <p:attrNameLst>
+                                          <p:attrName>style.visibility</p:attrName>
+                                        </p:attrNameLst>
+                                      </p:cBhvr>
+                                      <p:to>
+                                        <p:strVal val="visible"/>
+                                      </p:to>
+                                    </p:set>
+                                    <p:animEffect transition="in" filter="fade">
+                                      <p:cBhvr>
+                                        <p:cTn id="20" dur="500"/>
+                                        <p:tgtEl>
+                                          <p:spTgt spid="8"/>
+                                        </p:tgtEl>
+                                      </p:cBhvr>
+                                    </p:animEffect>
+                                  </p:childTnLst>
+                                </p:cTn>
+                              </p:par>
+                              <p:par>
+                                <p:cTn id="21" presetID="10" presetClass="entr" presetSubtype="0" fill="hold" nodeType="withEffect">
+                                  <p:stCondLst>
+                                    <p:cond delay="0"/>
+                                  </p:stCondLst>
+                                  <p:childTnLst>
+                                    <p:set>
+                                      <p:cBhvr>
+                                        <p:cTn id="22" dur="1" fill="hold">
+                                          <p:stCondLst>
+                                            <p:cond delay="0"/>
+                                          </p:stCondLst>
+                                        </p:cTn>
+                                        <p:tgtEl>
+                                          <p:spTgt spid="8"/>
+                                        </p:tgtEl>
+                                        <p:attrNameLst>
+                                          <p:attrName>style.visibility</p:attrName>
+                                        </p:attrNameLst>
+                                      </p:cBhvr>
+                                      <p:to>
+                                        <p:strVal val="visible"/>
+                                      </p:to>
+                                    </p:set>
+                                    <p:animEffect transition="in" filter="fade">
+                                      <p:cBhvr>
+                                        <p:cTn id="23" dur="500"/>
+                                        <p:tgtEl>
+                                          <p:spTgt spid="8"/>
+                                        </p:tgtEl>
+                                      </p:cBhvr>
+                                    </p:animEffect>
+                                  </p:childTnLst>
+                                </p:cTn>
+                              </p:par>
+                            </p:childTnLst>
+                          </p:cTn>
+                        </p:par>
+                      </p:childTnLst>
+                    </p:cTn>
+                  </p:par>
+                </p:childTnLst>
+              </p:cTn>
+              <p:prevCondLst>
+                <p:cond evt="onPrev" delay="0">
+                  <p:tgtEl>
+                    <p:sldTgt/>
+                  </p:tgtEl>
+                </p:cond>
+              </p:prevCondLst>
+              <p:nextCondLst>
+                <p:cond evt="onNext" delay="0">
+                  <p:tgtEl>
+                    <p:sldTgt/>
+                  </p:tgtEl>
+                </p:cond>
+              </p:nextCondLst>
+            </p:seq>
+          </p:childTnLst>
+        </p:cTn>
+      </p:par>
+    </p:tnLst>
+    <p:bldLst>
+      <p:bldP spid="6" grpId="0"/>
+    </p:bldLst>
+  </p:timing>
 </p:sld>
 </file>
 
@@ -15918,7 +20307,7 @@
               <a:buSzPct val="110000"/>
             </a:pPr>
             <a:r>
-              <a:rPr lang="en-US" sz="2000" b="1" dirty="0"/>
+              <a:rPr lang="en-US" sz="3200" b="1" dirty="0"/>
               <a:t>Strictly separate build and run stages</a:t>
             </a:r>
           </a:p>
@@ -15942,7 +20331,7 @@
             </a:pPr>
             <a:r>
               <a:rPr lang="en-US" dirty="0"/>
-              <a:t>Strict separation between the build, release, and run stages. Example: impossible to make changes to the code at runtime.</a:t>
+              <a:t>Build : code, dependencies, assets</a:t>
             </a:r>
           </a:p>
           <a:p>
@@ -15956,17 +20345,7 @@
             </a:pPr>
             <a:r>
               <a:rPr lang="en-US" dirty="0"/>
-              <a:t>The build stage: code repo </a:t>
-            </a:r>
-            <a:r>
-              <a:rPr lang="en-US" dirty="0">
-                <a:sym typeface="Wingdings" panose="05000000000000000000" pitchFamily="2" charset="2"/>
-              </a:rPr>
-              <a:t> </a:t>
-            </a:r>
-            <a:r>
-              <a:rPr lang="en-US" dirty="0"/>
-              <a:t>executable bundle, the build  </a:t>
+              <a:t>Release: build, deployment config</a:t>
             </a:r>
           </a:p>
           <a:p>
@@ -15980,29 +20359,7 @@
             </a:pPr>
             <a:r>
               <a:rPr lang="en-US" dirty="0"/>
-              <a:t>The release stage: build + </a:t>
-            </a:r>
-            <a:r>
-              <a:rPr lang="en-US" dirty="0" err="1"/>
-              <a:t>deploy’s</a:t>
-            </a:r>
-            <a:r>
-              <a:rPr lang="en-US" dirty="0"/>
-              <a:t> current config</a:t>
-            </a:r>
-          </a:p>
-          <a:p>
-            <a:pPr marL="285750" lvl="0" indent="-285750">
-              <a:buClr>
-                <a:srgbClr val="00D0FF"/>
-              </a:buClr>
-              <a:buSzPct val="110000"/>
-              <a:buFont typeface="Arial" panose="020B0604020202020204" pitchFamily="34" charset="0"/>
-              <a:buChar char="•"/>
-            </a:pPr>
-            <a:r>
-              <a:rPr lang="en-US" dirty="0"/>
-              <a:t>The run stage (aka “runtime”) runs the app in the execution environment</a:t>
+              <a:t>Run (aka “runtime”): execute, no code changes</a:t>
             </a:r>
             <a:endParaRPr lang="es-ES" dirty="0"/>
           </a:p>
@@ -16244,8 +20601,8 @@
         </p:blipFill>
         <p:spPr bwMode="auto">
           <a:xfrm>
-            <a:off x="3396571" y="3952544"/>
-            <a:ext cx="4924465" cy="2048929"/>
+            <a:off x="5858804" y="2458616"/>
+            <a:ext cx="5850607" cy="2434270"/>
           </a:xfrm>
           <a:prstGeom prst="rect">
             <a:avLst/>
@@ -16320,7 +20677,7 @@
               <a:buSzPct val="110000"/>
             </a:pPr>
             <a:r>
-              <a:rPr lang="en-US" sz="2000" b="1" dirty="0"/>
+              <a:rPr lang="en-US" sz="3200" b="1" dirty="0"/>
               <a:t>Execute the app as one or more stateless processes</a:t>
             </a:r>
           </a:p>
@@ -16332,89 +20689,6 @@
               <a:buSzPct val="110000"/>
             </a:pPr>
             <a:endParaRPr lang="en-US" sz="2000" dirty="0"/>
-          </a:p>
-          <a:p>
-            <a:pPr marL="285750" lvl="0" indent="-285750">
-              <a:buClr>
-                <a:srgbClr val="00D0FF"/>
-              </a:buClr>
-              <a:buSzPct val="110000"/>
-              <a:buFont typeface="Arial" panose="020B0604020202020204" pitchFamily="34" charset="0"/>
-              <a:buChar char="•"/>
-            </a:pPr>
-            <a:r>
-              <a:rPr lang="en-US" dirty="0"/>
-              <a:t>You app should be stateless. </a:t>
-            </a:r>
-          </a:p>
-          <a:p>
-            <a:pPr marL="285750" lvl="0" indent="-285750">
-              <a:buClr>
-                <a:srgbClr val="00D0FF"/>
-              </a:buClr>
-              <a:buSzPct val="110000"/>
-              <a:buFont typeface="Arial" panose="020B0604020202020204" pitchFamily="34" charset="0"/>
-              <a:buChar char="•"/>
-            </a:pPr>
-            <a:r>
-              <a:rPr lang="en-US" dirty="0"/>
-              <a:t>Any data that needs to persist must be stored in a </a:t>
-            </a:r>
-            <a:r>
-              <a:rPr lang="en-US" dirty="0" err="1"/>
-              <a:t>stateful</a:t>
-            </a:r>
-            <a:r>
-              <a:rPr lang="en-US" dirty="0"/>
-              <a:t> backing service, typically a database.</a:t>
-            </a:r>
-          </a:p>
-          <a:p>
-            <a:pPr marL="285750" lvl="0" indent="-285750">
-              <a:buClr>
-                <a:srgbClr val="00D0FF"/>
-              </a:buClr>
-              <a:buSzPct val="110000"/>
-              <a:buFont typeface="Arial" panose="020B0604020202020204" pitchFamily="34" charset="0"/>
-              <a:buChar char="•"/>
-            </a:pPr>
-            <a:r>
-              <a:rPr lang="en-US" dirty="0"/>
-              <a:t>The memory space or filesystem of the process can be used as a brief, </a:t>
-            </a:r>
-            <a:r>
-              <a:rPr lang="en-US" b="1" dirty="0"/>
-              <a:t>single-transaction </a:t>
-            </a:r>
-            <a:r>
-              <a:rPr lang="en-US" dirty="0"/>
-              <a:t>cache. For example, downloading a large file, operating on it, and storing the results of the operation in the database.</a:t>
-            </a:r>
-          </a:p>
-          <a:p>
-            <a:pPr marL="285750" lvl="0" indent="-285750">
-              <a:buClr>
-                <a:srgbClr val="00D0FF"/>
-              </a:buClr>
-              <a:buSzPct val="110000"/>
-              <a:buFont typeface="Arial" panose="020B0604020202020204" pitchFamily="34" charset="0"/>
-              <a:buChar char="•"/>
-            </a:pPr>
-            <a:r>
-              <a:rPr lang="en-US" dirty="0"/>
-              <a:t>Do not keep session state data in the app memory. Use a datastore that offers time-expiration such as </a:t>
-            </a:r>
-            <a:r>
-              <a:rPr lang="en-US" dirty="0" err="1">
-                <a:hlinkClick r:id="rId2"/>
-              </a:rPr>
-              <a:t>Redis</a:t>
-            </a:r>
-            <a:r>
-              <a:rPr lang="en-US" dirty="0"/>
-              <a:t>.</a:t>
-            </a:r>
-            <a:endParaRPr lang="es-ES" dirty="0"/>
           </a:p>
         </p:txBody>
       </p:sp>
@@ -16614,6 +20888,343 @@
           </a:p>
         </p:txBody>
       </p:sp>
+      <p:graphicFrame>
+        <p:nvGraphicFramePr>
+          <p:cNvPr id="6" name="Tabla 5">
+            <a:extLst>
+              <a:ext uri="{FF2B5EF4-FFF2-40B4-BE49-F238E27FC236}">
+                <a16:creationId xmlns:a16="http://schemas.microsoft.com/office/drawing/2014/main" id="{4131809C-D3F2-4C0F-835A-78A4719DC12E}"/>
+              </a:ext>
+            </a:extLst>
+          </p:cNvPr>
+          <p:cNvGraphicFramePr>
+            <a:graphicFrameLocks noGrp="1"/>
+          </p:cNvGraphicFramePr>
+          <p:nvPr>
+            <p:extLst>
+              <p:ext uri="{D42A27DB-BD31-4B8C-83A1-F6EECF244321}">
+                <p14:modId xmlns:p14="http://schemas.microsoft.com/office/powerpoint/2010/main" val="2329934834"/>
+              </p:ext>
+            </p:extLst>
+          </p:nvPr>
+        </p:nvGraphicFramePr>
+        <p:xfrm>
+          <a:off x="1902926" y="2576457"/>
+          <a:ext cx="8128000" cy="1950720"/>
+        </p:xfrm>
+        <a:graphic>
+          <a:graphicData uri="http://schemas.openxmlformats.org/drawingml/2006/table">
+            <a:tbl>
+              <a:tblPr firstRow="1" bandRow="1">
+                <a:tableStyleId>{5C22544A-7EE6-4342-B048-85BDC9FD1C3A}</a:tableStyleId>
+              </a:tblPr>
+              <a:tblGrid>
+                <a:gridCol w="4064000">
+                  <a:extLst>
+                    <a:ext uri="{9D8B030D-6E8A-4147-A177-3AD203B41FA5}">
+                      <a16:colId xmlns:a16="http://schemas.microsoft.com/office/drawing/2014/main" val="3920638608"/>
+                    </a:ext>
+                  </a:extLst>
+                </a:gridCol>
+                <a:gridCol w="4064000">
+                  <a:extLst>
+                    <a:ext uri="{9D8B030D-6E8A-4147-A177-3AD203B41FA5}">
+                      <a16:colId xmlns:a16="http://schemas.microsoft.com/office/drawing/2014/main" val="3451150268"/>
+                    </a:ext>
+                  </a:extLst>
+                </a:gridCol>
+              </a:tblGrid>
+              <a:tr h="370840">
+                <a:tc>
+                  <a:txBody>
+                    <a:bodyPr/>
+                    <a:lstStyle/>
+                    <a:p>
+                      <a:pPr algn="ctr"/>
+                      <a:r>
+                        <a:rPr lang="es-ES" dirty="0"/>
+                        <a:t>Do </a:t>
+                      </a:r>
+                      <a:r>
+                        <a:rPr lang="es-ES" dirty="0" err="1"/>
+                        <a:t>not</a:t>
+                      </a:r>
+                      <a:endParaRPr lang="en-US" dirty="0"/>
+                    </a:p>
+                  </a:txBody>
+                  <a:tcPr/>
+                </a:tc>
+                <a:tc>
+                  <a:txBody>
+                    <a:bodyPr/>
+                    <a:lstStyle/>
+                    <a:p>
+                      <a:pPr algn="ctr"/>
+                      <a:r>
+                        <a:rPr lang="es-ES" dirty="0"/>
+                        <a:t>Do</a:t>
+                      </a:r>
+                      <a:endParaRPr lang="en-US" dirty="0"/>
+                    </a:p>
+                  </a:txBody>
+                  <a:tcPr/>
+                </a:tc>
+                <a:extLst>
+                  <a:ext uri="{0D108BD9-81ED-4DB2-BD59-A6C34878D82A}">
+                    <a16:rowId xmlns:a16="http://schemas.microsoft.com/office/drawing/2014/main" val="4249535772"/>
+                  </a:ext>
+                </a:extLst>
+              </a:tr>
+              <a:tr h="370840">
+                <a:tc>
+                  <a:txBody>
+                    <a:bodyPr/>
+                    <a:lstStyle/>
+                    <a:p>
+                      <a:pPr algn="l"/>
+                      <a:r>
+                        <a:rPr lang="es-ES" sz="2000" dirty="0"/>
+                        <a:t>Store </a:t>
+                      </a:r>
+                      <a:r>
+                        <a:rPr lang="es-ES" sz="2000" dirty="0" err="1"/>
+                        <a:t>state</a:t>
+                      </a:r>
+                      <a:r>
+                        <a:rPr lang="es-ES" sz="2000" dirty="0"/>
+                        <a:t> in </a:t>
+                      </a:r>
+                      <a:r>
+                        <a:rPr lang="es-ES" sz="2000" dirty="0" err="1"/>
+                        <a:t>the</a:t>
+                      </a:r>
+                      <a:r>
+                        <a:rPr lang="es-ES" sz="2000" dirty="0"/>
+                        <a:t> </a:t>
+                      </a:r>
+                      <a:r>
+                        <a:rPr lang="es-ES" sz="2000" dirty="0" err="1"/>
+                        <a:t>service</a:t>
+                      </a:r>
+                      <a:endParaRPr lang="en-US" sz="2000" dirty="0"/>
+                    </a:p>
+                  </a:txBody>
+                  <a:tcPr/>
+                </a:tc>
+                <a:tc>
+                  <a:txBody>
+                    <a:bodyPr/>
+                    <a:lstStyle/>
+                    <a:p>
+                      <a:pPr algn="l"/>
+                      <a:r>
+                        <a:rPr lang="es-ES" sz="2000" dirty="0"/>
+                        <a:t>Store </a:t>
+                      </a:r>
+                      <a:r>
+                        <a:rPr lang="es-ES" sz="2000" dirty="0" err="1"/>
+                        <a:t>state</a:t>
+                      </a:r>
+                      <a:r>
+                        <a:rPr lang="es-ES" sz="2000" dirty="0"/>
+                        <a:t> in a </a:t>
+                      </a:r>
+                      <a:r>
+                        <a:rPr lang="es-ES" sz="2000" dirty="0" err="1"/>
+                        <a:t>databse</a:t>
+                      </a:r>
+                      <a:endParaRPr lang="en-US" sz="2000" dirty="0"/>
+                    </a:p>
+                  </a:txBody>
+                  <a:tcPr/>
+                </a:tc>
+                <a:extLst>
+                  <a:ext uri="{0D108BD9-81ED-4DB2-BD59-A6C34878D82A}">
+                    <a16:rowId xmlns:a16="http://schemas.microsoft.com/office/drawing/2014/main" val="3609868422"/>
+                  </a:ext>
+                </a:extLst>
+              </a:tr>
+              <a:tr h="370840">
+                <a:tc rowSpan="2">
+                  <a:txBody>
+                    <a:bodyPr/>
+                    <a:lstStyle/>
+                    <a:p>
+                      <a:pPr marL="0" marR="0" lvl="0" indent="0" algn="l" defTabSz="1219170" rtl="0" eaLnBrk="1" fontAlgn="auto" latinLnBrk="0" hangingPunct="1">
+                        <a:lnSpc>
+                          <a:spcPct val="100000"/>
+                        </a:lnSpc>
+                        <a:spcBef>
+                          <a:spcPts val="0"/>
+                        </a:spcBef>
+                        <a:spcAft>
+                          <a:spcPts val="0"/>
+                        </a:spcAft>
+                        <a:buClrTx/>
+                        <a:buSzTx/>
+                        <a:buFontTx/>
+                        <a:buNone/>
+                        <a:tabLst/>
+                        <a:defRPr/>
+                      </a:pPr>
+                      <a:r>
+                        <a:rPr lang="es-ES" sz="2000" dirty="0" err="1"/>
+                        <a:t>Keep</a:t>
+                      </a:r>
+                      <a:r>
+                        <a:rPr lang="es-ES" sz="2000" dirty="0"/>
+                        <a:t> </a:t>
+                      </a:r>
+                      <a:r>
+                        <a:rPr lang="es-ES" sz="2000" dirty="0" err="1"/>
+                        <a:t>sesion</a:t>
+                      </a:r>
+                      <a:r>
+                        <a:rPr lang="es-ES" sz="2000" dirty="0"/>
+                        <a:t> </a:t>
+                      </a:r>
+                      <a:r>
+                        <a:rPr lang="es-ES" sz="2000" dirty="0" err="1"/>
+                        <a:t>state</a:t>
+                      </a:r>
+                      <a:r>
+                        <a:rPr lang="es-ES" sz="2000" dirty="0"/>
+                        <a:t> in-</a:t>
+                      </a:r>
+                      <a:r>
+                        <a:rPr lang="es-ES" sz="2000" dirty="0" err="1"/>
+                        <a:t>memory</a:t>
+                      </a:r>
+                      <a:endParaRPr lang="en-US" sz="2000" dirty="0"/>
+                    </a:p>
+                    <a:p>
+                      <a:pPr algn="l"/>
+                      <a:endParaRPr lang="en-US" sz="2000" dirty="0"/>
+                    </a:p>
+                  </a:txBody>
+                  <a:tcPr anchor="ctr"/>
+                </a:tc>
+                <a:tc>
+                  <a:txBody>
+                    <a:bodyPr/>
+                    <a:lstStyle/>
+                    <a:p>
+                      <a:pPr algn="l"/>
+                      <a:r>
+                        <a:rPr lang="es-ES" sz="2000" dirty="0"/>
+                        <a:t>Time-</a:t>
+                      </a:r>
+                      <a:r>
+                        <a:rPr lang="es-ES" sz="2000" dirty="0" err="1"/>
+                        <a:t>expiration</a:t>
+                      </a:r>
+                      <a:r>
+                        <a:rPr lang="es-ES" sz="2000" dirty="0"/>
+                        <a:t> </a:t>
+                      </a:r>
+                      <a:r>
+                        <a:rPr lang="es-ES" sz="2000" dirty="0" err="1"/>
+                        <a:t>datastore</a:t>
+                      </a:r>
+                      <a:r>
+                        <a:rPr lang="es-ES" sz="2000" dirty="0"/>
+                        <a:t> (</a:t>
+                      </a:r>
+                      <a:r>
+                        <a:rPr lang="es-ES" sz="2000" dirty="0" err="1"/>
+                        <a:t>Redis</a:t>
+                      </a:r>
+                      <a:r>
+                        <a:rPr lang="es-ES" sz="2000" dirty="0"/>
+                        <a:t>)</a:t>
+                      </a:r>
+                      <a:endParaRPr lang="en-US" sz="2000" dirty="0"/>
+                    </a:p>
+                  </a:txBody>
+                  <a:tcPr/>
+                </a:tc>
+                <a:extLst>
+                  <a:ext uri="{0D108BD9-81ED-4DB2-BD59-A6C34878D82A}">
+                    <a16:rowId xmlns:a16="http://schemas.microsoft.com/office/drawing/2014/main" val="1561712818"/>
+                  </a:ext>
+                </a:extLst>
+              </a:tr>
+              <a:tr h="370840">
+                <a:tc vMerge="1">
+                  <a:txBody>
+                    <a:bodyPr/>
+                    <a:lstStyle/>
+                    <a:p>
+                      <a:endParaRPr lang="en-US" dirty="0"/>
+                    </a:p>
+                  </a:txBody>
+                  <a:tcPr/>
+                </a:tc>
+                <a:tc>
+                  <a:txBody>
+                    <a:bodyPr/>
+                    <a:lstStyle/>
+                    <a:p>
+                      <a:pPr algn="l"/>
+                      <a:r>
+                        <a:rPr lang="es-ES" sz="2000" dirty="0"/>
+                        <a:t>Use local </a:t>
+                      </a:r>
+                      <a:r>
+                        <a:rPr lang="es-ES" sz="2000" dirty="0" err="1"/>
+                        <a:t>filesystem</a:t>
+                      </a:r>
+                      <a:r>
+                        <a:rPr lang="es-ES" sz="2000" dirty="0"/>
+                        <a:t> </a:t>
+                      </a:r>
+                      <a:r>
+                        <a:rPr lang="es-ES" sz="2000" dirty="0" err="1"/>
+                        <a:t>only</a:t>
+                      </a:r>
+                      <a:r>
+                        <a:rPr lang="es-ES" sz="2000" dirty="0"/>
+                        <a:t> </a:t>
+                      </a:r>
+                      <a:r>
+                        <a:rPr lang="es-ES" sz="2000" dirty="0" err="1"/>
+                        <a:t>for</a:t>
+                      </a:r>
+                      <a:r>
+                        <a:rPr lang="es-ES" sz="2000" dirty="0"/>
+                        <a:t> single-</a:t>
+                      </a:r>
+                      <a:r>
+                        <a:rPr lang="es-ES" sz="2000" dirty="0" err="1"/>
+                        <a:t>transactions</a:t>
+                      </a:r>
+                      <a:r>
+                        <a:rPr lang="es-ES" sz="2000" dirty="0"/>
+                        <a:t> (ex. </a:t>
+                      </a:r>
+                      <a:r>
+                        <a:rPr lang="es-ES" sz="2000" dirty="0" err="1"/>
+                        <a:t>Process</a:t>
+                      </a:r>
+                      <a:r>
+                        <a:rPr lang="es-ES" sz="2000" dirty="0"/>
+                        <a:t> a file)</a:t>
+                      </a:r>
+                      <a:endParaRPr lang="en-US" sz="2000" dirty="0"/>
+                    </a:p>
+                  </a:txBody>
+                  <a:tcPr/>
+                </a:tc>
+                <a:extLst>
+                  <a:ext uri="{0D108BD9-81ED-4DB2-BD59-A6C34878D82A}">
+                    <a16:rowId xmlns:a16="http://schemas.microsoft.com/office/drawing/2014/main" val="558955099"/>
+                  </a:ext>
+                </a:extLst>
+              </a:tr>
+            </a:tbl>
+          </a:graphicData>
+        </a:graphic>
+      </p:graphicFrame>
     </p:spTree>
     <p:extLst>
       <p:ext uri="{BB962C8B-B14F-4D97-AF65-F5344CB8AC3E}">
@@ -16871,4 +21482,299 @@
     </a:ext>
   </a:extLst>
 </a:theme>
+</file>
+
+<file path=ppt/theme/theme2.xml><?xml version="1.0" encoding="utf-8"?>
+<a:theme xmlns:a="http://schemas.openxmlformats.org/drawingml/2006/main" name="Tema de Office">
+  <a:themeElements>
+    <a:clrScheme name="Office">
+      <a:dk1>
+        <a:sysClr val="windowText" lastClr="000000"/>
+      </a:dk1>
+      <a:lt1>
+        <a:sysClr val="window" lastClr="FFFFFF"/>
+      </a:lt1>
+      <a:dk2>
+        <a:srgbClr val="44546A"/>
+      </a:dk2>
+      <a:lt2>
+        <a:srgbClr val="E7E6E6"/>
+      </a:lt2>
+      <a:accent1>
+        <a:srgbClr val="4472C4"/>
+      </a:accent1>
+      <a:accent2>
+        <a:srgbClr val="ED7D31"/>
+      </a:accent2>
+      <a:accent3>
+        <a:srgbClr val="A5A5A5"/>
+      </a:accent3>
+      <a:accent4>
+        <a:srgbClr val="FFC000"/>
+      </a:accent4>
+      <a:accent5>
+        <a:srgbClr val="5B9BD5"/>
+      </a:accent5>
+      <a:accent6>
+        <a:srgbClr val="70AD47"/>
+      </a:accent6>
+      <a:hlink>
+        <a:srgbClr val="0563C1"/>
+      </a:hlink>
+      <a:folHlink>
+        <a:srgbClr val="954F72"/>
+      </a:folHlink>
+    </a:clrScheme>
+    <a:fontScheme name="Office">
+      <a:majorFont>
+        <a:latin typeface="Calibri Light" panose="020F0302020204030204"/>
+        <a:ea typeface=""/>
+        <a:cs typeface=""/>
+        <a:font script="Jpan" typeface="游ゴシック Light"/>
+        <a:font script="Hang" typeface="맑은 고딕"/>
+        <a:font script="Hans" typeface="等线 Light"/>
+        <a:font script="Hant" typeface="新細明體"/>
+        <a:font script="Arab" typeface="Times New Roman"/>
+        <a:font script="Hebr" typeface="Times New Roman"/>
+        <a:font script="Thai" typeface="Angsana New"/>
+        <a:font script="Ethi" typeface="Nyala"/>
+        <a:font script="Beng" typeface="Vrinda"/>
+        <a:font script="Gujr" typeface="Shruti"/>
+        <a:font script="Khmr" typeface="MoolBoran"/>
+        <a:font script="Knda" typeface="Tunga"/>
+        <a:font script="Guru" typeface="Raavi"/>
+        <a:font script="Cans" typeface="Euphemia"/>
+        <a:font script="Cher" typeface="Plantagenet Cherokee"/>
+        <a:font script="Yiii" typeface="Microsoft Yi Baiti"/>
+        <a:font script="Tibt" typeface="Microsoft Himalaya"/>
+        <a:font script="Thaa" typeface="MV Boli"/>
+        <a:font script="Deva" typeface="Mangal"/>
+        <a:font script="Telu" typeface="Gautami"/>
+        <a:font script="Taml" typeface="Latha"/>
+        <a:font script="Syrc" typeface="Estrangelo Edessa"/>
+        <a:font script="Orya" typeface="Kalinga"/>
+        <a:font script="Mlym" typeface="Kartika"/>
+        <a:font script="Laoo" typeface="DokChampa"/>
+        <a:font script="Sinh" typeface="Iskoola Pota"/>
+        <a:font script="Mong" typeface="Mongolian Baiti"/>
+        <a:font script="Viet" typeface="Times New Roman"/>
+        <a:font script="Uigh" typeface="Microsoft Uighur"/>
+        <a:font script="Geor" typeface="Sylfaen"/>
+        <a:font script="Armn" typeface="Arial"/>
+        <a:font script="Bugi" typeface="Leelawadee UI"/>
+        <a:font script="Bopo" typeface="Microsoft JhengHei"/>
+        <a:font script="Java" typeface="Javanese Text"/>
+        <a:font script="Lisu" typeface="Segoe UI"/>
+        <a:font script="Mymr" typeface="Myanmar Text"/>
+        <a:font script="Nkoo" typeface="Ebrima"/>
+        <a:font script="Olck" typeface="Nirmala UI"/>
+        <a:font script="Osma" typeface="Ebrima"/>
+        <a:font script="Phag" typeface="Phagspa"/>
+        <a:font script="Syrn" typeface="Estrangelo Edessa"/>
+        <a:font script="Syrj" typeface="Estrangelo Edessa"/>
+        <a:font script="Syre" typeface="Estrangelo Edessa"/>
+        <a:font script="Sora" typeface="Nirmala UI"/>
+        <a:font script="Tale" typeface="Microsoft Tai Le"/>
+        <a:font script="Talu" typeface="Microsoft New Tai Lue"/>
+        <a:font script="Tfng" typeface="Ebrima"/>
+      </a:majorFont>
+      <a:minorFont>
+        <a:latin typeface="Calibri" panose="020F0502020204030204"/>
+        <a:ea typeface=""/>
+        <a:cs typeface=""/>
+        <a:font script="Jpan" typeface="游ゴシック"/>
+        <a:font script="Hang" typeface="맑은 고딕"/>
+        <a:font script="Hans" typeface="等线"/>
+        <a:font script="Hant" typeface="新細明體"/>
+        <a:font script="Arab" typeface="Arial"/>
+        <a:font script="Hebr" typeface="Arial"/>
+        <a:font script="Thai" typeface="Cordia New"/>
+        <a:font script="Ethi" typeface="Nyala"/>
+        <a:font script="Beng" typeface="Vrinda"/>
+        <a:font script="Gujr" typeface="Shruti"/>
+        <a:font script="Khmr" typeface="DaunPenh"/>
+        <a:font script="Knda" typeface="Tunga"/>
+        <a:font script="Guru" typeface="Raavi"/>
+        <a:font script="Cans" typeface="Euphemia"/>
+        <a:font script="Cher" typeface="Plantagenet Cherokee"/>
+        <a:font script="Yiii" typeface="Microsoft Yi Baiti"/>
+        <a:font script="Tibt" typeface="Microsoft Himalaya"/>
+        <a:font script="Thaa" typeface="MV Boli"/>
+        <a:font script="Deva" typeface="Mangal"/>
+        <a:font script="Telu" typeface="Gautami"/>
+        <a:font script="Taml" typeface="Latha"/>
+        <a:font script="Syrc" typeface="Estrangelo Edessa"/>
+        <a:font script="Orya" typeface="Kalinga"/>
+        <a:font script="Mlym" typeface="Kartika"/>
+        <a:font script="Laoo" typeface="DokChampa"/>
+        <a:font script="Sinh" typeface="Iskoola Pota"/>
+        <a:font script="Mong" typeface="Mongolian Baiti"/>
+        <a:font script="Viet" typeface="Arial"/>
+        <a:font script="Uigh" typeface="Microsoft Uighur"/>
+        <a:font script="Geor" typeface="Sylfaen"/>
+        <a:font script="Armn" typeface="Arial"/>
+        <a:font script="Bugi" typeface="Leelawadee UI"/>
+        <a:font script="Bopo" typeface="Microsoft JhengHei"/>
+        <a:font script="Java" typeface="Javanese Text"/>
+        <a:font script="Lisu" typeface="Segoe UI"/>
+        <a:font script="Mymr" typeface="Myanmar Text"/>
+        <a:font script="Nkoo" typeface="Ebrima"/>
+        <a:font script="Olck" typeface="Nirmala UI"/>
+        <a:font script="Osma" typeface="Ebrima"/>
+        <a:font script="Phag" typeface="Phagspa"/>
+        <a:font script="Syrn" typeface="Estrangelo Edessa"/>
+        <a:font script="Syrj" typeface="Estrangelo Edessa"/>
+        <a:font script="Syre" typeface="Estrangelo Edessa"/>
+        <a:font script="Sora" typeface="Nirmala UI"/>
+        <a:font script="Tale" typeface="Microsoft Tai Le"/>
+        <a:font script="Talu" typeface="Microsoft New Tai Lue"/>
+        <a:font script="Tfng" typeface="Ebrima"/>
+      </a:minorFont>
+    </a:fontScheme>
+    <a:fmtScheme name="Office">
+      <a:fillStyleLst>
+        <a:solidFill>
+          <a:schemeClr val="phClr"/>
+        </a:solidFill>
+        <a:gradFill rotWithShape="1">
+          <a:gsLst>
+            <a:gs pos="0">
+              <a:schemeClr val="phClr">
+                <a:lumMod val="110000"/>
+                <a:satMod val="105000"/>
+                <a:tint val="67000"/>
+              </a:schemeClr>
+            </a:gs>
+            <a:gs pos="50000">
+              <a:schemeClr val="phClr">
+                <a:lumMod val="105000"/>
+                <a:satMod val="103000"/>
+                <a:tint val="73000"/>
+              </a:schemeClr>
+            </a:gs>
+            <a:gs pos="100000">
+              <a:schemeClr val="phClr">
+                <a:lumMod val="105000"/>
+                <a:satMod val="109000"/>
+                <a:tint val="81000"/>
+              </a:schemeClr>
+            </a:gs>
+          </a:gsLst>
+          <a:lin ang="5400000" scaled="0"/>
+        </a:gradFill>
+        <a:gradFill rotWithShape="1">
+          <a:gsLst>
+            <a:gs pos="0">
+              <a:schemeClr val="phClr">
+                <a:satMod val="103000"/>
+                <a:lumMod val="102000"/>
+                <a:tint val="94000"/>
+              </a:schemeClr>
+            </a:gs>
+            <a:gs pos="50000">
+              <a:schemeClr val="phClr">
+                <a:satMod val="110000"/>
+                <a:lumMod val="100000"/>
+                <a:shade val="100000"/>
+              </a:schemeClr>
+            </a:gs>
+            <a:gs pos="100000">
+              <a:schemeClr val="phClr">
+                <a:lumMod val="99000"/>
+                <a:satMod val="120000"/>
+                <a:shade val="78000"/>
+              </a:schemeClr>
+            </a:gs>
+          </a:gsLst>
+          <a:lin ang="5400000" scaled="0"/>
+        </a:gradFill>
+      </a:fillStyleLst>
+      <a:lnStyleLst>
+        <a:ln w="6350" cap="flat" cmpd="sng" algn="ctr">
+          <a:solidFill>
+            <a:schemeClr val="phClr"/>
+          </a:solidFill>
+          <a:prstDash val="solid"/>
+          <a:miter lim="800000"/>
+        </a:ln>
+        <a:ln w="12700" cap="flat" cmpd="sng" algn="ctr">
+          <a:solidFill>
+            <a:schemeClr val="phClr"/>
+          </a:solidFill>
+          <a:prstDash val="solid"/>
+          <a:miter lim="800000"/>
+        </a:ln>
+        <a:ln w="19050" cap="flat" cmpd="sng" algn="ctr">
+          <a:solidFill>
+            <a:schemeClr val="phClr"/>
+          </a:solidFill>
+          <a:prstDash val="solid"/>
+          <a:miter lim="800000"/>
+        </a:ln>
+      </a:lnStyleLst>
+      <a:effectStyleLst>
+        <a:effectStyle>
+          <a:effectLst/>
+        </a:effectStyle>
+        <a:effectStyle>
+          <a:effectLst/>
+        </a:effectStyle>
+        <a:effectStyle>
+          <a:effectLst>
+            <a:outerShdw blurRad="57150" dist="19050" dir="5400000" algn="ctr" rotWithShape="0">
+              <a:srgbClr val="000000">
+                <a:alpha val="63000"/>
+              </a:srgbClr>
+            </a:outerShdw>
+          </a:effectLst>
+        </a:effectStyle>
+      </a:effectStyleLst>
+      <a:bgFillStyleLst>
+        <a:solidFill>
+          <a:schemeClr val="phClr"/>
+        </a:solidFill>
+        <a:solidFill>
+          <a:schemeClr val="phClr">
+            <a:tint val="95000"/>
+            <a:satMod val="170000"/>
+          </a:schemeClr>
+        </a:solidFill>
+        <a:gradFill rotWithShape="1">
+          <a:gsLst>
+            <a:gs pos="0">
+              <a:schemeClr val="phClr">
+                <a:tint val="93000"/>
+                <a:satMod val="150000"/>
+                <a:shade val="98000"/>
+                <a:lumMod val="102000"/>
+              </a:schemeClr>
+            </a:gs>
+            <a:gs pos="50000">
+              <a:schemeClr val="phClr">
+                <a:tint val="98000"/>
+                <a:satMod val="130000"/>
+                <a:shade val="90000"/>
+                <a:lumMod val="103000"/>
+              </a:schemeClr>
+            </a:gs>
+            <a:gs pos="100000">
+              <a:schemeClr val="phClr">
+                <a:shade val="63000"/>
+                <a:satMod val="120000"/>
+              </a:schemeClr>
+            </a:gs>
+          </a:gsLst>
+          <a:lin ang="5400000" scaled="0"/>
+        </a:gradFill>
+      </a:bgFillStyleLst>
+    </a:fmtScheme>
+  </a:themeElements>
+  <a:objectDefaults/>
+  <a:extraClrSchemeLst/>
+  <a:extLst>
+    <a:ext uri="{05A4C25C-085E-4340-85A3-A5531E510DB2}">
+      <thm15:themeFamily xmlns:thm15="http://schemas.microsoft.com/office/thememl/2012/main" name="Office Theme" id="{62F939B6-93AF-4DB8-9C6B-D6C7DFDC589F}" vid="{4A3C46E8-61CC-4603-A589-7422A47A8E4A}"/>
+    </a:ext>
+  </a:extLst>
+</a:theme>
 </file>